--- a/screenreader.pptx
+++ b/screenreader.pptx
@@ -5,7 +5,7 @@
     <p:sldMasterId id="2147483648" r:id="rId1"/>
   </p:sldMasterIdLst>
   <p:notesMasterIdLst>
-    <p:notesMasterId r:id="rId10"/>
+    <p:notesMasterId r:id="rId13"/>
   </p:notesMasterIdLst>
   <p:sldIdLst>
     <p:sldId id="256" r:id="rId2"/>
@@ -16,6 +16,9 @@
     <p:sldId id="260" r:id="rId7"/>
     <p:sldId id="261" r:id="rId8"/>
     <p:sldId id="262" r:id="rId9"/>
+    <p:sldId id="264" r:id="rId10"/>
+    <p:sldId id="265" r:id="rId11"/>
+    <p:sldId id="266" r:id="rId12"/>
   </p:sldIdLst>
   <p:sldSz cx="9144000" cy="6858000" type="screen4x3"/>
   <p:notesSz cx="6858000" cy="9144000"/>
@@ -199,6 +202,7 @@
           <a:p>
             <a:fld id="{28B844BE-A14D-43F3-96D9-5E19BAD2F757}" type="datetimeFigureOut">
               <a:rPr lang="de-DE" smtClean="0"/>
+              <a:pPr/>
               <a:t>09.07.2012</a:t>
             </a:fld>
             <a:endParaRPr lang="de-DE"/>
@@ -358,6 +362,7 @@
           <a:p>
             <a:fld id="{B30E63BA-E47B-4AEC-ADBC-7F9718ECE693}" type="slidenum">
               <a:rPr lang="de-DE" smtClean="0"/>
+              <a:pPr/>
               <a:t>‹Nr.›</a:t>
             </a:fld>
             <a:endParaRPr lang="de-DE"/>
@@ -367,7 +372,7 @@
     </p:spTree>
     <p:extLst>
       <p:ext uri="{BB962C8B-B14F-4D97-AF65-F5344CB8AC3E}">
-        <p14:creationId xmlns:p14="http://schemas.microsoft.com/office/powerpoint/2010/main" val="1696538551"/>
+        <p14:creationId xmlns:p14="http://schemas.microsoft.com/office/powerpoint/2010/main" xmlns="" val="1696538551"/>
       </p:ext>
     </p:extLst>
   </p:cSld>
@@ -587,6 +592,7 @@
           <a:p>
             <a:fld id="{B30E63BA-E47B-4AEC-ADBC-7F9718ECE693}" type="slidenum">
               <a:rPr lang="de-DE" smtClean="0"/>
+              <a:pPr/>
               <a:t>3</a:t>
             </a:fld>
             <a:endParaRPr lang="de-DE"/>
@@ -596,7 +602,7 @@
     </p:spTree>
     <p:extLst>
       <p:ext uri="{BB962C8B-B14F-4D97-AF65-F5344CB8AC3E}">
-        <p14:creationId xmlns:p14="http://schemas.microsoft.com/office/powerpoint/2010/main" val="1982433177"/>
+        <p14:creationId xmlns:p14="http://schemas.microsoft.com/office/powerpoint/2010/main" xmlns="" val="1982433177"/>
       </p:ext>
     </p:extLst>
   </p:cSld>
@@ -787,6 +793,7 @@
           <a:p>
             <a:fld id="{FD1E295F-2066-4319-8EE6-062114BD3BB1}" type="datetimeFigureOut">
               <a:rPr lang="de-DE" smtClean="0"/>
+              <a:pPr/>
               <a:t>09.07.2012</a:t>
             </a:fld>
             <a:endParaRPr lang="de-DE"/>
@@ -829,6 +836,7 @@
           <a:p>
             <a:fld id="{B80FB890-9880-426B-AA0C-9EF0430CAE24}" type="slidenum">
               <a:rPr lang="de-DE" smtClean="0"/>
+              <a:pPr/>
               <a:t>‹Nr.›</a:t>
             </a:fld>
             <a:endParaRPr lang="de-DE"/>
@@ -838,7 +846,7 @@
     </p:spTree>
     <p:extLst>
       <p:ext uri="{BB962C8B-B14F-4D97-AF65-F5344CB8AC3E}">
-        <p14:creationId xmlns:p14="http://schemas.microsoft.com/office/powerpoint/2010/main" val="1170071591"/>
+        <p14:creationId xmlns:p14="http://schemas.microsoft.com/office/powerpoint/2010/main" xmlns="" val="1170071591"/>
       </p:ext>
     </p:extLst>
   </p:cSld>
@@ -957,6 +965,7 @@
           <a:p>
             <a:fld id="{FD1E295F-2066-4319-8EE6-062114BD3BB1}" type="datetimeFigureOut">
               <a:rPr lang="de-DE" smtClean="0"/>
+              <a:pPr/>
               <a:t>09.07.2012</a:t>
             </a:fld>
             <a:endParaRPr lang="de-DE"/>
@@ -999,6 +1008,7 @@
           <a:p>
             <a:fld id="{B80FB890-9880-426B-AA0C-9EF0430CAE24}" type="slidenum">
               <a:rPr lang="de-DE" smtClean="0"/>
+              <a:pPr/>
               <a:t>‹Nr.›</a:t>
             </a:fld>
             <a:endParaRPr lang="de-DE"/>
@@ -1008,7 +1018,7 @@
     </p:spTree>
     <p:extLst>
       <p:ext uri="{BB962C8B-B14F-4D97-AF65-F5344CB8AC3E}">
-        <p14:creationId xmlns:p14="http://schemas.microsoft.com/office/powerpoint/2010/main" val="2733097328"/>
+        <p14:creationId xmlns:p14="http://schemas.microsoft.com/office/powerpoint/2010/main" xmlns="" val="2733097328"/>
       </p:ext>
     </p:extLst>
   </p:cSld>
@@ -1137,6 +1147,7 @@
           <a:p>
             <a:fld id="{FD1E295F-2066-4319-8EE6-062114BD3BB1}" type="datetimeFigureOut">
               <a:rPr lang="de-DE" smtClean="0"/>
+              <a:pPr/>
               <a:t>09.07.2012</a:t>
             </a:fld>
             <a:endParaRPr lang="de-DE"/>
@@ -1179,6 +1190,7 @@
           <a:p>
             <a:fld id="{B80FB890-9880-426B-AA0C-9EF0430CAE24}" type="slidenum">
               <a:rPr lang="de-DE" smtClean="0"/>
+              <a:pPr/>
               <a:t>‹Nr.›</a:t>
             </a:fld>
             <a:endParaRPr lang="de-DE"/>
@@ -1188,7 +1200,7 @@
     </p:spTree>
     <p:extLst>
       <p:ext uri="{BB962C8B-B14F-4D97-AF65-F5344CB8AC3E}">
-        <p14:creationId xmlns:p14="http://schemas.microsoft.com/office/powerpoint/2010/main" val="2993913530"/>
+        <p14:creationId xmlns:p14="http://schemas.microsoft.com/office/powerpoint/2010/main" xmlns="" val="2993913530"/>
       </p:ext>
     </p:extLst>
   </p:cSld>
@@ -1307,6 +1319,7 @@
           <a:p>
             <a:fld id="{FD1E295F-2066-4319-8EE6-062114BD3BB1}" type="datetimeFigureOut">
               <a:rPr lang="de-DE" smtClean="0"/>
+              <a:pPr/>
               <a:t>09.07.2012</a:t>
             </a:fld>
             <a:endParaRPr lang="de-DE"/>
@@ -1349,6 +1362,7 @@
           <a:p>
             <a:fld id="{B80FB890-9880-426B-AA0C-9EF0430CAE24}" type="slidenum">
               <a:rPr lang="de-DE" smtClean="0"/>
+              <a:pPr/>
               <a:t>‹Nr.›</a:t>
             </a:fld>
             <a:endParaRPr lang="de-DE"/>
@@ -1358,7 +1372,7 @@
     </p:spTree>
     <p:extLst>
       <p:ext uri="{BB962C8B-B14F-4D97-AF65-F5344CB8AC3E}">
-        <p14:creationId xmlns:p14="http://schemas.microsoft.com/office/powerpoint/2010/main" val="3062328469"/>
+        <p14:creationId xmlns:p14="http://schemas.microsoft.com/office/powerpoint/2010/main" xmlns="" val="3062328469"/>
       </p:ext>
     </p:extLst>
   </p:cSld>
@@ -1553,6 +1567,7 @@
           <a:p>
             <a:fld id="{FD1E295F-2066-4319-8EE6-062114BD3BB1}" type="datetimeFigureOut">
               <a:rPr lang="de-DE" smtClean="0"/>
+              <a:pPr/>
               <a:t>09.07.2012</a:t>
             </a:fld>
             <a:endParaRPr lang="de-DE"/>
@@ -1595,6 +1610,7 @@
           <a:p>
             <a:fld id="{B80FB890-9880-426B-AA0C-9EF0430CAE24}" type="slidenum">
               <a:rPr lang="de-DE" smtClean="0"/>
+              <a:pPr/>
               <a:t>‹Nr.›</a:t>
             </a:fld>
             <a:endParaRPr lang="de-DE"/>
@@ -1604,7 +1620,7 @@
     </p:spTree>
     <p:extLst>
       <p:ext uri="{BB962C8B-B14F-4D97-AF65-F5344CB8AC3E}">
-        <p14:creationId xmlns:p14="http://schemas.microsoft.com/office/powerpoint/2010/main" val="840398187"/>
+        <p14:creationId xmlns:p14="http://schemas.microsoft.com/office/powerpoint/2010/main" xmlns="" val="840398187"/>
       </p:ext>
     </p:extLst>
   </p:cSld>
@@ -1841,6 +1857,7 @@
           <a:p>
             <a:fld id="{FD1E295F-2066-4319-8EE6-062114BD3BB1}" type="datetimeFigureOut">
               <a:rPr lang="de-DE" smtClean="0"/>
+              <a:pPr/>
               <a:t>09.07.2012</a:t>
             </a:fld>
             <a:endParaRPr lang="de-DE"/>
@@ -1883,6 +1900,7 @@
           <a:p>
             <a:fld id="{B80FB890-9880-426B-AA0C-9EF0430CAE24}" type="slidenum">
               <a:rPr lang="de-DE" smtClean="0"/>
+              <a:pPr/>
               <a:t>‹Nr.›</a:t>
             </a:fld>
             <a:endParaRPr lang="de-DE"/>
@@ -1892,7 +1910,7 @@
     </p:spTree>
     <p:extLst>
       <p:ext uri="{BB962C8B-B14F-4D97-AF65-F5344CB8AC3E}">
-        <p14:creationId xmlns:p14="http://schemas.microsoft.com/office/powerpoint/2010/main" val="779490173"/>
+        <p14:creationId xmlns:p14="http://schemas.microsoft.com/office/powerpoint/2010/main" xmlns="" val="779490173"/>
       </p:ext>
     </p:extLst>
   </p:cSld>
@@ -2263,6 +2281,7 @@
           <a:p>
             <a:fld id="{FD1E295F-2066-4319-8EE6-062114BD3BB1}" type="datetimeFigureOut">
               <a:rPr lang="de-DE" smtClean="0"/>
+              <a:pPr/>
               <a:t>09.07.2012</a:t>
             </a:fld>
             <a:endParaRPr lang="de-DE"/>
@@ -2305,6 +2324,7 @@
           <a:p>
             <a:fld id="{B80FB890-9880-426B-AA0C-9EF0430CAE24}" type="slidenum">
               <a:rPr lang="de-DE" smtClean="0"/>
+              <a:pPr/>
               <a:t>‹Nr.›</a:t>
             </a:fld>
             <a:endParaRPr lang="de-DE"/>
@@ -2314,7 +2334,7 @@
     </p:spTree>
     <p:extLst>
       <p:ext uri="{BB962C8B-B14F-4D97-AF65-F5344CB8AC3E}">
-        <p14:creationId xmlns:p14="http://schemas.microsoft.com/office/powerpoint/2010/main" val="854404716"/>
+        <p14:creationId xmlns:p14="http://schemas.microsoft.com/office/powerpoint/2010/main" xmlns="" val="854404716"/>
       </p:ext>
     </p:extLst>
   </p:cSld>
@@ -2381,6 +2401,7 @@
           <a:p>
             <a:fld id="{FD1E295F-2066-4319-8EE6-062114BD3BB1}" type="datetimeFigureOut">
               <a:rPr lang="de-DE" smtClean="0"/>
+              <a:pPr/>
               <a:t>09.07.2012</a:t>
             </a:fld>
             <a:endParaRPr lang="de-DE"/>
@@ -2423,6 +2444,7 @@
           <a:p>
             <a:fld id="{B80FB890-9880-426B-AA0C-9EF0430CAE24}" type="slidenum">
               <a:rPr lang="de-DE" smtClean="0"/>
+              <a:pPr/>
               <a:t>‹Nr.›</a:t>
             </a:fld>
             <a:endParaRPr lang="de-DE"/>
@@ -2432,7 +2454,7 @@
     </p:spTree>
     <p:extLst>
       <p:ext uri="{BB962C8B-B14F-4D97-AF65-F5344CB8AC3E}">
-        <p14:creationId xmlns:p14="http://schemas.microsoft.com/office/powerpoint/2010/main" val="3985794120"/>
+        <p14:creationId xmlns:p14="http://schemas.microsoft.com/office/powerpoint/2010/main" xmlns="" val="3985794120"/>
       </p:ext>
     </p:extLst>
   </p:cSld>
@@ -2476,6 +2498,7 @@
           <a:p>
             <a:fld id="{FD1E295F-2066-4319-8EE6-062114BD3BB1}" type="datetimeFigureOut">
               <a:rPr lang="de-DE" smtClean="0"/>
+              <a:pPr/>
               <a:t>09.07.2012</a:t>
             </a:fld>
             <a:endParaRPr lang="de-DE"/>
@@ -2518,6 +2541,7 @@
           <a:p>
             <a:fld id="{B80FB890-9880-426B-AA0C-9EF0430CAE24}" type="slidenum">
               <a:rPr lang="de-DE" smtClean="0"/>
+              <a:pPr/>
               <a:t>‹Nr.›</a:t>
             </a:fld>
             <a:endParaRPr lang="de-DE"/>
@@ -2527,7 +2551,7 @@
     </p:spTree>
     <p:extLst>
       <p:ext uri="{BB962C8B-B14F-4D97-AF65-F5344CB8AC3E}">
-        <p14:creationId xmlns:p14="http://schemas.microsoft.com/office/powerpoint/2010/main" val="53598727"/>
+        <p14:creationId xmlns:p14="http://schemas.microsoft.com/office/powerpoint/2010/main" xmlns="" val="53598727"/>
       </p:ext>
     </p:extLst>
   </p:cSld>
@@ -2753,6 +2777,7 @@
           <a:p>
             <a:fld id="{FD1E295F-2066-4319-8EE6-062114BD3BB1}" type="datetimeFigureOut">
               <a:rPr lang="de-DE" smtClean="0"/>
+              <a:pPr/>
               <a:t>09.07.2012</a:t>
             </a:fld>
             <a:endParaRPr lang="de-DE"/>
@@ -2795,6 +2820,7 @@
           <a:p>
             <a:fld id="{B80FB890-9880-426B-AA0C-9EF0430CAE24}" type="slidenum">
               <a:rPr lang="de-DE" smtClean="0"/>
+              <a:pPr/>
               <a:t>‹Nr.›</a:t>
             </a:fld>
             <a:endParaRPr lang="de-DE"/>
@@ -2804,7 +2830,7 @@
     </p:spTree>
     <p:extLst>
       <p:ext uri="{BB962C8B-B14F-4D97-AF65-F5344CB8AC3E}">
-        <p14:creationId xmlns:p14="http://schemas.microsoft.com/office/powerpoint/2010/main" val="892921514"/>
+        <p14:creationId xmlns:p14="http://schemas.microsoft.com/office/powerpoint/2010/main" xmlns="" val="892921514"/>
       </p:ext>
     </p:extLst>
   </p:cSld>
@@ -3006,6 +3032,7 @@
           <a:p>
             <a:fld id="{FD1E295F-2066-4319-8EE6-062114BD3BB1}" type="datetimeFigureOut">
               <a:rPr lang="de-DE" smtClean="0"/>
+              <a:pPr/>
               <a:t>09.07.2012</a:t>
             </a:fld>
             <a:endParaRPr lang="de-DE"/>
@@ -3048,6 +3075,7 @@
           <a:p>
             <a:fld id="{B80FB890-9880-426B-AA0C-9EF0430CAE24}" type="slidenum">
               <a:rPr lang="de-DE" smtClean="0"/>
+              <a:pPr/>
               <a:t>‹Nr.›</a:t>
             </a:fld>
             <a:endParaRPr lang="de-DE"/>
@@ -3057,7 +3085,7 @@
     </p:spTree>
     <p:extLst>
       <p:ext uri="{BB962C8B-B14F-4D97-AF65-F5344CB8AC3E}">
-        <p14:creationId xmlns:p14="http://schemas.microsoft.com/office/powerpoint/2010/main" val="3177345597"/>
+        <p14:creationId xmlns:p14="http://schemas.microsoft.com/office/powerpoint/2010/main" xmlns="" val="3177345597"/>
       </p:ext>
     </p:extLst>
   </p:cSld>
@@ -3219,6 +3247,7 @@
           <a:p>
             <a:fld id="{FD1E295F-2066-4319-8EE6-062114BD3BB1}" type="datetimeFigureOut">
               <a:rPr lang="de-DE" smtClean="0"/>
+              <a:pPr/>
               <a:t>09.07.2012</a:t>
             </a:fld>
             <a:endParaRPr lang="de-DE"/>
@@ -3297,6 +3326,7 @@
           <a:p>
             <a:fld id="{B80FB890-9880-426B-AA0C-9EF0430CAE24}" type="slidenum">
               <a:rPr lang="de-DE" smtClean="0"/>
+              <a:pPr/>
               <a:t>‹Nr.›</a:t>
             </a:fld>
             <a:endParaRPr lang="de-DE"/>
@@ -3306,7 +3336,7 @@
     </p:spTree>
     <p:extLst>
       <p:ext uri="{BB962C8B-B14F-4D97-AF65-F5344CB8AC3E}">
-        <p14:creationId xmlns:p14="http://schemas.microsoft.com/office/powerpoint/2010/main" val="4223863924"/>
+        <p14:creationId xmlns:p14="http://schemas.microsoft.com/office/powerpoint/2010/main" xmlns="" val="4223863924"/>
       </p:ext>
     </p:extLst>
   </p:cSld>
@@ -3654,7 +3684,7 @@
     </p:spTree>
     <p:extLst>
       <p:ext uri="{BB962C8B-B14F-4D97-AF65-F5344CB8AC3E}">
-        <p14:creationId xmlns:p14="http://schemas.microsoft.com/office/powerpoint/2010/main" val="327677431"/>
+        <p14:creationId xmlns:p14="http://schemas.microsoft.com/office/powerpoint/2010/main" xmlns="" val="327677431"/>
       </p:ext>
     </p:extLst>
   </p:cSld>
@@ -3668,6 +3698,202 @@
       </p:par>
     </p:tnLst>
   </p:timing>
+</p:sld>
+</file>
+
+<file path=ppt/slides/slide10.xml><?xml version="1.0" encoding="utf-8"?>
+<p:sld xmlns:a="http://schemas.openxmlformats.org/drawingml/2006/main" xmlns:r="http://schemas.openxmlformats.org/officeDocument/2006/relationships" xmlns:p="http://schemas.openxmlformats.org/presentationml/2006/main">
+  <p:cSld>
+    <p:spTree>
+      <p:nvGrpSpPr>
+        <p:cNvPr id="1" name=""/>
+        <p:cNvGrpSpPr/>
+        <p:nvPr/>
+      </p:nvGrpSpPr>
+      <p:grpSpPr>
+        <a:xfrm>
+          <a:off x="0" y="0"/>
+          <a:ext cx="0" cy="0"/>
+          <a:chOff x="0" y="0"/>
+          <a:chExt cx="0" cy="0"/>
+        </a:xfrm>
+      </p:grpSpPr>
+      <p:sp>
+        <p:nvSpPr>
+          <p:cNvPr id="2" name="Titel 1"/>
+          <p:cNvSpPr>
+            <a:spLocks noGrp="1"/>
+          </p:cNvSpPr>
+          <p:nvPr>
+            <p:ph type="title"/>
+          </p:nvPr>
+        </p:nvSpPr>
+        <p:spPr/>
+        <p:txBody>
+          <a:bodyPr/>
+          <a:lstStyle/>
+          <a:p>
+            <a:pPr algn="l"/>
+            <a:r>
+              <a:rPr lang="de-DE" dirty="0" err="1" smtClean="0"/>
+              <a:t>ChromeVox</a:t>
+            </a:r>
+            <a:r>
+              <a:rPr lang="de-DE" dirty="0" smtClean="0"/>
+              <a:t>: Pros</a:t>
+            </a:r>
+            <a:endParaRPr lang="de-DE" dirty="0"/>
+          </a:p>
+        </p:txBody>
+      </p:sp>
+      <p:sp>
+        <p:nvSpPr>
+          <p:cNvPr id="3" name="Inhaltsplatzhalter 2"/>
+          <p:cNvSpPr>
+            <a:spLocks noGrp="1"/>
+          </p:cNvSpPr>
+          <p:nvPr>
+            <p:ph idx="1"/>
+          </p:nvPr>
+        </p:nvSpPr>
+        <p:spPr/>
+        <p:txBody>
+          <a:bodyPr/>
+          <a:lstStyle/>
+          <a:p>
+            <a:r>
+              <a:rPr lang="de-DE" dirty="0" smtClean="0"/>
+              <a:t>Supports AJAX</a:t>
+            </a:r>
+          </a:p>
+          <a:p>
+            <a:pPr lvl="1"/>
+            <a:r>
+              <a:rPr lang="de-DE" dirty="0" smtClean="0"/>
+              <a:t>Verschluckt sich aber auch manchmal (</a:t>
+            </a:r>
+            <a:r>
+              <a:rPr lang="de-DE" dirty="0" err="1" smtClean="0"/>
+              <a:t>Gmail</a:t>
+            </a:r>
+            <a:r>
+              <a:rPr lang="de-DE" dirty="0" smtClean="0"/>
+              <a:t>)</a:t>
+            </a:r>
+          </a:p>
+          <a:p>
+            <a:r>
+              <a:rPr lang="de-DE" dirty="0" smtClean="0"/>
+              <a:t>Beachtet nur sichtbare Elemente</a:t>
+            </a:r>
+          </a:p>
+          <a:p>
+            <a:endParaRPr lang="de-DE" dirty="0" smtClean="0"/>
+          </a:p>
+        </p:txBody>
+      </p:sp>
+    </p:spTree>
+  </p:cSld>
+  <p:clrMapOvr>
+    <a:masterClrMapping/>
+  </p:clrMapOvr>
+</p:sld>
+</file>
+
+<file path=ppt/slides/slide11.xml><?xml version="1.0" encoding="utf-8"?>
+<p:sld xmlns:a="http://schemas.openxmlformats.org/drawingml/2006/main" xmlns:r="http://schemas.openxmlformats.org/officeDocument/2006/relationships" xmlns:p="http://schemas.openxmlformats.org/presentationml/2006/main">
+  <p:cSld>
+    <p:spTree>
+      <p:nvGrpSpPr>
+        <p:cNvPr id="1" name=""/>
+        <p:cNvGrpSpPr/>
+        <p:nvPr/>
+      </p:nvGrpSpPr>
+      <p:grpSpPr>
+        <a:xfrm>
+          <a:off x="0" y="0"/>
+          <a:ext cx="0" cy="0"/>
+          <a:chOff x="0" y="0"/>
+          <a:chExt cx="0" cy="0"/>
+        </a:xfrm>
+      </p:grpSpPr>
+      <p:sp>
+        <p:nvSpPr>
+          <p:cNvPr id="2" name="Titel 1"/>
+          <p:cNvSpPr>
+            <a:spLocks noGrp="1"/>
+          </p:cNvSpPr>
+          <p:nvPr>
+            <p:ph type="title"/>
+          </p:nvPr>
+        </p:nvSpPr>
+        <p:spPr/>
+        <p:txBody>
+          <a:bodyPr/>
+          <a:lstStyle/>
+          <a:p>
+            <a:pPr algn="l"/>
+            <a:r>
+              <a:rPr lang="de-DE" dirty="0" err="1" smtClean="0"/>
+              <a:t>ChromeVox</a:t>
+            </a:r>
+            <a:r>
+              <a:rPr lang="de-DE" dirty="0" smtClean="0"/>
+              <a:t>: </a:t>
+            </a:r>
+            <a:r>
+              <a:rPr lang="de-DE" dirty="0" err="1" smtClean="0"/>
+              <a:t>Cons</a:t>
+            </a:r>
+            <a:endParaRPr lang="de-DE" dirty="0"/>
+          </a:p>
+        </p:txBody>
+      </p:sp>
+      <p:sp>
+        <p:nvSpPr>
+          <p:cNvPr id="3" name="Inhaltsplatzhalter 2"/>
+          <p:cNvSpPr>
+            <a:spLocks noGrp="1"/>
+          </p:cNvSpPr>
+          <p:nvPr>
+            <p:ph idx="1"/>
+          </p:nvPr>
+        </p:nvSpPr>
+        <p:spPr/>
+        <p:txBody>
+          <a:bodyPr/>
+          <a:lstStyle/>
+          <a:p>
+            <a:r>
+              <a:rPr lang="de-DE" dirty="0" smtClean="0"/>
+              <a:t>Nicht kompatibel mit Desktop Screen </a:t>
+            </a:r>
+            <a:r>
+              <a:rPr lang="de-DE" dirty="0" err="1" smtClean="0"/>
+              <a:t>readern</a:t>
+            </a:r>
+            <a:endParaRPr lang="de-DE" dirty="0" smtClean="0"/>
+          </a:p>
+          <a:p>
+            <a:r>
+              <a:rPr lang="de-DE" dirty="0" smtClean="0"/>
+              <a:t>Sprache umstellen?</a:t>
+            </a:r>
+          </a:p>
+          <a:p>
+            <a:r>
+              <a:rPr lang="de-DE" dirty="0" smtClean="0"/>
+              <a:t>Mitunter schwer verständlich</a:t>
+            </a:r>
+            <a:endParaRPr lang="de-DE" dirty="0"/>
+          </a:p>
+        </p:txBody>
+      </p:sp>
+    </p:spTree>
+  </p:cSld>
+  <p:clrMapOvr>
+    <a:masterClrMapping/>
+  </p:clrMapOvr>
 </p:sld>
 </file>
 
@@ -3734,7 +3960,7 @@
     </p:spTree>
     <p:extLst>
       <p:ext uri="{BB962C8B-B14F-4D97-AF65-F5344CB8AC3E}">
-        <p14:creationId xmlns:p14="http://schemas.microsoft.com/office/powerpoint/2010/main" val="2442890494"/>
+        <p14:creationId xmlns:p14="http://schemas.microsoft.com/office/powerpoint/2010/main" xmlns="" val="2442890494"/>
       </p:ext>
     </p:extLst>
   </p:cSld>
@@ -3916,7 +4142,7 @@
     </p:spTree>
     <p:extLst>
       <p:ext uri="{BB962C8B-B14F-4D97-AF65-F5344CB8AC3E}">
-        <p14:creationId xmlns:p14="http://schemas.microsoft.com/office/powerpoint/2010/main" val="3133298701"/>
+        <p14:creationId xmlns:p14="http://schemas.microsoft.com/office/powerpoint/2010/main" xmlns="" val="3133298701"/>
       </p:ext>
     </p:extLst>
   </p:cSld>
@@ -4082,7 +4308,7 @@
     </p:spTree>
     <p:extLst>
       <p:ext uri="{BB962C8B-B14F-4D97-AF65-F5344CB8AC3E}">
-        <p14:creationId xmlns:p14="http://schemas.microsoft.com/office/powerpoint/2010/main" val="2774883840"/>
+        <p14:creationId xmlns:p14="http://schemas.microsoft.com/office/powerpoint/2010/main" xmlns="" val="2774883840"/>
       </p:ext>
     </p:extLst>
   </p:cSld>
@@ -4204,7 +4430,7 @@
           <a:blip r:embed="rId2">
             <a:extLst>
               <a:ext uri="{28A0092B-C50C-407E-A947-70E740481C1C}">
-                <a14:useLocalDpi xmlns:a14="http://schemas.microsoft.com/office/drawing/2010/main" val="0"/>
+                <a14:useLocalDpi xmlns:a14="http://schemas.microsoft.com/office/drawing/2010/main" xmlns="" val="0"/>
               </a:ext>
             </a:extLst>
           </a:blip>
@@ -4224,7 +4450,7 @@
           <a:noFill/>
           <a:extLst>
             <a:ext uri="{909E8E84-426E-40DD-AFC4-6F175D3DCCD1}">
-              <a14:hiddenFill xmlns:a14="http://schemas.microsoft.com/office/drawing/2010/main">
+              <a14:hiddenFill xmlns:a14="http://schemas.microsoft.com/office/drawing/2010/main" xmlns="">
                 <a:solidFill>
                   <a:srgbClr val="FFFFFF"/>
                 </a:solidFill>
@@ -4236,7 +4462,7 @@
     </p:spTree>
     <p:extLst>
       <p:ext uri="{BB962C8B-B14F-4D97-AF65-F5344CB8AC3E}">
-        <p14:creationId xmlns:p14="http://schemas.microsoft.com/office/powerpoint/2010/main" val="2282046816"/>
+        <p14:creationId xmlns:p14="http://schemas.microsoft.com/office/powerpoint/2010/main" xmlns="" val="2282046816"/>
       </p:ext>
     </p:extLst>
   </p:cSld>
@@ -4350,7 +4576,7 @@
           <a:blip r:embed="rId2">
             <a:extLst>
               <a:ext uri="{28A0092B-C50C-407E-A947-70E740481C1C}">
-                <a14:useLocalDpi xmlns:a14="http://schemas.microsoft.com/office/drawing/2010/main" val="0"/>
+                <a14:useLocalDpi xmlns:a14="http://schemas.microsoft.com/office/drawing/2010/main" xmlns="" val="0"/>
               </a:ext>
             </a:extLst>
           </a:blip>
@@ -4370,7 +4596,7 @@
           <a:noFill/>
           <a:extLst>
             <a:ext uri="{909E8E84-426E-40DD-AFC4-6F175D3DCCD1}">
-              <a14:hiddenFill xmlns:a14="http://schemas.microsoft.com/office/drawing/2010/main">
+              <a14:hiddenFill xmlns:a14="http://schemas.microsoft.com/office/drawing/2010/main" xmlns="">
                 <a:solidFill>
                   <a:srgbClr val="FFFFFF"/>
                 </a:solidFill>
@@ -4382,7 +4608,7 @@
     </p:spTree>
     <p:extLst>
       <p:ext uri="{BB962C8B-B14F-4D97-AF65-F5344CB8AC3E}">
-        <p14:creationId xmlns:p14="http://schemas.microsoft.com/office/powerpoint/2010/main" val="1365055169"/>
+        <p14:creationId xmlns:p14="http://schemas.microsoft.com/office/powerpoint/2010/main" xmlns="" val="1365055169"/>
       </p:ext>
     </p:extLst>
   </p:cSld>
@@ -4524,7 +4750,7 @@
           <a:blip r:embed="rId2">
             <a:extLst>
               <a:ext uri="{28A0092B-C50C-407E-A947-70E740481C1C}">
-                <a14:useLocalDpi xmlns:a14="http://schemas.microsoft.com/office/drawing/2010/main" val="0"/>
+                <a14:useLocalDpi xmlns:a14="http://schemas.microsoft.com/office/drawing/2010/main" xmlns="" val="0"/>
               </a:ext>
             </a:extLst>
           </a:blip>
@@ -4544,7 +4770,7 @@
           <a:noFill/>
           <a:extLst>
             <a:ext uri="{909E8E84-426E-40DD-AFC4-6F175D3DCCD1}">
-              <a14:hiddenFill xmlns:a14="http://schemas.microsoft.com/office/drawing/2010/main">
+              <a14:hiddenFill xmlns:a14="http://schemas.microsoft.com/office/drawing/2010/main" xmlns="">
                 <a:solidFill>
                   <a:srgbClr val="FFFFFF"/>
                 </a:solidFill>
@@ -4556,7 +4782,7 @@
     </p:spTree>
     <p:extLst>
       <p:ext uri="{BB962C8B-B14F-4D97-AF65-F5344CB8AC3E}">
-        <p14:creationId xmlns:p14="http://schemas.microsoft.com/office/powerpoint/2010/main" val="1951988275"/>
+        <p14:creationId xmlns:p14="http://schemas.microsoft.com/office/powerpoint/2010/main" xmlns="" val="1951988275"/>
       </p:ext>
     </p:extLst>
   </p:cSld>
@@ -4657,9 +4883,124 @@
     </p:spTree>
     <p:extLst>
       <p:ext uri="{BB962C8B-B14F-4D97-AF65-F5344CB8AC3E}">
-        <p14:creationId xmlns:p14="http://schemas.microsoft.com/office/powerpoint/2010/main" val="188996646"/>
+        <p14:creationId xmlns:p14="http://schemas.microsoft.com/office/powerpoint/2010/main" xmlns="" val="188996646"/>
       </p:ext>
     </p:extLst>
+  </p:cSld>
+  <p:clrMapOvr>
+    <a:masterClrMapping/>
+  </p:clrMapOvr>
+</p:sld>
+</file>
+
+<file path=ppt/slides/slide9.xml><?xml version="1.0" encoding="utf-8"?>
+<p:sld xmlns:a="http://schemas.openxmlformats.org/drawingml/2006/main" xmlns:r="http://schemas.openxmlformats.org/officeDocument/2006/relationships" xmlns:p="http://schemas.openxmlformats.org/presentationml/2006/main">
+  <p:cSld>
+    <p:spTree>
+      <p:nvGrpSpPr>
+        <p:cNvPr id="1" name=""/>
+        <p:cNvGrpSpPr/>
+        <p:nvPr/>
+      </p:nvGrpSpPr>
+      <p:grpSpPr>
+        <a:xfrm>
+          <a:off x="0" y="0"/>
+          <a:ext cx="0" cy="0"/>
+          <a:chOff x="0" y="0"/>
+          <a:chExt cx="0" cy="0"/>
+        </a:xfrm>
+      </p:grpSpPr>
+      <p:sp>
+        <p:nvSpPr>
+          <p:cNvPr id="2" name="Titel 1"/>
+          <p:cNvSpPr>
+            <a:spLocks noGrp="1"/>
+          </p:cNvSpPr>
+          <p:nvPr>
+            <p:ph type="title"/>
+          </p:nvPr>
+        </p:nvSpPr>
+        <p:spPr/>
+        <p:txBody>
+          <a:bodyPr/>
+          <a:lstStyle/>
+          <a:p>
+            <a:pPr algn="l"/>
+            <a:r>
+              <a:rPr lang="de-DE" dirty="0" err="1" smtClean="0"/>
+              <a:t>ChromeVox</a:t>
+            </a:r>
+            <a:endParaRPr lang="de-DE" dirty="0"/>
+          </a:p>
+        </p:txBody>
+      </p:sp>
+      <p:sp>
+        <p:nvSpPr>
+          <p:cNvPr id="3" name="Inhaltsplatzhalter 2"/>
+          <p:cNvSpPr>
+            <a:spLocks noGrp="1"/>
+          </p:cNvSpPr>
+          <p:nvPr>
+            <p:ph idx="1"/>
+          </p:nvPr>
+        </p:nvSpPr>
+        <p:spPr/>
+        <p:txBody>
+          <a:bodyPr/>
+          <a:lstStyle/>
+          <a:p>
+            <a:r>
+              <a:rPr lang="de-DE" dirty="0" smtClean="0"/>
+              <a:t>Chrome Extension</a:t>
+            </a:r>
+          </a:p>
+          <a:p>
+            <a:pPr lvl="1"/>
+            <a:r>
+              <a:rPr lang="de-DE" dirty="0" smtClean="0"/>
+              <a:t>1Click </a:t>
+            </a:r>
+            <a:r>
+              <a:rPr lang="de-DE" dirty="0" err="1" smtClean="0"/>
+              <a:t>install</a:t>
+            </a:r>
+            <a:endParaRPr lang="de-DE" dirty="0" smtClean="0"/>
+          </a:p>
+          <a:p>
+            <a:r>
+              <a:rPr lang="de-DE" dirty="0" smtClean="0"/>
+              <a:t>Open Source</a:t>
+            </a:r>
+          </a:p>
+          <a:p>
+            <a:r>
+              <a:rPr lang="de-DE" dirty="0" smtClean="0"/>
+              <a:t>Entwickelt mit HTML, CSS, </a:t>
+            </a:r>
+            <a:r>
+              <a:rPr lang="de-DE" dirty="0" err="1" smtClean="0"/>
+              <a:t>Javascript</a:t>
+            </a:r>
+            <a:endParaRPr lang="de-DE" dirty="0" smtClean="0"/>
+          </a:p>
+          <a:p>
+            <a:r>
+              <a:rPr lang="de-DE" dirty="0" err="1" smtClean="0"/>
+              <a:t>Keyboardsteuerung</a:t>
+            </a:r>
+            <a:endParaRPr lang="de-DE" dirty="0" smtClean="0"/>
+          </a:p>
+          <a:p>
+            <a:pPr lvl="1"/>
+            <a:r>
+              <a:rPr lang="de-DE" dirty="0" smtClean="0"/>
+              <a:t>Optional auch Maus</a:t>
+            </a:r>
+            <a:endParaRPr lang="de-DE" dirty="0"/>
+          </a:p>
+        </p:txBody>
+      </p:sp>
+    </p:spTree>
   </p:cSld>
   <p:clrMapOvr>
     <a:masterClrMapping/>

--- a/screenreader.pptx
+++ b/screenreader.pptx
@@ -5,7 +5,7 @@
     <p:sldMasterId id="2147483648" r:id="rId1"/>
   </p:sldMasterIdLst>
   <p:notesMasterIdLst>
-    <p:notesMasterId r:id="rId13"/>
+    <p:notesMasterId r:id="rId16"/>
   </p:notesMasterIdLst>
   <p:sldIdLst>
     <p:sldId id="256" r:id="rId2"/>
@@ -15,10 +15,13 @@
     <p:sldId id="259" r:id="rId6"/>
     <p:sldId id="260" r:id="rId7"/>
     <p:sldId id="261" r:id="rId8"/>
-    <p:sldId id="262" r:id="rId9"/>
-    <p:sldId id="264" r:id="rId10"/>
-    <p:sldId id="265" r:id="rId11"/>
-    <p:sldId id="266" r:id="rId12"/>
+    <p:sldId id="264" r:id="rId9"/>
+    <p:sldId id="265" r:id="rId10"/>
+    <p:sldId id="266" r:id="rId11"/>
+    <p:sldId id="262" r:id="rId12"/>
+    <p:sldId id="267" r:id="rId13"/>
+    <p:sldId id="268" r:id="rId14"/>
+    <p:sldId id="269" r:id="rId15"/>
   </p:sldIdLst>
   <p:sldSz cx="9144000" cy="6858000" type="screen4x3"/>
   <p:notesSz cx="6858000" cy="9144000"/>
@@ -203,7 +206,7 @@
             <a:fld id="{28B844BE-A14D-43F3-96D9-5E19BAD2F757}" type="datetimeFigureOut">
               <a:rPr lang="de-DE" smtClean="0"/>
               <a:pPr/>
-              <a:t>09.07.2012</a:t>
+              <a:t>10.07.2012</a:t>
             </a:fld>
             <a:endParaRPr lang="de-DE"/>
           </a:p>
@@ -372,7 +375,7 @@
     </p:spTree>
     <p:extLst>
       <p:ext uri="{BB962C8B-B14F-4D97-AF65-F5344CB8AC3E}">
-        <p14:creationId xmlns:p14="http://schemas.microsoft.com/office/powerpoint/2010/main" xmlns="" val="1696538551"/>
+        <p14:creationId xmlns:p14="http://schemas.microsoft.com/office/powerpoint/2010/main" val="1696538551"/>
       </p:ext>
     </p:extLst>
   </p:cSld>
@@ -602,7 +605,7 @@
     </p:spTree>
     <p:extLst>
       <p:ext uri="{BB962C8B-B14F-4D97-AF65-F5344CB8AC3E}">
-        <p14:creationId xmlns:p14="http://schemas.microsoft.com/office/powerpoint/2010/main" xmlns="" val="1982433177"/>
+        <p14:creationId xmlns:p14="http://schemas.microsoft.com/office/powerpoint/2010/main" val="1982433177"/>
       </p:ext>
     </p:extLst>
   </p:cSld>
@@ -794,7 +797,7 @@
             <a:fld id="{FD1E295F-2066-4319-8EE6-062114BD3BB1}" type="datetimeFigureOut">
               <a:rPr lang="de-DE" smtClean="0"/>
               <a:pPr/>
-              <a:t>09.07.2012</a:t>
+              <a:t>10.07.2012</a:t>
             </a:fld>
             <a:endParaRPr lang="de-DE"/>
           </a:p>
@@ -846,7 +849,7 @@
     </p:spTree>
     <p:extLst>
       <p:ext uri="{BB962C8B-B14F-4D97-AF65-F5344CB8AC3E}">
-        <p14:creationId xmlns:p14="http://schemas.microsoft.com/office/powerpoint/2010/main" xmlns="" val="1170071591"/>
+        <p14:creationId xmlns:p14="http://schemas.microsoft.com/office/powerpoint/2010/main" val="1170071591"/>
       </p:ext>
     </p:extLst>
   </p:cSld>
@@ -966,7 +969,7 @@
             <a:fld id="{FD1E295F-2066-4319-8EE6-062114BD3BB1}" type="datetimeFigureOut">
               <a:rPr lang="de-DE" smtClean="0"/>
               <a:pPr/>
-              <a:t>09.07.2012</a:t>
+              <a:t>10.07.2012</a:t>
             </a:fld>
             <a:endParaRPr lang="de-DE"/>
           </a:p>
@@ -1018,7 +1021,7 @@
     </p:spTree>
     <p:extLst>
       <p:ext uri="{BB962C8B-B14F-4D97-AF65-F5344CB8AC3E}">
-        <p14:creationId xmlns:p14="http://schemas.microsoft.com/office/powerpoint/2010/main" xmlns="" val="2733097328"/>
+        <p14:creationId xmlns:p14="http://schemas.microsoft.com/office/powerpoint/2010/main" val="2733097328"/>
       </p:ext>
     </p:extLst>
   </p:cSld>
@@ -1148,7 +1151,7 @@
             <a:fld id="{FD1E295F-2066-4319-8EE6-062114BD3BB1}" type="datetimeFigureOut">
               <a:rPr lang="de-DE" smtClean="0"/>
               <a:pPr/>
-              <a:t>09.07.2012</a:t>
+              <a:t>10.07.2012</a:t>
             </a:fld>
             <a:endParaRPr lang="de-DE"/>
           </a:p>
@@ -1200,7 +1203,7 @@
     </p:spTree>
     <p:extLst>
       <p:ext uri="{BB962C8B-B14F-4D97-AF65-F5344CB8AC3E}">
-        <p14:creationId xmlns:p14="http://schemas.microsoft.com/office/powerpoint/2010/main" xmlns="" val="2993913530"/>
+        <p14:creationId xmlns:p14="http://schemas.microsoft.com/office/powerpoint/2010/main" val="2993913530"/>
       </p:ext>
     </p:extLst>
   </p:cSld>
@@ -1320,7 +1323,7 @@
             <a:fld id="{FD1E295F-2066-4319-8EE6-062114BD3BB1}" type="datetimeFigureOut">
               <a:rPr lang="de-DE" smtClean="0"/>
               <a:pPr/>
-              <a:t>09.07.2012</a:t>
+              <a:t>10.07.2012</a:t>
             </a:fld>
             <a:endParaRPr lang="de-DE"/>
           </a:p>
@@ -1372,7 +1375,7 @@
     </p:spTree>
     <p:extLst>
       <p:ext uri="{BB962C8B-B14F-4D97-AF65-F5344CB8AC3E}">
-        <p14:creationId xmlns:p14="http://schemas.microsoft.com/office/powerpoint/2010/main" xmlns="" val="3062328469"/>
+        <p14:creationId xmlns:p14="http://schemas.microsoft.com/office/powerpoint/2010/main" val="3062328469"/>
       </p:ext>
     </p:extLst>
   </p:cSld>
@@ -1568,7 +1571,7 @@
             <a:fld id="{FD1E295F-2066-4319-8EE6-062114BD3BB1}" type="datetimeFigureOut">
               <a:rPr lang="de-DE" smtClean="0"/>
               <a:pPr/>
-              <a:t>09.07.2012</a:t>
+              <a:t>10.07.2012</a:t>
             </a:fld>
             <a:endParaRPr lang="de-DE"/>
           </a:p>
@@ -1620,7 +1623,7 @@
     </p:spTree>
     <p:extLst>
       <p:ext uri="{BB962C8B-B14F-4D97-AF65-F5344CB8AC3E}">
-        <p14:creationId xmlns:p14="http://schemas.microsoft.com/office/powerpoint/2010/main" xmlns="" val="840398187"/>
+        <p14:creationId xmlns:p14="http://schemas.microsoft.com/office/powerpoint/2010/main" val="840398187"/>
       </p:ext>
     </p:extLst>
   </p:cSld>
@@ -1858,7 +1861,7 @@
             <a:fld id="{FD1E295F-2066-4319-8EE6-062114BD3BB1}" type="datetimeFigureOut">
               <a:rPr lang="de-DE" smtClean="0"/>
               <a:pPr/>
-              <a:t>09.07.2012</a:t>
+              <a:t>10.07.2012</a:t>
             </a:fld>
             <a:endParaRPr lang="de-DE"/>
           </a:p>
@@ -1910,7 +1913,7 @@
     </p:spTree>
     <p:extLst>
       <p:ext uri="{BB962C8B-B14F-4D97-AF65-F5344CB8AC3E}">
-        <p14:creationId xmlns:p14="http://schemas.microsoft.com/office/powerpoint/2010/main" xmlns="" val="779490173"/>
+        <p14:creationId xmlns:p14="http://schemas.microsoft.com/office/powerpoint/2010/main" val="779490173"/>
       </p:ext>
     </p:extLst>
   </p:cSld>
@@ -2282,7 +2285,7 @@
             <a:fld id="{FD1E295F-2066-4319-8EE6-062114BD3BB1}" type="datetimeFigureOut">
               <a:rPr lang="de-DE" smtClean="0"/>
               <a:pPr/>
-              <a:t>09.07.2012</a:t>
+              <a:t>10.07.2012</a:t>
             </a:fld>
             <a:endParaRPr lang="de-DE"/>
           </a:p>
@@ -2334,7 +2337,7 @@
     </p:spTree>
     <p:extLst>
       <p:ext uri="{BB962C8B-B14F-4D97-AF65-F5344CB8AC3E}">
-        <p14:creationId xmlns:p14="http://schemas.microsoft.com/office/powerpoint/2010/main" xmlns="" val="854404716"/>
+        <p14:creationId xmlns:p14="http://schemas.microsoft.com/office/powerpoint/2010/main" val="854404716"/>
       </p:ext>
     </p:extLst>
   </p:cSld>
@@ -2402,7 +2405,7 @@
             <a:fld id="{FD1E295F-2066-4319-8EE6-062114BD3BB1}" type="datetimeFigureOut">
               <a:rPr lang="de-DE" smtClean="0"/>
               <a:pPr/>
-              <a:t>09.07.2012</a:t>
+              <a:t>10.07.2012</a:t>
             </a:fld>
             <a:endParaRPr lang="de-DE"/>
           </a:p>
@@ -2454,7 +2457,7 @@
     </p:spTree>
     <p:extLst>
       <p:ext uri="{BB962C8B-B14F-4D97-AF65-F5344CB8AC3E}">
-        <p14:creationId xmlns:p14="http://schemas.microsoft.com/office/powerpoint/2010/main" xmlns="" val="3985794120"/>
+        <p14:creationId xmlns:p14="http://schemas.microsoft.com/office/powerpoint/2010/main" val="3985794120"/>
       </p:ext>
     </p:extLst>
   </p:cSld>
@@ -2499,7 +2502,7 @@
             <a:fld id="{FD1E295F-2066-4319-8EE6-062114BD3BB1}" type="datetimeFigureOut">
               <a:rPr lang="de-DE" smtClean="0"/>
               <a:pPr/>
-              <a:t>09.07.2012</a:t>
+              <a:t>10.07.2012</a:t>
             </a:fld>
             <a:endParaRPr lang="de-DE"/>
           </a:p>
@@ -2551,7 +2554,7 @@
     </p:spTree>
     <p:extLst>
       <p:ext uri="{BB962C8B-B14F-4D97-AF65-F5344CB8AC3E}">
-        <p14:creationId xmlns:p14="http://schemas.microsoft.com/office/powerpoint/2010/main" xmlns="" val="53598727"/>
+        <p14:creationId xmlns:p14="http://schemas.microsoft.com/office/powerpoint/2010/main" val="53598727"/>
       </p:ext>
     </p:extLst>
   </p:cSld>
@@ -2778,7 +2781,7 @@
             <a:fld id="{FD1E295F-2066-4319-8EE6-062114BD3BB1}" type="datetimeFigureOut">
               <a:rPr lang="de-DE" smtClean="0"/>
               <a:pPr/>
-              <a:t>09.07.2012</a:t>
+              <a:t>10.07.2012</a:t>
             </a:fld>
             <a:endParaRPr lang="de-DE"/>
           </a:p>
@@ -2830,7 +2833,7 @@
     </p:spTree>
     <p:extLst>
       <p:ext uri="{BB962C8B-B14F-4D97-AF65-F5344CB8AC3E}">
-        <p14:creationId xmlns:p14="http://schemas.microsoft.com/office/powerpoint/2010/main" xmlns="" val="892921514"/>
+        <p14:creationId xmlns:p14="http://schemas.microsoft.com/office/powerpoint/2010/main" val="892921514"/>
       </p:ext>
     </p:extLst>
   </p:cSld>
@@ -3033,7 +3036,7 @@
             <a:fld id="{FD1E295F-2066-4319-8EE6-062114BD3BB1}" type="datetimeFigureOut">
               <a:rPr lang="de-DE" smtClean="0"/>
               <a:pPr/>
-              <a:t>09.07.2012</a:t>
+              <a:t>10.07.2012</a:t>
             </a:fld>
             <a:endParaRPr lang="de-DE"/>
           </a:p>
@@ -3085,7 +3088,7 @@
     </p:spTree>
     <p:extLst>
       <p:ext uri="{BB962C8B-B14F-4D97-AF65-F5344CB8AC3E}">
-        <p14:creationId xmlns:p14="http://schemas.microsoft.com/office/powerpoint/2010/main" xmlns="" val="3177345597"/>
+        <p14:creationId xmlns:p14="http://schemas.microsoft.com/office/powerpoint/2010/main" val="3177345597"/>
       </p:ext>
     </p:extLst>
   </p:cSld>
@@ -3248,7 +3251,7 @@
             <a:fld id="{FD1E295F-2066-4319-8EE6-062114BD3BB1}" type="datetimeFigureOut">
               <a:rPr lang="de-DE" smtClean="0"/>
               <a:pPr/>
-              <a:t>09.07.2012</a:t>
+              <a:t>10.07.2012</a:t>
             </a:fld>
             <a:endParaRPr lang="de-DE"/>
           </a:p>
@@ -3336,7 +3339,7 @@
     </p:spTree>
     <p:extLst>
       <p:ext uri="{BB962C8B-B14F-4D97-AF65-F5344CB8AC3E}">
-        <p14:creationId xmlns:p14="http://schemas.microsoft.com/office/powerpoint/2010/main" xmlns="" val="4223863924"/>
+        <p14:creationId xmlns:p14="http://schemas.microsoft.com/office/powerpoint/2010/main" val="4223863924"/>
       </p:ext>
     </p:extLst>
   </p:cSld>
@@ -3684,7 +3687,7 @@
     </p:spTree>
     <p:extLst>
       <p:ext uri="{BB962C8B-B14F-4D97-AF65-F5344CB8AC3E}">
-        <p14:creationId xmlns:p14="http://schemas.microsoft.com/office/powerpoint/2010/main" xmlns="" val="327677431"/>
+        <p14:creationId xmlns:p14="http://schemas.microsoft.com/office/powerpoint/2010/main" val="327677431"/>
       </p:ext>
     </p:extLst>
   </p:cSld>
@@ -3735,12 +3738,16 @@
           <a:p>
             <a:pPr algn="l"/>
             <a:r>
+              <a:rPr lang="de-DE" dirty="0" smtClean="0"/>
+              <a:t>	 </a:t>
+            </a:r>
+            <a:r>
               <a:rPr lang="de-DE" dirty="0" err="1" smtClean="0"/>
               <a:t>ChromeVox</a:t>
             </a:r>
             <a:r>
               <a:rPr lang="de-DE" dirty="0" smtClean="0"/>
-              <a:t>: Pros</a:t>
+              <a:t>: Cons</a:t>
             </a:r>
             <a:endParaRPr lang="de-DE" dirty="0"/>
           </a:p>
@@ -3763,40 +3770,92 @@
           <a:p>
             <a:r>
               <a:rPr lang="de-DE" dirty="0" smtClean="0"/>
-              <a:t>Supports AJAX</a:t>
-            </a:r>
-          </a:p>
-          <a:p>
-            <a:pPr lvl="1"/>
-            <a:r>
-              <a:rPr lang="de-DE" dirty="0" smtClean="0"/>
-              <a:t>Verschluckt sich aber auch manchmal (</a:t>
+              <a:t>Nicht kompatibel mit Desktop Screen </a:t>
             </a:r>
             <a:r>
               <a:rPr lang="de-DE" dirty="0" err="1" smtClean="0"/>
-              <a:t>Gmail</a:t>
-            </a:r>
-            <a:r>
-              <a:rPr lang="de-DE" dirty="0" smtClean="0"/>
-              <a:t>)</a:t>
-            </a:r>
-          </a:p>
-          <a:p>
-            <a:r>
-              <a:rPr lang="de-DE" dirty="0" smtClean="0"/>
-              <a:t>Beachtet nur sichtbare Elemente</a:t>
-            </a:r>
-          </a:p>
-          <a:p>
+              <a:t>readern</a:t>
+            </a:r>
             <a:endParaRPr lang="de-DE" dirty="0" smtClean="0"/>
           </a:p>
-        </p:txBody>
-      </p:sp>
+          <a:p>
+            <a:endParaRPr lang="de-DE" dirty="0" smtClean="0"/>
+          </a:p>
+          <a:p>
+            <a:r>
+              <a:rPr lang="de-DE" dirty="0" smtClean="0"/>
+              <a:t>Sprache umstellen</a:t>
+            </a:r>
+            <a:r>
+              <a:rPr lang="de-DE" dirty="0" smtClean="0"/>
+              <a:t>?</a:t>
+            </a:r>
+          </a:p>
+          <a:p>
+            <a:endParaRPr lang="de-DE" dirty="0" smtClean="0"/>
+          </a:p>
+          <a:p>
+            <a:r>
+              <a:rPr lang="de-DE" dirty="0" smtClean="0"/>
+              <a:t>Mitunter schwer verständlich</a:t>
+            </a:r>
+            <a:endParaRPr lang="de-DE" dirty="0"/>
+          </a:p>
+        </p:txBody>
+      </p:sp>
+      <p:pic>
+        <p:nvPicPr>
+          <p:cNvPr id="4" name="Picture 2" descr="E:\Dokumente\BHT\Master\hci\img\chromelogo.png"/>
+          <p:cNvPicPr>
+            <a:picLocks noChangeAspect="1" noChangeArrowheads="1"/>
+          </p:cNvPicPr>
+          <p:nvPr/>
+        </p:nvPicPr>
+        <p:blipFill>
+          <a:blip r:embed="rId2">
+            <a:extLst>
+              <a:ext uri="{28A0092B-C50C-407E-A947-70E740481C1C}">
+                <a14:useLocalDpi xmlns:a14="http://schemas.microsoft.com/office/drawing/2010/main" val="0"/>
+              </a:ext>
+            </a:extLst>
+          </a:blip>
+          <a:srcRect/>
+          <a:stretch>
+            <a:fillRect/>
+          </a:stretch>
+        </p:blipFill>
+        <p:spPr bwMode="auto">
+          <a:xfrm>
+            <a:off x="539552" y="332656"/>
+            <a:ext cx="1000124" cy="976312"/>
+          </a:xfrm>
+          <a:prstGeom prst="rect">
+            <a:avLst/>
+          </a:prstGeom>
+          <a:noFill/>
+          <a:extLst>
+            <a:ext uri="{909E8E84-426E-40DD-AFC4-6F175D3DCCD1}">
+              <a14:hiddenFill xmlns:a14="http://schemas.microsoft.com/office/drawing/2010/main">
+                <a:solidFill>
+                  <a:srgbClr val="FFFFFF"/>
+                </a:solidFill>
+              </a14:hiddenFill>
+            </a:ext>
+          </a:extLst>
+        </p:spPr>
+      </p:pic>
     </p:spTree>
   </p:cSld>
   <p:clrMapOvr>
     <a:masterClrMapping/>
   </p:clrMapOvr>
+  <p:timing>
+    <p:tnLst>
+      <p:par>
+        <p:cTn id="1" dur="indefinite" restart="never" nodeType="tmRoot"/>
+      </p:par>
+    </p:tnLst>
+  </p:timing>
 </p:sld>
 </file>
 
@@ -3834,16 +3893,124 @@
           <a:p>
             <a:pPr algn="l"/>
             <a:r>
+              <a:rPr lang="de-DE" dirty="0" smtClean="0"/>
+              <a:t>Selbstversuch</a:t>
+            </a:r>
+            <a:endParaRPr lang="de-DE" dirty="0"/>
+          </a:p>
+        </p:txBody>
+      </p:sp>
+      <p:sp>
+        <p:nvSpPr>
+          <p:cNvPr id="3" name="Inhaltsplatzhalter 2"/>
+          <p:cNvSpPr>
+            <a:spLocks noGrp="1"/>
+          </p:cNvSpPr>
+          <p:nvPr>
+            <p:ph idx="1"/>
+          </p:nvPr>
+        </p:nvSpPr>
+        <p:spPr/>
+        <p:txBody>
+          <a:bodyPr/>
+          <a:lstStyle/>
+          <a:p>
+            <a:pPr marL="0" indent="0">
+              <a:buNone/>
+            </a:pPr>
+            <a:r>
+              <a:rPr lang="de-DE" sz="6000" dirty="0" smtClean="0"/>
+              <a:t>Augen zu!</a:t>
+            </a:r>
+          </a:p>
+          <a:p>
+            <a:endParaRPr lang="de-DE" sz="2400" dirty="0" smtClean="0"/>
+          </a:p>
+          <a:p>
+            <a:r>
+              <a:rPr lang="de-DE" dirty="0" smtClean="0"/>
+              <a:t>Textdokument erstellen</a:t>
+            </a:r>
+          </a:p>
+          <a:p>
+            <a:r>
+              <a:rPr lang="de-DE" dirty="0" smtClean="0"/>
+              <a:t>Text schreiben</a:t>
+            </a:r>
+          </a:p>
+          <a:p>
+            <a:r>
+              <a:rPr lang="de-DE" dirty="0" smtClean="0"/>
+              <a:t>Abspeichern auf Desktop</a:t>
+            </a:r>
+            <a:endParaRPr lang="de-DE" dirty="0"/>
+          </a:p>
+        </p:txBody>
+      </p:sp>
+    </p:spTree>
+    <p:extLst>
+      <p:ext uri="{BB962C8B-B14F-4D97-AF65-F5344CB8AC3E}">
+        <p14:creationId xmlns:p14="http://schemas.microsoft.com/office/powerpoint/2010/main" val="188996646"/>
+      </p:ext>
+    </p:extLst>
+  </p:cSld>
+  <p:clrMapOvr>
+    <a:masterClrMapping/>
+  </p:clrMapOvr>
+  <p:timing>
+    <p:tnLst>
+      <p:par>
+        <p:cTn id="1" dur="indefinite" restart="never" nodeType="tmRoot"/>
+      </p:par>
+    </p:tnLst>
+  </p:timing>
+</p:sld>
+</file>
+
+<file path=ppt/slides/slide12.xml><?xml version="1.0" encoding="utf-8"?>
+<p:sld xmlns:a="http://schemas.openxmlformats.org/drawingml/2006/main" xmlns:r="http://schemas.openxmlformats.org/officeDocument/2006/relationships" xmlns:p="http://schemas.openxmlformats.org/presentationml/2006/main">
+  <p:cSld>
+    <p:spTree>
+      <p:nvGrpSpPr>
+        <p:cNvPr id="1" name=""/>
+        <p:cNvGrpSpPr/>
+        <p:nvPr/>
+      </p:nvGrpSpPr>
+      <p:grpSpPr>
+        <a:xfrm>
+          <a:off x="0" y="0"/>
+          <a:ext cx="0" cy="0"/>
+          <a:chOff x="0" y="0"/>
+          <a:chExt cx="0" cy="0"/>
+        </a:xfrm>
+      </p:grpSpPr>
+      <p:sp>
+        <p:nvSpPr>
+          <p:cNvPr id="2" name="Titel 1"/>
+          <p:cNvSpPr>
+            <a:spLocks noGrp="1"/>
+          </p:cNvSpPr>
+          <p:nvPr>
+            <p:ph type="title"/>
+          </p:nvPr>
+        </p:nvSpPr>
+        <p:spPr/>
+        <p:txBody>
+          <a:bodyPr/>
+          <a:lstStyle/>
+          <a:p>
+            <a:pPr algn="l"/>
+            <a:r>
               <a:rPr lang="de-DE" dirty="0" err="1" smtClean="0"/>
-              <a:t>ChromeVox</a:t>
-            </a:r>
-            <a:r>
-              <a:rPr lang="de-DE" dirty="0" smtClean="0"/>
-              <a:t>: </a:t>
+              <a:t>Lessons</a:t>
+            </a:r>
+            <a:r>
+              <a:rPr lang="de-DE" dirty="0" smtClean="0"/>
+              <a:t> </a:t>
             </a:r>
             <a:r>
               <a:rPr lang="de-DE" dirty="0" err="1" smtClean="0"/>
-              <a:t>Cons</a:t>
+              <a:t>Learned</a:t>
             </a:r>
             <a:endParaRPr lang="de-DE" dirty="0"/>
           </a:p>
@@ -3866,30 +4033,312 @@
           <a:p>
             <a:r>
               <a:rPr lang="de-DE" dirty="0" smtClean="0"/>
-              <a:t>Nicht kompatibel mit Desktop Screen </a:t>
+              <a:t>Barriere sehr hoch: Arbeit mit </a:t>
             </a:r>
             <a:r>
               <a:rPr lang="de-DE" dirty="0" err="1" smtClean="0"/>
-              <a:t>readern</a:t>
-            </a:r>
+              <a:t>Sreen</a:t>
+            </a:r>
+            <a:r>
+              <a:rPr lang="de-DE" dirty="0" smtClean="0"/>
+              <a:t> Reader muss gelernt werden</a:t>
+            </a:r>
+          </a:p>
+          <a:p>
             <a:endParaRPr lang="de-DE" dirty="0" smtClean="0"/>
           </a:p>
           <a:p>
             <a:r>
               <a:rPr lang="de-DE" dirty="0" smtClean="0"/>
-              <a:t>Sprache umstellen?</a:t>
-            </a:r>
-          </a:p>
-          <a:p>
-            <a:r>
-              <a:rPr lang="de-DE" dirty="0" smtClean="0"/>
-              <a:t>Mitunter schwer verständlich</a:t>
-            </a:r>
+              <a:t>Mit guten Alt-Tags kann man das Verstehen der Seite für Blinde sehr erleichtern</a:t>
+            </a:r>
+          </a:p>
+          <a:p>
+            <a:endParaRPr lang="de-DE" dirty="0" smtClean="0"/>
+          </a:p>
+          <a:p>
+            <a:r>
+              <a:rPr lang="de-DE" dirty="0" smtClean="0"/>
+              <a:t>Nur Text um Inhalte zu beschreiben: gut formulieren</a:t>
+            </a:r>
+          </a:p>
+          <a:p>
             <a:endParaRPr lang="de-DE" dirty="0"/>
           </a:p>
         </p:txBody>
       </p:sp>
     </p:spTree>
+    <p:extLst>
+      <p:ext uri="{BB962C8B-B14F-4D97-AF65-F5344CB8AC3E}">
+        <p14:creationId xmlns:p14="http://schemas.microsoft.com/office/powerpoint/2010/main" val="3234783068"/>
+      </p:ext>
+    </p:extLst>
+  </p:cSld>
+  <p:clrMapOvr>
+    <a:masterClrMapping/>
+  </p:clrMapOvr>
+  <p:timing>
+    <p:tnLst>
+      <p:par>
+        <p:cTn id="1" dur="indefinite" restart="never" nodeType="tmRoot"/>
+      </p:par>
+    </p:tnLst>
+  </p:timing>
+</p:sld>
+</file>
+
+<file path=ppt/slides/slide13.xml><?xml version="1.0" encoding="utf-8"?>
+<p:sld xmlns:a="http://schemas.openxmlformats.org/drawingml/2006/main" xmlns:r="http://schemas.openxmlformats.org/officeDocument/2006/relationships" xmlns:p="http://schemas.openxmlformats.org/presentationml/2006/main">
+  <p:cSld>
+    <p:spTree>
+      <p:nvGrpSpPr>
+        <p:cNvPr id="1" name=""/>
+        <p:cNvGrpSpPr/>
+        <p:nvPr/>
+      </p:nvGrpSpPr>
+      <p:grpSpPr>
+        <a:xfrm>
+          <a:off x="0" y="0"/>
+          <a:ext cx="0" cy="0"/>
+          <a:chOff x="0" y="0"/>
+          <a:chExt cx="0" cy="0"/>
+        </a:xfrm>
+      </p:grpSpPr>
+      <p:sp>
+        <p:nvSpPr>
+          <p:cNvPr id="2" name="Titel 1"/>
+          <p:cNvSpPr>
+            <a:spLocks noGrp="1"/>
+          </p:cNvSpPr>
+          <p:nvPr>
+            <p:ph type="title"/>
+          </p:nvPr>
+        </p:nvSpPr>
+        <p:spPr/>
+        <p:txBody>
+          <a:bodyPr/>
+          <a:lstStyle/>
+          <a:p>
+            <a:pPr algn="l"/>
+            <a:r>
+              <a:rPr lang="de-DE" dirty="0" err="1"/>
+              <a:t>Lessons</a:t>
+            </a:r>
+            <a:r>
+              <a:rPr lang="de-DE" dirty="0"/>
+              <a:t> </a:t>
+            </a:r>
+            <a:r>
+              <a:rPr lang="de-DE" dirty="0" err="1"/>
+              <a:t>Learned</a:t>
+            </a:r>
+            <a:endParaRPr lang="de-DE" dirty="0"/>
+          </a:p>
+        </p:txBody>
+      </p:sp>
+      <p:sp>
+        <p:nvSpPr>
+          <p:cNvPr id="3" name="Inhaltsplatzhalter 2"/>
+          <p:cNvSpPr>
+            <a:spLocks noGrp="1"/>
+          </p:cNvSpPr>
+          <p:nvPr>
+            <p:ph idx="1"/>
+          </p:nvPr>
+        </p:nvSpPr>
+        <p:spPr/>
+        <p:txBody>
+          <a:bodyPr>
+            <a:normAutofit fontScale="92500" lnSpcReduction="20000"/>
+          </a:bodyPr>
+          <a:lstStyle/>
+          <a:p>
+            <a:r>
+              <a:rPr lang="de-DE" dirty="0"/>
+              <a:t>Struktur ist auch wichtig: Reihenfolge der Elemente sinnvoll wählen</a:t>
+            </a:r>
+          </a:p>
+          <a:p>
+            <a:endParaRPr lang="de-DE" dirty="0" smtClean="0"/>
+          </a:p>
+          <a:p>
+            <a:r>
+              <a:rPr lang="de-DE" dirty="0" smtClean="0"/>
+              <a:t>Elemente vom Screen Reader ausschließen: </a:t>
+            </a:r>
+          </a:p>
+          <a:p>
+            <a:pPr lvl="1"/>
+            <a:r>
+              <a:rPr lang="de-DE" dirty="0" err="1" smtClean="0">
+                <a:latin typeface="Courier New" pitchFamily="49" charset="0"/>
+                <a:cs typeface="Courier New" pitchFamily="49" charset="0"/>
+              </a:rPr>
+              <a:t>tabstop</a:t>
+            </a:r>
+            <a:r>
+              <a:rPr lang="de-DE" dirty="0" smtClean="0">
+                <a:latin typeface="Courier New" pitchFamily="49" charset="0"/>
+                <a:cs typeface="Courier New" pitchFamily="49" charset="0"/>
+              </a:rPr>
+              <a:t>=„-1“</a:t>
+            </a:r>
+          </a:p>
+          <a:p>
+            <a:pPr lvl="1"/>
+            <a:r>
+              <a:rPr lang="de-DE" dirty="0" smtClean="0">
+                <a:latin typeface="Courier New" pitchFamily="49" charset="0"/>
+                <a:cs typeface="Courier New" pitchFamily="49" charset="0"/>
+              </a:rPr>
+              <a:t>alt=„“</a:t>
+            </a:r>
+          </a:p>
+          <a:p>
+            <a:pPr lvl="1"/>
+            <a:endParaRPr lang="de-DE" dirty="0">
+              <a:latin typeface="Courier New" pitchFamily="49" charset="0"/>
+              <a:cs typeface="Courier New" pitchFamily="49" charset="0"/>
+            </a:endParaRPr>
+          </a:p>
+          <a:p>
+            <a:r>
+              <a:rPr lang="de-DE" dirty="0" smtClean="0"/>
+              <a:t>Mischen von Sprachen ist problematisch, wenn Sprache nicht erkannt werden kann</a:t>
+            </a:r>
+          </a:p>
+          <a:p>
+            <a:pPr lvl="1"/>
+            <a:r>
+              <a:rPr lang="de-DE" dirty="0" smtClean="0"/>
+              <a:t>Lang Tag benutzen!</a:t>
+            </a:r>
+            <a:endParaRPr lang="de-DE" dirty="0"/>
+          </a:p>
+          <a:p>
+            <a:endParaRPr lang="de-DE" dirty="0">
+              <a:latin typeface="Courier New" pitchFamily="49" charset="0"/>
+              <a:cs typeface="Courier New" pitchFamily="49" charset="0"/>
+            </a:endParaRPr>
+          </a:p>
+        </p:txBody>
+      </p:sp>
+    </p:spTree>
+    <p:extLst>
+      <p:ext uri="{BB962C8B-B14F-4D97-AF65-F5344CB8AC3E}">
+        <p14:creationId xmlns:p14="http://schemas.microsoft.com/office/powerpoint/2010/main" val="1380820839"/>
+      </p:ext>
+    </p:extLst>
+  </p:cSld>
+  <p:clrMapOvr>
+    <a:masterClrMapping/>
+  </p:clrMapOvr>
+  <p:timing>
+    <p:tnLst>
+      <p:par>
+        <p:cTn id="1" dur="indefinite" restart="never" nodeType="tmRoot"/>
+      </p:par>
+    </p:tnLst>
+  </p:timing>
+</p:sld>
+</file>
+
+<file path=ppt/slides/slide14.xml><?xml version="1.0" encoding="utf-8"?>
+<p:sld xmlns:a="http://schemas.openxmlformats.org/drawingml/2006/main" xmlns:r="http://schemas.openxmlformats.org/officeDocument/2006/relationships" xmlns:p="http://schemas.openxmlformats.org/presentationml/2006/main">
+  <p:cSld>
+    <p:spTree>
+      <p:nvGrpSpPr>
+        <p:cNvPr id="1" name=""/>
+        <p:cNvGrpSpPr/>
+        <p:nvPr/>
+      </p:nvGrpSpPr>
+      <p:grpSpPr>
+        <a:xfrm>
+          <a:off x="0" y="0"/>
+          <a:ext cx="0" cy="0"/>
+          <a:chOff x="0" y="0"/>
+          <a:chExt cx="0" cy="0"/>
+        </a:xfrm>
+      </p:grpSpPr>
+      <p:sp>
+        <p:nvSpPr>
+          <p:cNvPr id="2" name="Titel 1"/>
+          <p:cNvSpPr>
+            <a:spLocks noGrp="1"/>
+          </p:cNvSpPr>
+          <p:nvPr>
+            <p:ph type="title"/>
+          </p:nvPr>
+        </p:nvSpPr>
+        <p:spPr/>
+        <p:txBody>
+          <a:bodyPr/>
+          <a:lstStyle/>
+          <a:p>
+            <a:pPr algn="l"/>
+            <a:r>
+              <a:rPr lang="de-DE" dirty="0" err="1"/>
+              <a:t>Lessons</a:t>
+            </a:r>
+            <a:r>
+              <a:rPr lang="de-DE" dirty="0"/>
+              <a:t> </a:t>
+            </a:r>
+            <a:r>
+              <a:rPr lang="de-DE" dirty="0" err="1"/>
+              <a:t>Learned</a:t>
+            </a:r>
+            <a:endParaRPr lang="de-DE" dirty="0"/>
+          </a:p>
+        </p:txBody>
+      </p:sp>
+      <p:sp>
+        <p:nvSpPr>
+          <p:cNvPr id="3" name="Inhaltsplatzhalter 2"/>
+          <p:cNvSpPr>
+            <a:spLocks noGrp="1"/>
+          </p:cNvSpPr>
+          <p:nvPr>
+            <p:ph idx="1"/>
+          </p:nvPr>
+        </p:nvSpPr>
+        <p:spPr/>
+        <p:txBody>
+          <a:bodyPr/>
+          <a:lstStyle/>
+          <a:p>
+            <a:r>
+              <a:rPr lang="de-DE" dirty="0" smtClean="0"/>
+              <a:t>Bedienung mit Screen Reader: besser Tastatur</a:t>
+            </a:r>
+          </a:p>
+          <a:p>
+            <a:endParaRPr lang="de-DE" dirty="0" smtClean="0"/>
+          </a:p>
+          <a:p>
+            <a:r>
+              <a:rPr lang="de-DE" dirty="0" smtClean="0"/>
+              <a:t>Für Konsole nicht so gut geeignet</a:t>
+            </a:r>
+          </a:p>
+          <a:p>
+            <a:endParaRPr lang="de-DE" dirty="0"/>
+          </a:p>
+          <a:p>
+            <a:r>
+              <a:rPr lang="de-DE" dirty="0" smtClean="0"/>
+              <a:t>Man sollte sich auf die wesentlichen Informationen beschränken</a:t>
+            </a:r>
+            <a:endParaRPr lang="de-DE" dirty="0"/>
+          </a:p>
+        </p:txBody>
+      </p:sp>
+    </p:spTree>
+    <p:extLst>
+      <p:ext uri="{BB962C8B-B14F-4D97-AF65-F5344CB8AC3E}">
+        <p14:creationId xmlns:p14="http://schemas.microsoft.com/office/powerpoint/2010/main" val="802139351"/>
+      </p:ext>
+    </p:extLst>
   </p:cSld>
   <p:clrMapOvr>
     <a:masterClrMapping/>
@@ -3960,13 +4409,20 @@
     </p:spTree>
     <p:extLst>
       <p:ext uri="{BB962C8B-B14F-4D97-AF65-F5344CB8AC3E}">
-        <p14:creationId xmlns:p14="http://schemas.microsoft.com/office/powerpoint/2010/main" xmlns="" val="2442890494"/>
+        <p14:creationId xmlns:p14="http://schemas.microsoft.com/office/powerpoint/2010/main" val="2442890494"/>
       </p:ext>
     </p:extLst>
   </p:cSld>
   <p:clrMapOvr>
     <a:masterClrMapping/>
   </p:clrMapOvr>
+  <p:timing>
+    <p:tnLst>
+      <p:par>
+        <p:cTn id="1" dur="indefinite" restart="never" nodeType="tmRoot"/>
+      </p:par>
+    </p:tnLst>
+  </p:timing>
 </p:sld>
 </file>
 
@@ -4055,6 +4511,10 @@
               <a:rPr lang="de-DE" dirty="0" smtClean="0"/>
               <a:t>NVDA</a:t>
             </a:r>
+            <a:r>
+              <a:rPr lang="de-DE" dirty="0" smtClean="0"/>
+              <a:t/>
+            </a:r>
             <a:br>
               <a:rPr lang="de-DE" dirty="0" smtClean="0"/>
             </a:br>
@@ -4142,7 +4602,7 @@
     </p:spTree>
     <p:extLst>
       <p:ext uri="{BB962C8B-B14F-4D97-AF65-F5344CB8AC3E}">
-        <p14:creationId xmlns:p14="http://schemas.microsoft.com/office/powerpoint/2010/main" xmlns="" val="3133298701"/>
+        <p14:creationId xmlns:p14="http://schemas.microsoft.com/office/powerpoint/2010/main" val="3133298701"/>
       </p:ext>
     </p:extLst>
   </p:cSld>
@@ -4308,7 +4768,7 @@
     </p:spTree>
     <p:extLst>
       <p:ext uri="{BB962C8B-B14F-4D97-AF65-F5344CB8AC3E}">
-        <p14:creationId xmlns:p14="http://schemas.microsoft.com/office/powerpoint/2010/main" xmlns="" val="2774883840"/>
+        <p14:creationId xmlns:p14="http://schemas.microsoft.com/office/powerpoint/2010/main" val="2774883840"/>
       </p:ext>
     </p:extLst>
   </p:cSld>
@@ -4430,7 +4890,7 @@
           <a:blip r:embed="rId2">
             <a:extLst>
               <a:ext uri="{28A0092B-C50C-407E-A947-70E740481C1C}">
-                <a14:useLocalDpi xmlns:a14="http://schemas.microsoft.com/office/drawing/2010/main" xmlns="" val="0"/>
+                <a14:useLocalDpi xmlns:a14="http://schemas.microsoft.com/office/drawing/2010/main" val="0"/>
               </a:ext>
             </a:extLst>
           </a:blip>
@@ -4450,7 +4910,7 @@
           <a:noFill/>
           <a:extLst>
             <a:ext uri="{909E8E84-426E-40DD-AFC4-6F175D3DCCD1}">
-              <a14:hiddenFill xmlns:a14="http://schemas.microsoft.com/office/drawing/2010/main" xmlns="">
+              <a14:hiddenFill xmlns:a14="http://schemas.microsoft.com/office/drawing/2010/main">
                 <a:solidFill>
                   <a:srgbClr val="FFFFFF"/>
                 </a:solidFill>
@@ -4462,13 +4922,20 @@
     </p:spTree>
     <p:extLst>
       <p:ext uri="{BB962C8B-B14F-4D97-AF65-F5344CB8AC3E}">
-        <p14:creationId xmlns:p14="http://schemas.microsoft.com/office/powerpoint/2010/main" xmlns="" val="2282046816"/>
+        <p14:creationId xmlns:p14="http://schemas.microsoft.com/office/powerpoint/2010/main" val="2282046816"/>
       </p:ext>
     </p:extLst>
   </p:cSld>
   <p:clrMapOvr>
     <a:masterClrMapping/>
   </p:clrMapOvr>
+  <p:timing>
+    <p:tnLst>
+      <p:par>
+        <p:cTn id="1" dur="indefinite" restart="never" nodeType="tmRoot"/>
+      </p:par>
+    </p:tnLst>
+  </p:timing>
 </p:sld>
 </file>
 
@@ -4576,7 +5043,7 @@
           <a:blip r:embed="rId2">
             <a:extLst>
               <a:ext uri="{28A0092B-C50C-407E-A947-70E740481C1C}">
-                <a14:useLocalDpi xmlns:a14="http://schemas.microsoft.com/office/drawing/2010/main" xmlns="" val="0"/>
+                <a14:useLocalDpi xmlns:a14="http://schemas.microsoft.com/office/drawing/2010/main" val="0"/>
               </a:ext>
             </a:extLst>
           </a:blip>
@@ -4596,7 +5063,7 @@
           <a:noFill/>
           <a:extLst>
             <a:ext uri="{909E8E84-426E-40DD-AFC4-6F175D3DCCD1}">
-              <a14:hiddenFill xmlns:a14="http://schemas.microsoft.com/office/drawing/2010/main" xmlns="">
+              <a14:hiddenFill xmlns:a14="http://schemas.microsoft.com/office/drawing/2010/main">
                 <a:solidFill>
                   <a:srgbClr val="FFFFFF"/>
                 </a:solidFill>
@@ -4608,13 +5075,20 @@
     </p:spTree>
     <p:extLst>
       <p:ext uri="{BB962C8B-B14F-4D97-AF65-F5344CB8AC3E}">
-        <p14:creationId xmlns:p14="http://schemas.microsoft.com/office/powerpoint/2010/main" xmlns="" val="1365055169"/>
+        <p14:creationId xmlns:p14="http://schemas.microsoft.com/office/powerpoint/2010/main" val="1365055169"/>
       </p:ext>
     </p:extLst>
   </p:cSld>
   <p:clrMapOvr>
     <a:masterClrMapping/>
   </p:clrMapOvr>
+  <p:timing>
+    <p:tnLst>
+      <p:par>
+        <p:cTn id="1" dur="indefinite" restart="never" nodeType="tmRoot"/>
+      </p:par>
+    </p:tnLst>
+  </p:timing>
 </p:sld>
 </file>
 
@@ -4750,7 +5224,7 @@
           <a:blip r:embed="rId2">
             <a:extLst>
               <a:ext uri="{28A0092B-C50C-407E-A947-70E740481C1C}">
-                <a14:useLocalDpi xmlns:a14="http://schemas.microsoft.com/office/drawing/2010/main" xmlns="" val="0"/>
+                <a14:useLocalDpi xmlns:a14="http://schemas.microsoft.com/office/drawing/2010/main" val="0"/>
               </a:ext>
             </a:extLst>
           </a:blip>
@@ -4770,7 +5244,7 @@
           <a:noFill/>
           <a:extLst>
             <a:ext uri="{909E8E84-426E-40DD-AFC4-6F175D3DCCD1}">
-              <a14:hiddenFill xmlns:a14="http://schemas.microsoft.com/office/drawing/2010/main" xmlns="">
+              <a14:hiddenFill xmlns:a14="http://schemas.microsoft.com/office/drawing/2010/main">
                 <a:solidFill>
                   <a:srgbClr val="FFFFFF"/>
                 </a:solidFill>
@@ -4782,13 +5256,20 @@
     </p:spTree>
     <p:extLst>
       <p:ext uri="{BB962C8B-B14F-4D97-AF65-F5344CB8AC3E}">
-        <p14:creationId xmlns:p14="http://schemas.microsoft.com/office/powerpoint/2010/main" xmlns="" val="1951988275"/>
+        <p14:creationId xmlns:p14="http://schemas.microsoft.com/office/powerpoint/2010/main" val="1951988275"/>
       </p:ext>
     </p:extLst>
   </p:cSld>
   <p:clrMapOvr>
     <a:masterClrMapping/>
   </p:clrMapOvr>
+  <p:timing>
+    <p:tnLst>
+      <p:par>
+        <p:cTn id="1" dur="indefinite" restart="never" nodeType="tmRoot"/>
+      </p:par>
+    </p:tnLst>
+  </p:timing>
 </p:sld>
 </file>
 
@@ -4827,7 +5308,11 @@
             <a:pPr algn="l"/>
             <a:r>
               <a:rPr lang="de-DE" dirty="0" smtClean="0"/>
-              <a:t>Selbstversuch</a:t>
+              <a:t>	 </a:t>
+            </a:r>
+            <a:r>
+              <a:rPr lang="de-DE" dirty="0" err="1" smtClean="0"/>
+              <a:t>ChromeVox</a:t>
             </a:r>
             <a:endParaRPr lang="de-DE" dirty="0"/>
           </a:p>
@@ -4848,48 +5333,110 @@
           <a:bodyPr/>
           <a:lstStyle/>
           <a:p>
-            <a:pPr marL="0" indent="0">
-              <a:buNone/>
-            </a:pPr>
-            <a:r>
-              <a:rPr lang="de-DE" sz="6000" dirty="0" smtClean="0"/>
-              <a:t>Augen zu!</a:t>
-            </a:r>
-          </a:p>
-          <a:p>
-            <a:endParaRPr lang="de-DE" sz="2400" dirty="0" smtClean="0"/>
-          </a:p>
-          <a:p>
-            <a:r>
-              <a:rPr lang="de-DE" dirty="0" smtClean="0"/>
-              <a:t>Textdokument erstellen</a:t>
-            </a:r>
-          </a:p>
-          <a:p>
-            <a:r>
-              <a:rPr lang="de-DE" dirty="0" smtClean="0"/>
-              <a:t>Text schreiben</a:t>
-            </a:r>
-          </a:p>
-          <a:p>
-            <a:r>
-              <a:rPr lang="de-DE" dirty="0" smtClean="0"/>
-              <a:t>Abspeichern auf Desktop</a:t>
+            <a:r>
+              <a:rPr lang="de-DE" dirty="0" smtClean="0"/>
+              <a:t>Chrome Extension</a:t>
+            </a:r>
+          </a:p>
+          <a:p>
+            <a:pPr lvl="1"/>
+            <a:r>
+              <a:rPr lang="de-DE" dirty="0" smtClean="0"/>
+              <a:t>1Click </a:t>
+            </a:r>
+            <a:r>
+              <a:rPr lang="de-DE" dirty="0" err="1" smtClean="0"/>
+              <a:t>install</a:t>
+            </a:r>
+            <a:endParaRPr lang="de-DE" dirty="0" smtClean="0"/>
+          </a:p>
+          <a:p>
+            <a:r>
+              <a:rPr lang="de-DE" dirty="0" smtClean="0"/>
+              <a:t>Open Source</a:t>
+            </a:r>
+          </a:p>
+          <a:p>
+            <a:r>
+              <a:rPr lang="de-DE" dirty="0" smtClean="0"/>
+              <a:t>Entwickelt mit HTML, CSS, </a:t>
+            </a:r>
+            <a:r>
+              <a:rPr lang="de-DE" dirty="0" err="1" smtClean="0"/>
+              <a:t>Javascript</a:t>
+            </a:r>
+            <a:endParaRPr lang="de-DE" dirty="0" smtClean="0"/>
+          </a:p>
+          <a:p>
+            <a:r>
+              <a:rPr lang="de-DE" dirty="0" err="1" smtClean="0"/>
+              <a:t>Keyboardsteuerung</a:t>
+            </a:r>
+            <a:endParaRPr lang="de-DE" dirty="0" smtClean="0"/>
+          </a:p>
+          <a:p>
+            <a:pPr lvl="1"/>
+            <a:r>
+              <a:rPr lang="de-DE" dirty="0" smtClean="0"/>
+              <a:t>Optional auch Maus</a:t>
             </a:r>
             <a:endParaRPr lang="de-DE" dirty="0"/>
           </a:p>
         </p:txBody>
       </p:sp>
+      <p:pic>
+        <p:nvPicPr>
+          <p:cNvPr id="1026" name="Picture 2" descr="E:\Dokumente\BHT\Master\hci\img\chromelogo.png"/>
+          <p:cNvPicPr>
+            <a:picLocks noChangeAspect="1" noChangeArrowheads="1"/>
+          </p:cNvPicPr>
+          <p:nvPr/>
+        </p:nvPicPr>
+        <p:blipFill>
+          <a:blip r:embed="rId2">
+            <a:extLst>
+              <a:ext uri="{28A0092B-C50C-407E-A947-70E740481C1C}">
+                <a14:useLocalDpi xmlns:a14="http://schemas.microsoft.com/office/drawing/2010/main" val="0"/>
+              </a:ext>
+            </a:extLst>
+          </a:blip>
+          <a:srcRect/>
+          <a:stretch>
+            <a:fillRect/>
+          </a:stretch>
+        </p:blipFill>
+        <p:spPr bwMode="auto">
+          <a:xfrm>
+            <a:off x="539552" y="332656"/>
+            <a:ext cx="1000124" cy="976312"/>
+          </a:xfrm>
+          <a:prstGeom prst="rect">
+            <a:avLst/>
+          </a:prstGeom>
+          <a:noFill/>
+          <a:extLst>
+            <a:ext uri="{909E8E84-426E-40DD-AFC4-6F175D3DCCD1}">
+              <a14:hiddenFill xmlns:a14="http://schemas.microsoft.com/office/drawing/2010/main">
+                <a:solidFill>
+                  <a:srgbClr val="FFFFFF"/>
+                </a:solidFill>
+              </a14:hiddenFill>
+            </a:ext>
+          </a:extLst>
+        </p:spPr>
+      </p:pic>
     </p:spTree>
-    <p:extLst>
-      <p:ext uri="{BB962C8B-B14F-4D97-AF65-F5344CB8AC3E}">
-        <p14:creationId xmlns:p14="http://schemas.microsoft.com/office/powerpoint/2010/main" xmlns="" val="188996646"/>
-      </p:ext>
-    </p:extLst>
   </p:cSld>
   <p:clrMapOvr>
     <a:masterClrMapping/>
   </p:clrMapOvr>
+  <p:timing>
+    <p:tnLst>
+      <p:par>
+        <p:cTn id="1" dur="indefinite" restart="never" nodeType="tmRoot"/>
+      </p:par>
+    </p:tnLst>
+  </p:timing>
 </p:sld>
 </file>
 
@@ -4927,9 +5474,17 @@
           <a:p>
             <a:pPr algn="l"/>
             <a:r>
+              <a:rPr lang="de-DE" dirty="0" smtClean="0"/>
+              <a:t>	 </a:t>
+            </a:r>
+            <a:r>
               <a:rPr lang="de-DE" dirty="0" err="1" smtClean="0"/>
               <a:t>ChromeVox</a:t>
             </a:r>
+            <a:r>
+              <a:rPr lang="de-DE" dirty="0" smtClean="0"/>
+              <a:t>: Pros</a:t>
+            </a:r>
             <a:endParaRPr lang="de-DE" dirty="0"/>
           </a:p>
         </p:txBody>
@@ -4951,60 +5506,114 @@
           <a:p>
             <a:r>
               <a:rPr lang="de-DE" dirty="0" smtClean="0"/>
-              <a:t>Chrome Extension</a:t>
-            </a:r>
+              <a:t>Supports </a:t>
+            </a:r>
+            <a:r>
+              <a:rPr lang="de-DE" dirty="0" smtClean="0"/>
+              <a:t>AJAX</a:t>
+            </a:r>
+            <a:endParaRPr lang="de-DE" dirty="0" smtClean="0"/>
           </a:p>
           <a:p>
             <a:pPr lvl="1"/>
             <a:r>
               <a:rPr lang="de-DE" dirty="0" smtClean="0"/>
-              <a:t>1Click </a:t>
+              <a:t>Verschluckt sich aber auch manchmal (</a:t>
             </a:r>
             <a:r>
               <a:rPr lang="de-DE" dirty="0" err="1" smtClean="0"/>
-              <a:t>install</a:t>
-            </a:r>
+              <a:t>Gmail</a:t>
+            </a:r>
+            <a:r>
+              <a:rPr lang="de-DE" dirty="0" smtClean="0"/>
+              <a:t>)</a:t>
+            </a:r>
+          </a:p>
+          <a:p>
             <a:endParaRPr lang="de-DE" dirty="0" smtClean="0"/>
           </a:p>
           <a:p>
             <a:r>
               <a:rPr lang="de-DE" dirty="0" smtClean="0"/>
-              <a:t>Open Source</a:t>
-            </a:r>
-          </a:p>
-          <a:p>
-            <a:r>
-              <a:rPr lang="de-DE" dirty="0" smtClean="0"/>
-              <a:t>Entwickelt mit HTML, CSS, </a:t>
-            </a:r>
+              <a:t>Beachtet nur sichtbare </a:t>
+            </a:r>
+            <a:r>
+              <a:rPr lang="de-DE" dirty="0" smtClean="0"/>
+              <a:t>Elemente</a:t>
+            </a:r>
+          </a:p>
+          <a:p>
+            <a:endParaRPr lang="de-DE" dirty="0" smtClean="0"/>
+          </a:p>
+          <a:p>
             <a:r>
               <a:rPr lang="de-DE" dirty="0" err="1" smtClean="0"/>
-              <a:t>Javascript</a:t>
+              <a:t>Akkustischer</a:t>
+            </a:r>
+            <a:r>
+              <a:rPr lang="de-DE" dirty="0" smtClean="0"/>
+              <a:t> Hinweis auf anklickbare Elemente</a:t>
             </a:r>
             <a:endParaRPr lang="de-DE" dirty="0" smtClean="0"/>
           </a:p>
           <a:p>
-            <a:r>
-              <a:rPr lang="de-DE" dirty="0" err="1" smtClean="0"/>
-              <a:t>Keyboardsteuerung</a:t>
-            </a:r>
             <a:endParaRPr lang="de-DE" dirty="0" smtClean="0"/>
           </a:p>
-          <a:p>
-            <a:pPr lvl="1"/>
-            <a:r>
-              <a:rPr lang="de-DE" dirty="0" smtClean="0"/>
-              <a:t>Optional auch Maus</a:t>
-            </a:r>
-            <a:endParaRPr lang="de-DE" dirty="0"/>
-          </a:p>
-        </p:txBody>
-      </p:sp>
+        </p:txBody>
+      </p:sp>
+      <p:pic>
+        <p:nvPicPr>
+          <p:cNvPr id="4" name="Picture 2" descr="E:\Dokumente\BHT\Master\hci\img\chromelogo.png"/>
+          <p:cNvPicPr>
+            <a:picLocks noChangeAspect="1" noChangeArrowheads="1"/>
+          </p:cNvPicPr>
+          <p:nvPr/>
+        </p:nvPicPr>
+        <p:blipFill>
+          <a:blip r:embed="rId2">
+            <a:extLst>
+              <a:ext uri="{28A0092B-C50C-407E-A947-70E740481C1C}">
+                <a14:useLocalDpi xmlns:a14="http://schemas.microsoft.com/office/drawing/2010/main" val="0"/>
+              </a:ext>
+            </a:extLst>
+          </a:blip>
+          <a:srcRect/>
+          <a:stretch>
+            <a:fillRect/>
+          </a:stretch>
+        </p:blipFill>
+        <p:spPr bwMode="auto">
+          <a:xfrm>
+            <a:off x="539552" y="332656"/>
+            <a:ext cx="1000124" cy="976312"/>
+          </a:xfrm>
+          <a:prstGeom prst="rect">
+            <a:avLst/>
+          </a:prstGeom>
+          <a:noFill/>
+          <a:extLst>
+            <a:ext uri="{909E8E84-426E-40DD-AFC4-6F175D3DCCD1}">
+              <a14:hiddenFill xmlns:a14="http://schemas.microsoft.com/office/drawing/2010/main">
+                <a:solidFill>
+                  <a:srgbClr val="FFFFFF"/>
+                </a:solidFill>
+              </a14:hiddenFill>
+            </a:ext>
+          </a:extLst>
+        </p:spPr>
+      </p:pic>
     </p:spTree>
   </p:cSld>
   <p:clrMapOvr>
     <a:masterClrMapping/>
   </p:clrMapOvr>
+  <p:timing>
+    <p:tnLst>
+      <p:par>
+        <p:cTn id="1" dur="indefinite" restart="never" nodeType="tmRoot"/>
+      </p:par>
+    </p:tnLst>
+  </p:timing>
 </p:sld>
 </file>
 

--- a/screenreader.pptx
+++ b/screenreader.pptx
@@ -5,7 +5,7 @@
     <p:sldMasterId id="2147483648" r:id="rId1"/>
   </p:sldMasterIdLst>
   <p:notesMasterIdLst>
-    <p:notesMasterId r:id="rId16"/>
+    <p:notesMasterId r:id="rId28"/>
   </p:notesMasterIdLst>
   <p:sldIdLst>
     <p:sldId id="256" r:id="rId2"/>
@@ -22,6 +22,18 @@
     <p:sldId id="267" r:id="rId13"/>
     <p:sldId id="268" r:id="rId14"/>
     <p:sldId id="269" r:id="rId15"/>
+    <p:sldId id="270" r:id="rId16"/>
+    <p:sldId id="271" r:id="rId17"/>
+    <p:sldId id="272" r:id="rId18"/>
+    <p:sldId id="273" r:id="rId19"/>
+    <p:sldId id="274" r:id="rId20"/>
+    <p:sldId id="275" r:id="rId21"/>
+    <p:sldId id="276" r:id="rId22"/>
+    <p:sldId id="277" r:id="rId23"/>
+    <p:sldId id="278" r:id="rId24"/>
+    <p:sldId id="279" r:id="rId25"/>
+    <p:sldId id="280" r:id="rId26"/>
+    <p:sldId id="281" r:id="rId27"/>
   </p:sldIdLst>
   <p:sldSz cx="9144000" cy="6858000" type="screen4x3"/>
   <p:notesSz cx="6858000" cy="9144000"/>
@@ -206,7 +218,7 @@
             <a:fld id="{28B844BE-A14D-43F3-96D9-5E19BAD2F757}" type="datetimeFigureOut">
               <a:rPr lang="de-DE" smtClean="0"/>
               <a:pPr/>
-              <a:t>10.07.2012</a:t>
+              <a:t>11.07.2012</a:t>
             </a:fld>
             <a:endParaRPr lang="de-DE"/>
           </a:p>
@@ -375,7 +387,7 @@
     </p:spTree>
     <p:extLst>
       <p:ext uri="{BB962C8B-B14F-4D97-AF65-F5344CB8AC3E}">
-        <p14:creationId xmlns:p14="http://schemas.microsoft.com/office/powerpoint/2010/main" val="1696538551"/>
+        <p14:creationId xmlns:p14="http://schemas.microsoft.com/office/powerpoint/2010/main" xmlns="" val="1696538551"/>
       </p:ext>
     </p:extLst>
   </p:cSld>
@@ -605,7 +617,7 @@
     </p:spTree>
     <p:extLst>
       <p:ext uri="{BB962C8B-B14F-4D97-AF65-F5344CB8AC3E}">
-        <p14:creationId xmlns:p14="http://schemas.microsoft.com/office/powerpoint/2010/main" val="1982433177"/>
+        <p14:creationId xmlns:p14="http://schemas.microsoft.com/office/powerpoint/2010/main" xmlns="" val="1982433177"/>
       </p:ext>
     </p:extLst>
   </p:cSld>
@@ -797,7 +809,7 @@
             <a:fld id="{FD1E295F-2066-4319-8EE6-062114BD3BB1}" type="datetimeFigureOut">
               <a:rPr lang="de-DE" smtClean="0"/>
               <a:pPr/>
-              <a:t>10.07.2012</a:t>
+              <a:t>11.07.2012</a:t>
             </a:fld>
             <a:endParaRPr lang="de-DE"/>
           </a:p>
@@ -849,7 +861,7 @@
     </p:spTree>
     <p:extLst>
       <p:ext uri="{BB962C8B-B14F-4D97-AF65-F5344CB8AC3E}">
-        <p14:creationId xmlns:p14="http://schemas.microsoft.com/office/powerpoint/2010/main" val="1170071591"/>
+        <p14:creationId xmlns:p14="http://schemas.microsoft.com/office/powerpoint/2010/main" xmlns="" val="1170071591"/>
       </p:ext>
     </p:extLst>
   </p:cSld>
@@ -969,7 +981,7 @@
             <a:fld id="{FD1E295F-2066-4319-8EE6-062114BD3BB1}" type="datetimeFigureOut">
               <a:rPr lang="de-DE" smtClean="0"/>
               <a:pPr/>
-              <a:t>10.07.2012</a:t>
+              <a:t>11.07.2012</a:t>
             </a:fld>
             <a:endParaRPr lang="de-DE"/>
           </a:p>
@@ -1021,7 +1033,7 @@
     </p:spTree>
     <p:extLst>
       <p:ext uri="{BB962C8B-B14F-4D97-AF65-F5344CB8AC3E}">
-        <p14:creationId xmlns:p14="http://schemas.microsoft.com/office/powerpoint/2010/main" val="2733097328"/>
+        <p14:creationId xmlns:p14="http://schemas.microsoft.com/office/powerpoint/2010/main" xmlns="" val="2733097328"/>
       </p:ext>
     </p:extLst>
   </p:cSld>
@@ -1151,7 +1163,7 @@
             <a:fld id="{FD1E295F-2066-4319-8EE6-062114BD3BB1}" type="datetimeFigureOut">
               <a:rPr lang="de-DE" smtClean="0"/>
               <a:pPr/>
-              <a:t>10.07.2012</a:t>
+              <a:t>11.07.2012</a:t>
             </a:fld>
             <a:endParaRPr lang="de-DE"/>
           </a:p>
@@ -1203,7 +1215,7 @@
     </p:spTree>
     <p:extLst>
       <p:ext uri="{BB962C8B-B14F-4D97-AF65-F5344CB8AC3E}">
-        <p14:creationId xmlns:p14="http://schemas.microsoft.com/office/powerpoint/2010/main" val="2993913530"/>
+        <p14:creationId xmlns:p14="http://schemas.microsoft.com/office/powerpoint/2010/main" xmlns="" val="2993913530"/>
       </p:ext>
     </p:extLst>
   </p:cSld>
@@ -1323,7 +1335,7 @@
             <a:fld id="{FD1E295F-2066-4319-8EE6-062114BD3BB1}" type="datetimeFigureOut">
               <a:rPr lang="de-DE" smtClean="0"/>
               <a:pPr/>
-              <a:t>10.07.2012</a:t>
+              <a:t>11.07.2012</a:t>
             </a:fld>
             <a:endParaRPr lang="de-DE"/>
           </a:p>
@@ -1375,7 +1387,7 @@
     </p:spTree>
     <p:extLst>
       <p:ext uri="{BB962C8B-B14F-4D97-AF65-F5344CB8AC3E}">
-        <p14:creationId xmlns:p14="http://schemas.microsoft.com/office/powerpoint/2010/main" val="3062328469"/>
+        <p14:creationId xmlns:p14="http://schemas.microsoft.com/office/powerpoint/2010/main" xmlns="" val="3062328469"/>
       </p:ext>
     </p:extLst>
   </p:cSld>
@@ -1571,7 +1583,7 @@
             <a:fld id="{FD1E295F-2066-4319-8EE6-062114BD3BB1}" type="datetimeFigureOut">
               <a:rPr lang="de-DE" smtClean="0"/>
               <a:pPr/>
-              <a:t>10.07.2012</a:t>
+              <a:t>11.07.2012</a:t>
             </a:fld>
             <a:endParaRPr lang="de-DE"/>
           </a:p>
@@ -1623,7 +1635,7 @@
     </p:spTree>
     <p:extLst>
       <p:ext uri="{BB962C8B-B14F-4D97-AF65-F5344CB8AC3E}">
-        <p14:creationId xmlns:p14="http://schemas.microsoft.com/office/powerpoint/2010/main" val="840398187"/>
+        <p14:creationId xmlns:p14="http://schemas.microsoft.com/office/powerpoint/2010/main" xmlns="" val="840398187"/>
       </p:ext>
     </p:extLst>
   </p:cSld>
@@ -1861,7 +1873,7 @@
             <a:fld id="{FD1E295F-2066-4319-8EE6-062114BD3BB1}" type="datetimeFigureOut">
               <a:rPr lang="de-DE" smtClean="0"/>
               <a:pPr/>
-              <a:t>10.07.2012</a:t>
+              <a:t>11.07.2012</a:t>
             </a:fld>
             <a:endParaRPr lang="de-DE"/>
           </a:p>
@@ -1913,7 +1925,7 @@
     </p:spTree>
     <p:extLst>
       <p:ext uri="{BB962C8B-B14F-4D97-AF65-F5344CB8AC3E}">
-        <p14:creationId xmlns:p14="http://schemas.microsoft.com/office/powerpoint/2010/main" val="779490173"/>
+        <p14:creationId xmlns:p14="http://schemas.microsoft.com/office/powerpoint/2010/main" xmlns="" val="779490173"/>
       </p:ext>
     </p:extLst>
   </p:cSld>
@@ -2285,7 +2297,7 @@
             <a:fld id="{FD1E295F-2066-4319-8EE6-062114BD3BB1}" type="datetimeFigureOut">
               <a:rPr lang="de-DE" smtClean="0"/>
               <a:pPr/>
-              <a:t>10.07.2012</a:t>
+              <a:t>11.07.2012</a:t>
             </a:fld>
             <a:endParaRPr lang="de-DE"/>
           </a:p>
@@ -2337,7 +2349,7 @@
     </p:spTree>
     <p:extLst>
       <p:ext uri="{BB962C8B-B14F-4D97-AF65-F5344CB8AC3E}">
-        <p14:creationId xmlns:p14="http://schemas.microsoft.com/office/powerpoint/2010/main" val="854404716"/>
+        <p14:creationId xmlns:p14="http://schemas.microsoft.com/office/powerpoint/2010/main" xmlns="" val="854404716"/>
       </p:ext>
     </p:extLst>
   </p:cSld>
@@ -2405,7 +2417,7 @@
             <a:fld id="{FD1E295F-2066-4319-8EE6-062114BD3BB1}" type="datetimeFigureOut">
               <a:rPr lang="de-DE" smtClean="0"/>
               <a:pPr/>
-              <a:t>10.07.2012</a:t>
+              <a:t>11.07.2012</a:t>
             </a:fld>
             <a:endParaRPr lang="de-DE"/>
           </a:p>
@@ -2457,7 +2469,7 @@
     </p:spTree>
     <p:extLst>
       <p:ext uri="{BB962C8B-B14F-4D97-AF65-F5344CB8AC3E}">
-        <p14:creationId xmlns:p14="http://schemas.microsoft.com/office/powerpoint/2010/main" val="3985794120"/>
+        <p14:creationId xmlns:p14="http://schemas.microsoft.com/office/powerpoint/2010/main" xmlns="" val="3985794120"/>
       </p:ext>
     </p:extLst>
   </p:cSld>
@@ -2502,7 +2514,7 @@
             <a:fld id="{FD1E295F-2066-4319-8EE6-062114BD3BB1}" type="datetimeFigureOut">
               <a:rPr lang="de-DE" smtClean="0"/>
               <a:pPr/>
-              <a:t>10.07.2012</a:t>
+              <a:t>11.07.2012</a:t>
             </a:fld>
             <a:endParaRPr lang="de-DE"/>
           </a:p>
@@ -2554,7 +2566,7 @@
     </p:spTree>
     <p:extLst>
       <p:ext uri="{BB962C8B-B14F-4D97-AF65-F5344CB8AC3E}">
-        <p14:creationId xmlns:p14="http://schemas.microsoft.com/office/powerpoint/2010/main" val="53598727"/>
+        <p14:creationId xmlns:p14="http://schemas.microsoft.com/office/powerpoint/2010/main" xmlns="" val="53598727"/>
       </p:ext>
     </p:extLst>
   </p:cSld>
@@ -2781,7 +2793,7 @@
             <a:fld id="{FD1E295F-2066-4319-8EE6-062114BD3BB1}" type="datetimeFigureOut">
               <a:rPr lang="de-DE" smtClean="0"/>
               <a:pPr/>
-              <a:t>10.07.2012</a:t>
+              <a:t>11.07.2012</a:t>
             </a:fld>
             <a:endParaRPr lang="de-DE"/>
           </a:p>
@@ -2833,7 +2845,7 @@
     </p:spTree>
     <p:extLst>
       <p:ext uri="{BB962C8B-B14F-4D97-AF65-F5344CB8AC3E}">
-        <p14:creationId xmlns:p14="http://schemas.microsoft.com/office/powerpoint/2010/main" val="892921514"/>
+        <p14:creationId xmlns:p14="http://schemas.microsoft.com/office/powerpoint/2010/main" xmlns="" val="892921514"/>
       </p:ext>
     </p:extLst>
   </p:cSld>
@@ -3036,7 +3048,7 @@
             <a:fld id="{FD1E295F-2066-4319-8EE6-062114BD3BB1}" type="datetimeFigureOut">
               <a:rPr lang="de-DE" smtClean="0"/>
               <a:pPr/>
-              <a:t>10.07.2012</a:t>
+              <a:t>11.07.2012</a:t>
             </a:fld>
             <a:endParaRPr lang="de-DE"/>
           </a:p>
@@ -3088,7 +3100,7 @@
     </p:spTree>
     <p:extLst>
       <p:ext uri="{BB962C8B-B14F-4D97-AF65-F5344CB8AC3E}">
-        <p14:creationId xmlns:p14="http://schemas.microsoft.com/office/powerpoint/2010/main" val="3177345597"/>
+        <p14:creationId xmlns:p14="http://schemas.microsoft.com/office/powerpoint/2010/main" xmlns="" val="3177345597"/>
       </p:ext>
     </p:extLst>
   </p:cSld>
@@ -3251,7 +3263,7 @@
             <a:fld id="{FD1E295F-2066-4319-8EE6-062114BD3BB1}" type="datetimeFigureOut">
               <a:rPr lang="de-DE" smtClean="0"/>
               <a:pPr/>
-              <a:t>10.07.2012</a:t>
+              <a:t>11.07.2012</a:t>
             </a:fld>
             <a:endParaRPr lang="de-DE"/>
           </a:p>
@@ -3339,7 +3351,7 @@
     </p:spTree>
     <p:extLst>
       <p:ext uri="{BB962C8B-B14F-4D97-AF65-F5344CB8AC3E}">
-        <p14:creationId xmlns:p14="http://schemas.microsoft.com/office/powerpoint/2010/main" val="4223863924"/>
+        <p14:creationId xmlns:p14="http://schemas.microsoft.com/office/powerpoint/2010/main" xmlns="" val="4223863924"/>
       </p:ext>
     </p:extLst>
   </p:cSld>
@@ -3687,7 +3699,7 @@
     </p:spTree>
     <p:extLst>
       <p:ext uri="{BB962C8B-B14F-4D97-AF65-F5344CB8AC3E}">
-        <p14:creationId xmlns:p14="http://schemas.microsoft.com/office/powerpoint/2010/main" val="327677431"/>
+        <p14:creationId xmlns:p14="http://schemas.microsoft.com/office/powerpoint/2010/main" xmlns="" val="327677431"/>
       </p:ext>
     </p:extLst>
   </p:cSld>
@@ -3784,11 +3796,7 @@
           <a:p>
             <a:r>
               <a:rPr lang="de-DE" dirty="0" smtClean="0"/>
-              <a:t>Sprache umstellen</a:t>
-            </a:r>
-            <a:r>
-              <a:rPr lang="de-DE" dirty="0" smtClean="0"/>
-              <a:t>?</a:t>
+              <a:t>Sprache umstellen?</a:t>
             </a:r>
           </a:p>
           <a:p>
@@ -3815,7 +3823,7 @@
           <a:blip r:embed="rId2">
             <a:extLst>
               <a:ext uri="{28A0092B-C50C-407E-A947-70E740481C1C}">
-                <a14:useLocalDpi xmlns:a14="http://schemas.microsoft.com/office/drawing/2010/main" val="0"/>
+                <a14:useLocalDpi xmlns:a14="http://schemas.microsoft.com/office/drawing/2010/main" xmlns="" val="0"/>
               </a:ext>
             </a:extLst>
           </a:blip>
@@ -3835,7 +3843,7 @@
           <a:noFill/>
           <a:extLst>
             <a:ext uri="{909E8E84-426E-40DD-AFC4-6F175D3DCCD1}">
-              <a14:hiddenFill xmlns:a14="http://schemas.microsoft.com/office/drawing/2010/main">
+              <a14:hiddenFill xmlns:a14="http://schemas.microsoft.com/office/drawing/2010/main" xmlns="">
                 <a:solidFill>
                   <a:srgbClr val="FFFFFF"/>
                 </a:solidFill>
@@ -3950,7 +3958,7 @@
     </p:spTree>
     <p:extLst>
       <p:ext uri="{BB962C8B-B14F-4D97-AF65-F5344CB8AC3E}">
-        <p14:creationId xmlns:p14="http://schemas.microsoft.com/office/powerpoint/2010/main" val="188996646"/>
+        <p14:creationId xmlns:p14="http://schemas.microsoft.com/office/powerpoint/2010/main" xmlns="" val="188996646"/>
       </p:ext>
     </p:extLst>
   </p:cSld>
@@ -4070,7 +4078,7 @@
     </p:spTree>
     <p:extLst>
       <p:ext uri="{BB962C8B-B14F-4D97-AF65-F5344CB8AC3E}">
-        <p14:creationId xmlns:p14="http://schemas.microsoft.com/office/powerpoint/2010/main" val="3234783068"/>
+        <p14:creationId xmlns:p14="http://schemas.microsoft.com/office/powerpoint/2010/main" xmlns="" val="3234783068"/>
       </p:ext>
     </p:extLst>
   </p:cSld>
@@ -4226,7 +4234,7 @@
     </p:spTree>
     <p:extLst>
       <p:ext uri="{BB962C8B-B14F-4D97-AF65-F5344CB8AC3E}">
-        <p14:creationId xmlns:p14="http://schemas.microsoft.com/office/powerpoint/2010/main" val="1380820839"/>
+        <p14:creationId xmlns:p14="http://schemas.microsoft.com/office/powerpoint/2010/main" xmlns="" val="1380820839"/>
       </p:ext>
     </p:extLst>
   </p:cSld>
@@ -4336,9 +4344,698 @@
     </p:spTree>
     <p:extLst>
       <p:ext uri="{BB962C8B-B14F-4D97-AF65-F5344CB8AC3E}">
-        <p14:creationId xmlns:p14="http://schemas.microsoft.com/office/powerpoint/2010/main" val="802139351"/>
+        <p14:creationId xmlns:p14="http://schemas.microsoft.com/office/powerpoint/2010/main" xmlns="" val="802139351"/>
       </p:ext>
     </p:extLst>
+  </p:cSld>
+  <p:clrMapOvr>
+    <a:masterClrMapping/>
+  </p:clrMapOvr>
+</p:sld>
+</file>
+
+<file path=ppt/slides/slide15.xml><?xml version="1.0" encoding="utf-8"?>
+<p:sld xmlns:a="http://schemas.openxmlformats.org/drawingml/2006/main" xmlns:r="http://schemas.openxmlformats.org/officeDocument/2006/relationships" xmlns:p="http://schemas.openxmlformats.org/presentationml/2006/main">
+  <p:cSld>
+    <p:spTree>
+      <p:nvGrpSpPr>
+        <p:cNvPr id="1" name=""/>
+        <p:cNvGrpSpPr/>
+        <p:nvPr/>
+      </p:nvGrpSpPr>
+      <p:grpSpPr>
+        <a:xfrm>
+          <a:off x="0" y="0"/>
+          <a:ext cx="0" cy="0"/>
+          <a:chOff x="0" y="0"/>
+          <a:chExt cx="0" cy="0"/>
+        </a:xfrm>
+      </p:grpSpPr>
+      <p:sp>
+        <p:nvSpPr>
+          <p:cNvPr id="2" name="Titel 1"/>
+          <p:cNvSpPr>
+            <a:spLocks noGrp="1"/>
+          </p:cNvSpPr>
+          <p:nvPr>
+            <p:ph type="title"/>
+          </p:nvPr>
+        </p:nvSpPr>
+        <p:spPr/>
+        <p:txBody>
+          <a:bodyPr/>
+          <a:lstStyle/>
+          <a:p>
+            <a:pPr algn="l"/>
+            <a:r>
+              <a:rPr lang="de-DE" dirty="0" smtClean="0"/>
+              <a:t>Bootstrap</a:t>
+            </a:r>
+            <a:endParaRPr lang="de-DE" dirty="0"/>
+          </a:p>
+        </p:txBody>
+      </p:sp>
+      <p:sp>
+        <p:nvSpPr>
+          <p:cNvPr id="3" name="Inhaltsplatzhalter 2"/>
+          <p:cNvSpPr>
+            <a:spLocks noGrp="1"/>
+          </p:cNvSpPr>
+          <p:nvPr>
+            <p:ph idx="1"/>
+          </p:nvPr>
+        </p:nvSpPr>
+        <p:spPr/>
+        <p:txBody>
+          <a:bodyPr/>
+          <a:lstStyle/>
+          <a:p>
+            <a:r>
+              <a:rPr lang="de-DE" dirty="0" err="1" smtClean="0"/>
+              <a:t>Twitter</a:t>
+            </a:r>
+            <a:endParaRPr lang="de-DE" dirty="0" smtClean="0"/>
+          </a:p>
+          <a:p>
+            <a:r>
+              <a:rPr lang="de-DE" dirty="0" smtClean="0"/>
+              <a:t>HTML/CSS/JS Framework</a:t>
+            </a:r>
+          </a:p>
+          <a:p>
+            <a:r>
+              <a:rPr lang="de-DE" dirty="0" smtClean="0"/>
+              <a:t>Easy </a:t>
+            </a:r>
+            <a:r>
+              <a:rPr lang="de-DE" dirty="0" err="1" smtClean="0"/>
+              <a:t>to</a:t>
+            </a:r>
+            <a:r>
+              <a:rPr lang="de-DE" dirty="0" smtClean="0"/>
+              <a:t> </a:t>
+            </a:r>
+            <a:r>
+              <a:rPr lang="de-DE" dirty="0" err="1" smtClean="0"/>
+              <a:t>use</a:t>
+            </a:r>
+            <a:endParaRPr lang="de-DE" dirty="0" smtClean="0"/>
+          </a:p>
+          <a:p>
+            <a:r>
+              <a:rPr lang="de-DE" dirty="0" smtClean="0"/>
+              <a:t>Beginner </a:t>
+            </a:r>
+            <a:r>
+              <a:rPr lang="de-DE" dirty="0" err="1" smtClean="0"/>
+              <a:t>to</a:t>
+            </a:r>
+            <a:r>
+              <a:rPr lang="de-DE" dirty="0" smtClean="0"/>
+              <a:t> Pro</a:t>
+            </a:r>
+          </a:p>
+          <a:p>
+            <a:r>
+              <a:rPr lang="de-DE" dirty="0" smtClean="0"/>
+              <a:t>Open Source</a:t>
+            </a:r>
+            <a:endParaRPr lang="de-DE" dirty="0"/>
+          </a:p>
+        </p:txBody>
+      </p:sp>
+    </p:spTree>
+  </p:cSld>
+  <p:clrMapOvr>
+    <a:masterClrMapping/>
+  </p:clrMapOvr>
+</p:sld>
+</file>
+
+<file path=ppt/slides/slide16.xml><?xml version="1.0" encoding="utf-8"?>
+<p:sld xmlns:a="http://schemas.openxmlformats.org/drawingml/2006/main" xmlns:r="http://schemas.openxmlformats.org/officeDocument/2006/relationships" xmlns:p="http://schemas.openxmlformats.org/presentationml/2006/main">
+  <p:cSld>
+    <p:spTree>
+      <p:nvGrpSpPr>
+        <p:cNvPr id="1" name=""/>
+        <p:cNvGrpSpPr/>
+        <p:nvPr/>
+      </p:nvGrpSpPr>
+      <p:grpSpPr>
+        <a:xfrm>
+          <a:off x="0" y="0"/>
+          <a:ext cx="0" cy="0"/>
+          <a:chOff x="0" y="0"/>
+          <a:chExt cx="0" cy="0"/>
+        </a:xfrm>
+      </p:grpSpPr>
+      <p:sp>
+        <p:nvSpPr>
+          <p:cNvPr id="2" name="Titel 1"/>
+          <p:cNvSpPr>
+            <a:spLocks noGrp="1"/>
+          </p:cNvSpPr>
+          <p:nvPr>
+            <p:ph type="title"/>
+          </p:nvPr>
+        </p:nvSpPr>
+        <p:spPr/>
+        <p:txBody>
+          <a:bodyPr/>
+          <a:lstStyle/>
+          <a:p>
+            <a:pPr algn="l"/>
+            <a:r>
+              <a:rPr lang="de-DE" dirty="0" smtClean="0"/>
+              <a:t>Bootstrap 4 </a:t>
+            </a:r>
+            <a:r>
+              <a:rPr lang="de-DE" dirty="0" err="1" smtClean="0"/>
+              <a:t>Coder</a:t>
+            </a:r>
+            <a:endParaRPr lang="de-DE" dirty="0"/>
+          </a:p>
+        </p:txBody>
+      </p:sp>
+      <p:sp>
+        <p:nvSpPr>
+          <p:cNvPr id="3" name="Inhaltsplatzhalter 2"/>
+          <p:cNvSpPr>
+            <a:spLocks noGrp="1"/>
+          </p:cNvSpPr>
+          <p:nvPr>
+            <p:ph idx="1"/>
+          </p:nvPr>
+        </p:nvSpPr>
+        <p:spPr/>
+        <p:txBody>
+          <a:bodyPr/>
+          <a:lstStyle/>
+          <a:p>
+            <a:r>
+              <a:rPr lang="de-DE" dirty="0" smtClean="0"/>
+              <a:t>Focus on Content</a:t>
+            </a:r>
+          </a:p>
+          <a:p>
+            <a:r>
+              <a:rPr lang="de-DE" dirty="0" err="1" smtClean="0"/>
+              <a:t>Predefined</a:t>
+            </a:r>
+            <a:r>
+              <a:rPr lang="de-DE" dirty="0" smtClean="0"/>
+              <a:t> Components</a:t>
+            </a:r>
+          </a:p>
+          <a:p>
+            <a:r>
+              <a:rPr lang="de-DE" dirty="0" smtClean="0"/>
+              <a:t>Just </a:t>
+            </a:r>
+            <a:r>
+              <a:rPr lang="de-DE" dirty="0" err="1" smtClean="0"/>
+              <a:t>use</a:t>
+            </a:r>
+            <a:r>
+              <a:rPr lang="de-DE" dirty="0" smtClean="0"/>
+              <a:t> </a:t>
+            </a:r>
+            <a:r>
+              <a:rPr lang="de-DE" dirty="0" err="1" smtClean="0"/>
+              <a:t>the</a:t>
+            </a:r>
+            <a:r>
+              <a:rPr lang="de-DE" dirty="0" smtClean="0"/>
+              <a:t> </a:t>
+            </a:r>
+            <a:r>
+              <a:rPr lang="de-DE" dirty="0" err="1" smtClean="0"/>
+              <a:t>given</a:t>
+            </a:r>
+            <a:r>
+              <a:rPr lang="de-DE" dirty="0" smtClean="0"/>
+              <a:t> </a:t>
+            </a:r>
+            <a:r>
+              <a:rPr lang="de-DE" dirty="0" err="1" smtClean="0"/>
+              <a:t>things</a:t>
+            </a:r>
+            <a:r>
+              <a:rPr lang="de-DE" dirty="0" smtClean="0"/>
+              <a:t> </a:t>
+            </a:r>
+          </a:p>
+        </p:txBody>
+      </p:sp>
+    </p:spTree>
+  </p:cSld>
+  <p:clrMapOvr>
+    <a:masterClrMapping/>
+  </p:clrMapOvr>
+</p:sld>
+</file>
+
+<file path=ppt/slides/slide17.xml><?xml version="1.0" encoding="utf-8"?>
+<p:sld xmlns:a="http://schemas.openxmlformats.org/drawingml/2006/main" xmlns:r="http://schemas.openxmlformats.org/officeDocument/2006/relationships" xmlns:p="http://schemas.openxmlformats.org/presentationml/2006/main">
+  <p:cSld>
+    <p:spTree>
+      <p:nvGrpSpPr>
+        <p:cNvPr id="1" name=""/>
+        <p:cNvGrpSpPr/>
+        <p:nvPr/>
+      </p:nvGrpSpPr>
+      <p:grpSpPr>
+        <a:xfrm>
+          <a:off x="0" y="0"/>
+          <a:ext cx="0" cy="0"/>
+          <a:chOff x="0" y="0"/>
+          <a:chExt cx="0" cy="0"/>
+        </a:xfrm>
+      </p:grpSpPr>
+      <p:sp>
+        <p:nvSpPr>
+          <p:cNvPr id="2" name="Titel 1"/>
+          <p:cNvSpPr>
+            <a:spLocks noGrp="1"/>
+          </p:cNvSpPr>
+          <p:nvPr>
+            <p:ph type="title"/>
+          </p:nvPr>
+        </p:nvSpPr>
+        <p:spPr/>
+        <p:txBody>
+          <a:bodyPr/>
+          <a:lstStyle/>
+          <a:p>
+            <a:pPr algn="l"/>
+            <a:r>
+              <a:rPr lang="de-DE" dirty="0" smtClean="0"/>
+              <a:t>Bootstrap 4 Designer</a:t>
+            </a:r>
+            <a:endParaRPr lang="de-DE" dirty="0"/>
+          </a:p>
+        </p:txBody>
+      </p:sp>
+      <p:sp>
+        <p:nvSpPr>
+          <p:cNvPr id="3" name="Inhaltsplatzhalter 2"/>
+          <p:cNvSpPr>
+            <a:spLocks noGrp="1"/>
+          </p:cNvSpPr>
+          <p:nvPr>
+            <p:ph idx="1"/>
+          </p:nvPr>
+        </p:nvSpPr>
+        <p:spPr/>
+        <p:txBody>
+          <a:bodyPr/>
+          <a:lstStyle/>
+          <a:p>
+            <a:r>
+              <a:rPr lang="de-DE" dirty="0" smtClean="0"/>
+              <a:t>Einfach erweiter- /Anpassbar</a:t>
+            </a:r>
+          </a:p>
+          <a:p>
+            <a:pPr lvl="1"/>
+            <a:r>
+              <a:rPr lang="de-DE" dirty="0" smtClean="0"/>
+              <a:t>Farben, Fonts, </a:t>
+            </a:r>
+            <a:r>
+              <a:rPr lang="de-DE" dirty="0" err="1" smtClean="0"/>
+              <a:t>grids</a:t>
+            </a:r>
+            <a:endParaRPr lang="de-DE" dirty="0" smtClean="0"/>
+          </a:p>
+          <a:p>
+            <a:r>
+              <a:rPr lang="de-DE" dirty="0" smtClean="0"/>
+              <a:t>Sauberer Code</a:t>
+            </a:r>
+          </a:p>
+          <a:p>
+            <a:r>
+              <a:rPr lang="de-DE" dirty="0" smtClean="0"/>
+              <a:t>Saubere </a:t>
+            </a:r>
+            <a:r>
+              <a:rPr lang="de-DE" dirty="0" smtClean="0"/>
+              <a:t>D</a:t>
+            </a:r>
+            <a:r>
+              <a:rPr lang="de-DE" dirty="0" smtClean="0"/>
+              <a:t>efault UI</a:t>
+            </a:r>
+          </a:p>
+        </p:txBody>
+      </p:sp>
+    </p:spTree>
+  </p:cSld>
+  <p:clrMapOvr>
+    <a:masterClrMapping/>
+  </p:clrMapOvr>
+</p:sld>
+</file>
+
+<file path=ppt/slides/slide18.xml><?xml version="1.0" encoding="utf-8"?>
+<p:sld xmlns:a="http://schemas.openxmlformats.org/drawingml/2006/main" xmlns:r="http://schemas.openxmlformats.org/officeDocument/2006/relationships" xmlns:p="http://schemas.openxmlformats.org/presentationml/2006/main">
+  <p:cSld>
+    <p:spTree>
+      <p:nvGrpSpPr>
+        <p:cNvPr id="1" name=""/>
+        <p:cNvGrpSpPr/>
+        <p:nvPr/>
+      </p:nvGrpSpPr>
+      <p:grpSpPr>
+        <a:xfrm>
+          <a:off x="0" y="0"/>
+          <a:ext cx="0" cy="0"/>
+          <a:chOff x="0" y="0"/>
+          <a:chExt cx="0" cy="0"/>
+        </a:xfrm>
+      </p:grpSpPr>
+      <p:sp>
+        <p:nvSpPr>
+          <p:cNvPr id="2" name="Titel 1"/>
+          <p:cNvSpPr>
+            <a:spLocks noGrp="1"/>
+          </p:cNvSpPr>
+          <p:nvPr>
+            <p:ph type="title"/>
+          </p:nvPr>
+        </p:nvSpPr>
+        <p:spPr/>
+        <p:txBody>
+          <a:bodyPr/>
+          <a:lstStyle/>
+          <a:p>
+            <a:pPr algn="l"/>
+            <a:r>
+              <a:rPr lang="de-DE" dirty="0" smtClean="0"/>
+              <a:t>Features</a:t>
+            </a:r>
+            <a:endParaRPr lang="de-DE" dirty="0"/>
+          </a:p>
+        </p:txBody>
+      </p:sp>
+      <p:sp>
+        <p:nvSpPr>
+          <p:cNvPr id="3" name="Inhaltsplatzhalter 2"/>
+          <p:cNvSpPr>
+            <a:spLocks noGrp="1"/>
+          </p:cNvSpPr>
+          <p:nvPr>
+            <p:ph idx="1"/>
+          </p:nvPr>
+        </p:nvSpPr>
+        <p:spPr/>
+        <p:txBody>
+          <a:bodyPr/>
+          <a:lstStyle/>
+          <a:p>
+            <a:r>
+              <a:rPr lang="de-DE" dirty="0" smtClean="0"/>
+              <a:t>(12er) </a:t>
+            </a:r>
+            <a:r>
+              <a:rPr lang="de-DE" dirty="0" err="1" smtClean="0"/>
+              <a:t>Grid</a:t>
+            </a:r>
+            <a:endParaRPr lang="de-DE" dirty="0" smtClean="0"/>
+          </a:p>
+          <a:p>
+            <a:r>
+              <a:rPr lang="de-DE" dirty="0" err="1" smtClean="0"/>
+              <a:t>Responsive</a:t>
+            </a:r>
+            <a:endParaRPr lang="de-DE" dirty="0" smtClean="0"/>
+          </a:p>
+          <a:p>
+            <a:r>
+              <a:rPr lang="de-DE" dirty="0" smtClean="0"/>
+              <a:t>Cross Browser/Plattform</a:t>
+            </a:r>
+          </a:p>
+          <a:p>
+            <a:r>
+              <a:rPr lang="de-DE" dirty="0" err="1" smtClean="0"/>
+              <a:t>Less</a:t>
+            </a:r>
+            <a:endParaRPr lang="de-DE" dirty="0" smtClean="0"/>
+          </a:p>
+          <a:p>
+            <a:r>
+              <a:rPr lang="de-DE" dirty="0" smtClean="0"/>
+              <a:t>Leicht erweiterbar</a:t>
+            </a:r>
+          </a:p>
+        </p:txBody>
+      </p:sp>
+    </p:spTree>
+  </p:cSld>
+  <p:clrMapOvr>
+    <a:masterClrMapping/>
+  </p:clrMapOvr>
+</p:sld>
+</file>
+
+<file path=ppt/slides/slide19.xml><?xml version="1.0" encoding="utf-8"?>
+<p:sld xmlns:a="http://schemas.openxmlformats.org/drawingml/2006/main" xmlns:r="http://schemas.openxmlformats.org/officeDocument/2006/relationships" xmlns:p="http://schemas.openxmlformats.org/presentationml/2006/main">
+  <p:cSld>
+    <p:spTree>
+      <p:nvGrpSpPr>
+        <p:cNvPr id="1" name=""/>
+        <p:cNvGrpSpPr/>
+        <p:nvPr/>
+      </p:nvGrpSpPr>
+      <p:grpSpPr>
+        <a:xfrm>
+          <a:off x="0" y="0"/>
+          <a:ext cx="0" cy="0"/>
+          <a:chOff x="0" y="0"/>
+          <a:chExt cx="0" cy="0"/>
+        </a:xfrm>
+      </p:grpSpPr>
+      <p:sp>
+        <p:nvSpPr>
+          <p:cNvPr id="2" name="Titel 1"/>
+          <p:cNvSpPr>
+            <a:spLocks noGrp="1"/>
+          </p:cNvSpPr>
+          <p:nvPr>
+            <p:ph type="title"/>
+          </p:nvPr>
+        </p:nvSpPr>
+        <p:spPr/>
+        <p:txBody>
+          <a:bodyPr/>
+          <a:lstStyle/>
+          <a:p>
+            <a:pPr algn="l"/>
+            <a:r>
+              <a:rPr lang="de-DE" dirty="0" err="1" smtClean="0"/>
+              <a:t>Why</a:t>
+            </a:r>
+            <a:r>
+              <a:rPr lang="de-DE" dirty="0" smtClean="0"/>
+              <a:t> </a:t>
+            </a:r>
+            <a:r>
+              <a:rPr lang="de-DE" dirty="0" err="1" smtClean="0"/>
+              <a:t>Less</a:t>
+            </a:r>
+            <a:r>
+              <a:rPr lang="de-DE" dirty="0" smtClean="0"/>
+              <a:t>?</a:t>
+            </a:r>
+            <a:endParaRPr lang="de-DE" dirty="0"/>
+          </a:p>
+        </p:txBody>
+      </p:sp>
+      <p:sp>
+        <p:nvSpPr>
+          <p:cNvPr id="3" name="Inhaltsplatzhalter 2"/>
+          <p:cNvSpPr>
+            <a:spLocks noGrp="1"/>
+          </p:cNvSpPr>
+          <p:nvPr>
+            <p:ph idx="1"/>
+          </p:nvPr>
+        </p:nvSpPr>
+        <p:spPr>
+          <a:xfrm>
+            <a:off x="457200" y="1600200"/>
+            <a:ext cx="4114800" cy="4525963"/>
+          </a:xfrm>
+        </p:spPr>
+        <p:txBody>
+          <a:bodyPr/>
+          <a:lstStyle/>
+          <a:p>
+            <a:r>
+              <a:rPr lang="de-DE" dirty="0" smtClean="0"/>
+              <a:t>CSS </a:t>
+            </a:r>
+            <a:r>
+              <a:rPr lang="de-DE" dirty="0" err="1" smtClean="0"/>
+              <a:t>is</a:t>
+            </a:r>
+            <a:r>
+              <a:rPr lang="de-DE" dirty="0" smtClean="0"/>
+              <a:t> a mess!</a:t>
+            </a:r>
+          </a:p>
+          <a:p>
+            <a:pPr lvl="1"/>
+            <a:r>
+              <a:rPr lang="de-DE" dirty="0" err="1" smtClean="0"/>
+              <a:t>Hard</a:t>
+            </a:r>
+            <a:r>
+              <a:rPr lang="de-DE" dirty="0" smtClean="0"/>
+              <a:t> </a:t>
+            </a:r>
+            <a:r>
+              <a:rPr lang="de-DE" dirty="0" err="1" smtClean="0"/>
+              <a:t>to</a:t>
+            </a:r>
+            <a:r>
+              <a:rPr lang="de-DE" dirty="0" smtClean="0"/>
+              <a:t> </a:t>
+            </a:r>
+            <a:r>
+              <a:rPr lang="de-DE" dirty="0" err="1" smtClean="0"/>
+              <a:t>stay</a:t>
+            </a:r>
+            <a:r>
+              <a:rPr lang="de-DE" dirty="0" smtClean="0"/>
+              <a:t> clean</a:t>
+            </a:r>
+          </a:p>
+          <a:p>
+            <a:r>
+              <a:rPr lang="de-DE" dirty="0" smtClean="0"/>
+              <a:t>Syntax </a:t>
+            </a:r>
+            <a:r>
+              <a:rPr lang="de-DE" dirty="0" err="1" smtClean="0"/>
+              <a:t>is</a:t>
+            </a:r>
+            <a:r>
+              <a:rPr lang="de-DE" dirty="0" smtClean="0"/>
+              <a:t> CSS </a:t>
+            </a:r>
+            <a:r>
+              <a:rPr lang="de-DE" dirty="0" err="1" smtClean="0"/>
+              <a:t>like</a:t>
+            </a:r>
+            <a:r>
+              <a:rPr lang="de-DE" dirty="0" smtClean="0"/>
+              <a:t> </a:t>
+            </a:r>
+          </a:p>
+          <a:p>
+            <a:r>
+              <a:rPr lang="de-DE" dirty="0" err="1" smtClean="0"/>
+              <a:t>Compiles</a:t>
+            </a:r>
+            <a:r>
+              <a:rPr lang="de-DE" dirty="0" smtClean="0"/>
+              <a:t> </a:t>
+            </a:r>
+            <a:r>
+              <a:rPr lang="de-DE" dirty="0" err="1" smtClean="0"/>
+              <a:t>to</a:t>
+            </a:r>
+            <a:r>
+              <a:rPr lang="de-DE" dirty="0" smtClean="0"/>
+              <a:t> CSS</a:t>
+            </a:r>
+          </a:p>
+          <a:p>
+            <a:pPr lvl="1"/>
+            <a:r>
+              <a:rPr lang="de-DE" dirty="0" smtClean="0"/>
+              <a:t>JS on </a:t>
+            </a:r>
+            <a:r>
+              <a:rPr lang="de-DE" dirty="0" err="1" smtClean="0"/>
+              <a:t>the</a:t>
+            </a:r>
+            <a:r>
+              <a:rPr lang="de-DE" dirty="0" smtClean="0"/>
+              <a:t> </a:t>
+            </a:r>
+            <a:r>
+              <a:rPr lang="de-DE" dirty="0" err="1" smtClean="0"/>
+              <a:t>fly</a:t>
+            </a:r>
+            <a:r>
+              <a:rPr lang="de-DE" dirty="0" smtClean="0"/>
+              <a:t> </a:t>
+            </a:r>
+            <a:r>
+              <a:rPr lang="de-DE" dirty="0" err="1" smtClean="0"/>
+              <a:t>compiler</a:t>
+            </a:r>
+            <a:r>
+              <a:rPr lang="de-DE" dirty="0" smtClean="0"/>
+              <a:t> </a:t>
+            </a:r>
+            <a:r>
+              <a:rPr lang="de-DE" dirty="0" err="1" smtClean="0"/>
+              <a:t>for</a:t>
+            </a:r>
+            <a:r>
+              <a:rPr lang="de-DE" dirty="0" smtClean="0"/>
+              <a:t> </a:t>
+            </a:r>
+            <a:r>
+              <a:rPr lang="de-DE" dirty="0" err="1" smtClean="0"/>
+              <a:t>development</a:t>
+            </a:r>
+            <a:endParaRPr lang="de-DE" dirty="0" smtClean="0"/>
+          </a:p>
+          <a:p>
+            <a:endParaRPr lang="de-DE" dirty="0" smtClean="0"/>
+          </a:p>
+        </p:txBody>
+      </p:sp>
+      <p:pic>
+        <p:nvPicPr>
+          <p:cNvPr id="1028" name="Picture 4"/>
+          <p:cNvPicPr>
+            <a:picLocks noChangeAspect="1" noChangeArrowheads="1"/>
+          </p:cNvPicPr>
+          <p:nvPr/>
+        </p:nvPicPr>
+        <p:blipFill>
+          <a:blip r:embed="rId2"/>
+          <a:srcRect/>
+          <a:stretch>
+            <a:fillRect/>
+          </a:stretch>
+        </p:blipFill>
+        <p:spPr bwMode="auto">
+          <a:xfrm>
+            <a:off x="4857752" y="1643050"/>
+            <a:ext cx="4029075" cy="2305050"/>
+          </a:xfrm>
+          <a:prstGeom prst="rect">
+            <a:avLst/>
+          </a:prstGeom>
+          <a:noFill/>
+          <a:ln w="9525">
+            <a:noFill/>
+            <a:miter lim="800000"/>
+            <a:headEnd/>
+            <a:tailEnd/>
+          </a:ln>
+          <a:effectLst/>
+        </p:spPr>
+      </p:pic>
+    </p:spTree>
   </p:cSld>
   <p:clrMapOvr>
     <a:masterClrMapping/>
@@ -4409,7 +5106,7 @@
     </p:spTree>
     <p:extLst>
       <p:ext uri="{BB962C8B-B14F-4D97-AF65-F5344CB8AC3E}">
-        <p14:creationId xmlns:p14="http://schemas.microsoft.com/office/powerpoint/2010/main" val="2442890494"/>
+        <p14:creationId xmlns:p14="http://schemas.microsoft.com/office/powerpoint/2010/main" xmlns="" val="2442890494"/>
       </p:ext>
     </p:extLst>
   </p:cSld>
@@ -4423,6 +5120,841 @@
       </p:par>
     </p:tnLst>
   </p:timing>
+</p:sld>
+</file>
+
+<file path=ppt/slides/slide20.xml><?xml version="1.0" encoding="utf-8"?>
+<p:sld xmlns:a="http://schemas.openxmlformats.org/drawingml/2006/main" xmlns:r="http://schemas.openxmlformats.org/officeDocument/2006/relationships" xmlns:p="http://schemas.openxmlformats.org/presentationml/2006/main">
+  <p:cSld>
+    <p:spTree>
+      <p:nvGrpSpPr>
+        <p:cNvPr id="1" name=""/>
+        <p:cNvGrpSpPr/>
+        <p:nvPr/>
+      </p:nvGrpSpPr>
+      <p:grpSpPr>
+        <a:xfrm>
+          <a:off x="0" y="0"/>
+          <a:ext cx="0" cy="0"/>
+          <a:chOff x="0" y="0"/>
+          <a:chExt cx="0" cy="0"/>
+        </a:xfrm>
+      </p:grpSpPr>
+      <p:sp>
+        <p:nvSpPr>
+          <p:cNvPr id="2" name="Titel 1"/>
+          <p:cNvSpPr>
+            <a:spLocks noGrp="1"/>
+          </p:cNvSpPr>
+          <p:nvPr>
+            <p:ph type="title"/>
+          </p:nvPr>
+        </p:nvSpPr>
+        <p:spPr/>
+        <p:txBody>
+          <a:bodyPr/>
+          <a:lstStyle/>
+          <a:p>
+            <a:pPr algn="l"/>
+            <a:r>
+              <a:rPr lang="de-DE" dirty="0" smtClean="0"/>
+              <a:t>More </a:t>
+            </a:r>
+            <a:r>
+              <a:rPr lang="de-DE" dirty="0" err="1" smtClean="0"/>
+              <a:t>Less</a:t>
+            </a:r>
+            <a:r>
+              <a:rPr lang="de-DE" dirty="0" smtClean="0"/>
+              <a:t>?</a:t>
+            </a:r>
+            <a:endParaRPr lang="de-DE" dirty="0"/>
+          </a:p>
+        </p:txBody>
+      </p:sp>
+      <p:sp>
+        <p:nvSpPr>
+          <p:cNvPr id="3" name="Inhaltsplatzhalter 2"/>
+          <p:cNvSpPr>
+            <a:spLocks noGrp="1"/>
+          </p:cNvSpPr>
+          <p:nvPr>
+            <p:ph idx="1"/>
+          </p:nvPr>
+        </p:nvSpPr>
+        <p:spPr/>
+        <p:txBody>
+          <a:bodyPr/>
+          <a:lstStyle/>
+          <a:p>
+            <a:r>
+              <a:rPr lang="de-DE" dirty="0" smtClean="0"/>
+              <a:t>Variables, </a:t>
+            </a:r>
+            <a:r>
+              <a:rPr lang="de-DE" dirty="0" err="1" smtClean="0"/>
+              <a:t>Nesting</a:t>
+            </a:r>
+            <a:r>
+              <a:rPr lang="de-DE" dirty="0" smtClean="0"/>
+              <a:t>, </a:t>
+            </a:r>
+            <a:r>
+              <a:rPr lang="de-DE" dirty="0" err="1" smtClean="0"/>
+              <a:t>Mixins</a:t>
+            </a:r>
+            <a:r>
+              <a:rPr lang="de-DE" dirty="0" smtClean="0"/>
+              <a:t>, </a:t>
+            </a:r>
+            <a:r>
+              <a:rPr lang="de-DE" dirty="0" err="1" smtClean="0"/>
+              <a:t>Operations</a:t>
+            </a:r>
+            <a:endParaRPr lang="de-DE" dirty="0" smtClean="0"/>
+          </a:p>
+          <a:p>
+            <a:r>
+              <a:rPr lang="de-DE" dirty="0" smtClean="0"/>
+              <a:t>Bootstrap </a:t>
+            </a:r>
+            <a:r>
+              <a:rPr lang="de-DE" dirty="0" err="1" smtClean="0"/>
+              <a:t>example</a:t>
+            </a:r>
+            <a:endParaRPr lang="de-DE" dirty="0" smtClean="0"/>
+          </a:p>
+          <a:p>
+            <a:pPr lvl="1"/>
+            <a:r>
+              <a:rPr lang="de-DE" dirty="0" smtClean="0"/>
+              <a:t>Screen Sizes</a:t>
+            </a:r>
+          </a:p>
+          <a:p>
+            <a:pPr lvl="1"/>
+            <a:endParaRPr lang="de-DE" dirty="0" smtClean="0"/>
+          </a:p>
+          <a:p>
+            <a:pPr lvl="1"/>
+            <a:endParaRPr lang="de-DE" dirty="0" smtClean="0"/>
+          </a:p>
+        </p:txBody>
+      </p:sp>
+      <p:pic>
+        <p:nvPicPr>
+          <p:cNvPr id="2050" name="Picture 2"/>
+          <p:cNvPicPr>
+            <a:picLocks noChangeAspect="1" noChangeArrowheads="1"/>
+          </p:cNvPicPr>
+          <p:nvPr/>
+        </p:nvPicPr>
+        <p:blipFill>
+          <a:blip r:embed="rId2"/>
+          <a:srcRect/>
+          <a:stretch>
+            <a:fillRect/>
+          </a:stretch>
+        </p:blipFill>
+        <p:spPr bwMode="auto">
+          <a:xfrm>
+            <a:off x="2428860" y="3571876"/>
+            <a:ext cx="3914775" cy="1952625"/>
+          </a:xfrm>
+          <a:prstGeom prst="rect">
+            <a:avLst/>
+          </a:prstGeom>
+          <a:noFill/>
+          <a:ln w="9525">
+            <a:noFill/>
+            <a:miter lim="800000"/>
+            <a:headEnd/>
+            <a:tailEnd/>
+          </a:ln>
+          <a:effectLst/>
+        </p:spPr>
+      </p:pic>
+    </p:spTree>
+  </p:cSld>
+  <p:clrMapOvr>
+    <a:masterClrMapping/>
+  </p:clrMapOvr>
+</p:sld>
+</file>
+
+<file path=ppt/slides/slide21.xml><?xml version="1.0" encoding="utf-8"?>
+<p:sld xmlns:a="http://schemas.openxmlformats.org/drawingml/2006/main" xmlns:r="http://schemas.openxmlformats.org/officeDocument/2006/relationships" xmlns:p="http://schemas.openxmlformats.org/presentationml/2006/main">
+  <p:cSld>
+    <p:spTree>
+      <p:nvGrpSpPr>
+        <p:cNvPr id="1" name=""/>
+        <p:cNvGrpSpPr/>
+        <p:nvPr/>
+      </p:nvGrpSpPr>
+      <p:grpSpPr>
+        <a:xfrm>
+          <a:off x="0" y="0"/>
+          <a:ext cx="0" cy="0"/>
+          <a:chOff x="0" y="0"/>
+          <a:chExt cx="0" cy="0"/>
+        </a:xfrm>
+      </p:grpSpPr>
+      <p:sp>
+        <p:nvSpPr>
+          <p:cNvPr id="2" name="Titel 1"/>
+          <p:cNvSpPr>
+            <a:spLocks noGrp="1"/>
+          </p:cNvSpPr>
+          <p:nvPr>
+            <p:ph type="title"/>
+          </p:nvPr>
+        </p:nvSpPr>
+        <p:spPr/>
+        <p:txBody>
+          <a:bodyPr/>
+          <a:lstStyle/>
+          <a:p>
+            <a:pPr algn="l"/>
+            <a:r>
+              <a:rPr lang="de-DE" dirty="0" smtClean="0"/>
+              <a:t>Bootstrap </a:t>
+            </a:r>
+            <a:r>
+              <a:rPr lang="de-DE" dirty="0" err="1" smtClean="0"/>
+              <a:t>Examples</a:t>
+            </a:r>
+            <a:endParaRPr lang="de-DE" dirty="0"/>
+          </a:p>
+        </p:txBody>
+      </p:sp>
+      <p:pic>
+        <p:nvPicPr>
+          <p:cNvPr id="3074" name="Picture 2"/>
+          <p:cNvPicPr>
+            <a:picLocks noGrp="1" noChangeAspect="1" noChangeArrowheads="1"/>
+          </p:cNvPicPr>
+          <p:nvPr>
+            <p:ph idx="1"/>
+          </p:nvPr>
+        </p:nvPicPr>
+        <p:blipFill>
+          <a:blip r:embed="rId2"/>
+          <a:srcRect/>
+          <a:stretch>
+            <a:fillRect/>
+          </a:stretch>
+        </p:blipFill>
+        <p:spPr bwMode="auto">
+          <a:xfrm>
+            <a:off x="1990109" y="1600200"/>
+            <a:ext cx="5163782" cy="4525963"/>
+          </a:xfrm>
+          <a:prstGeom prst="rect">
+            <a:avLst/>
+          </a:prstGeom>
+          <a:noFill/>
+          <a:ln w="9525">
+            <a:noFill/>
+            <a:miter lim="800000"/>
+            <a:headEnd/>
+            <a:tailEnd/>
+          </a:ln>
+          <a:effectLst/>
+        </p:spPr>
+      </p:pic>
+    </p:spTree>
+  </p:cSld>
+  <p:clrMapOvr>
+    <a:masterClrMapping/>
+  </p:clrMapOvr>
+</p:sld>
+</file>
+
+<file path=ppt/slides/slide22.xml><?xml version="1.0" encoding="utf-8"?>
+<p:sld xmlns:a="http://schemas.openxmlformats.org/drawingml/2006/main" xmlns:r="http://schemas.openxmlformats.org/officeDocument/2006/relationships" xmlns:p="http://schemas.openxmlformats.org/presentationml/2006/main">
+  <p:cSld>
+    <p:spTree>
+      <p:nvGrpSpPr>
+        <p:cNvPr id="1" name=""/>
+        <p:cNvGrpSpPr/>
+        <p:nvPr/>
+      </p:nvGrpSpPr>
+      <p:grpSpPr>
+        <a:xfrm>
+          <a:off x="0" y="0"/>
+          <a:ext cx="0" cy="0"/>
+          <a:chOff x="0" y="0"/>
+          <a:chExt cx="0" cy="0"/>
+        </a:xfrm>
+      </p:grpSpPr>
+      <p:sp>
+        <p:nvSpPr>
+          <p:cNvPr id="2" name="Titel 1"/>
+          <p:cNvSpPr>
+            <a:spLocks noGrp="1"/>
+          </p:cNvSpPr>
+          <p:nvPr>
+            <p:ph type="title"/>
+          </p:nvPr>
+        </p:nvSpPr>
+        <p:spPr/>
+        <p:txBody>
+          <a:bodyPr/>
+          <a:lstStyle/>
+          <a:p>
+            <a:pPr algn="l"/>
+            <a:r>
+              <a:rPr lang="de-DE" dirty="0" smtClean="0"/>
+              <a:t>Bootstrap </a:t>
+            </a:r>
+            <a:r>
+              <a:rPr lang="de-DE" dirty="0" err="1" smtClean="0"/>
+              <a:t>Examples</a:t>
+            </a:r>
+            <a:endParaRPr lang="de-DE" dirty="0"/>
+          </a:p>
+        </p:txBody>
+      </p:sp>
+      <p:pic>
+        <p:nvPicPr>
+          <p:cNvPr id="4098" name="Picture 2"/>
+          <p:cNvPicPr>
+            <a:picLocks noGrp="1" noChangeAspect="1" noChangeArrowheads="1"/>
+          </p:cNvPicPr>
+          <p:nvPr>
+            <p:ph idx="1"/>
+          </p:nvPr>
+        </p:nvPicPr>
+        <p:blipFill>
+          <a:blip r:embed="rId2"/>
+          <a:srcRect/>
+          <a:stretch>
+            <a:fillRect/>
+          </a:stretch>
+        </p:blipFill>
+        <p:spPr bwMode="auto">
+          <a:xfrm>
+            <a:off x="1992848" y="1600200"/>
+            <a:ext cx="5158303" cy="4525963"/>
+          </a:xfrm>
+          <a:prstGeom prst="rect">
+            <a:avLst/>
+          </a:prstGeom>
+          <a:noFill/>
+          <a:ln w="9525">
+            <a:noFill/>
+            <a:miter lim="800000"/>
+            <a:headEnd/>
+            <a:tailEnd/>
+          </a:ln>
+          <a:effectLst/>
+        </p:spPr>
+      </p:pic>
+    </p:spTree>
+  </p:cSld>
+  <p:clrMapOvr>
+    <a:masterClrMapping/>
+  </p:clrMapOvr>
+</p:sld>
+</file>
+
+<file path=ppt/slides/slide23.xml><?xml version="1.0" encoding="utf-8"?>
+<p:sld xmlns:a="http://schemas.openxmlformats.org/drawingml/2006/main" xmlns:r="http://schemas.openxmlformats.org/officeDocument/2006/relationships" xmlns:p="http://schemas.openxmlformats.org/presentationml/2006/main">
+  <p:cSld>
+    <p:spTree>
+      <p:nvGrpSpPr>
+        <p:cNvPr id="1" name=""/>
+        <p:cNvGrpSpPr/>
+        <p:nvPr/>
+      </p:nvGrpSpPr>
+      <p:grpSpPr>
+        <a:xfrm>
+          <a:off x="0" y="0"/>
+          <a:ext cx="0" cy="0"/>
+          <a:chOff x="0" y="0"/>
+          <a:chExt cx="0" cy="0"/>
+        </a:xfrm>
+      </p:grpSpPr>
+      <p:sp>
+        <p:nvSpPr>
+          <p:cNvPr id="2" name="Titel 1"/>
+          <p:cNvSpPr>
+            <a:spLocks noGrp="1"/>
+          </p:cNvSpPr>
+          <p:nvPr>
+            <p:ph type="title"/>
+          </p:nvPr>
+        </p:nvSpPr>
+        <p:spPr/>
+        <p:txBody>
+          <a:bodyPr/>
+          <a:lstStyle/>
+          <a:p>
+            <a:pPr algn="l"/>
+            <a:r>
+              <a:rPr lang="de-DE" dirty="0" smtClean="0"/>
+              <a:t>Bootstrap </a:t>
+            </a:r>
+            <a:r>
+              <a:rPr lang="de-DE" dirty="0" err="1" smtClean="0"/>
+              <a:t>meets</a:t>
+            </a:r>
+            <a:r>
+              <a:rPr lang="de-DE" dirty="0" smtClean="0"/>
+              <a:t> HCI</a:t>
+            </a:r>
+            <a:endParaRPr lang="de-DE" dirty="0"/>
+          </a:p>
+        </p:txBody>
+      </p:sp>
+      <p:sp>
+        <p:nvSpPr>
+          <p:cNvPr id="3" name="Inhaltsplatzhalter 2"/>
+          <p:cNvSpPr>
+            <a:spLocks noGrp="1"/>
+          </p:cNvSpPr>
+          <p:nvPr>
+            <p:ph idx="1"/>
+          </p:nvPr>
+        </p:nvSpPr>
+        <p:spPr/>
+        <p:txBody>
+          <a:bodyPr/>
+          <a:lstStyle/>
+          <a:p>
+            <a:r>
+              <a:rPr lang="de-DE" dirty="0" smtClean="0"/>
+              <a:t>Technische Barrieren</a:t>
+            </a:r>
+          </a:p>
+          <a:p>
+            <a:pPr lvl="1"/>
+            <a:r>
+              <a:rPr lang="de-DE" dirty="0" smtClean="0"/>
+              <a:t>Browser (</a:t>
+            </a:r>
+            <a:r>
+              <a:rPr lang="de-DE" dirty="0" err="1" smtClean="0"/>
+              <a:t>Webkit</a:t>
+            </a:r>
+            <a:r>
+              <a:rPr lang="de-DE" dirty="0" smtClean="0"/>
+              <a:t>, IE, Gecko)</a:t>
+            </a:r>
+          </a:p>
+          <a:p>
+            <a:pPr lvl="1"/>
+            <a:r>
+              <a:rPr lang="de-DE" dirty="0" smtClean="0"/>
+              <a:t>Geräte</a:t>
+            </a:r>
+          </a:p>
+          <a:p>
+            <a:pPr lvl="2"/>
+            <a:r>
+              <a:rPr lang="de-DE" dirty="0" smtClean="0"/>
+              <a:t>Desktop</a:t>
+            </a:r>
+          </a:p>
+          <a:p>
+            <a:pPr lvl="2"/>
+            <a:r>
+              <a:rPr lang="de-DE" dirty="0" smtClean="0"/>
+              <a:t>Phone</a:t>
+            </a:r>
+          </a:p>
+          <a:p>
+            <a:pPr lvl="2"/>
+            <a:r>
+              <a:rPr lang="de-DE" dirty="0" err="1" smtClean="0"/>
+              <a:t>Tablet</a:t>
+            </a:r>
+            <a:endParaRPr lang="de-DE" dirty="0" smtClean="0"/>
+          </a:p>
+          <a:p>
+            <a:pPr lvl="2"/>
+            <a:endParaRPr lang="de-DE" dirty="0"/>
+          </a:p>
+        </p:txBody>
+      </p:sp>
+    </p:spTree>
+  </p:cSld>
+  <p:clrMapOvr>
+    <a:masterClrMapping/>
+  </p:clrMapOvr>
+</p:sld>
+</file>
+
+<file path=ppt/slides/slide24.xml><?xml version="1.0" encoding="utf-8"?>
+<p:sld xmlns:a="http://schemas.openxmlformats.org/drawingml/2006/main" xmlns:r="http://schemas.openxmlformats.org/officeDocument/2006/relationships" xmlns:p="http://schemas.openxmlformats.org/presentationml/2006/main">
+  <p:cSld>
+    <p:spTree>
+      <p:nvGrpSpPr>
+        <p:cNvPr id="1" name=""/>
+        <p:cNvGrpSpPr/>
+        <p:nvPr/>
+      </p:nvGrpSpPr>
+      <p:grpSpPr>
+        <a:xfrm>
+          <a:off x="0" y="0"/>
+          <a:ext cx="0" cy="0"/>
+          <a:chOff x="0" y="0"/>
+          <a:chExt cx="0" cy="0"/>
+        </a:xfrm>
+      </p:grpSpPr>
+      <p:sp>
+        <p:nvSpPr>
+          <p:cNvPr id="2" name="Titel 1"/>
+          <p:cNvSpPr>
+            <a:spLocks noGrp="1"/>
+          </p:cNvSpPr>
+          <p:nvPr>
+            <p:ph type="title"/>
+          </p:nvPr>
+        </p:nvSpPr>
+        <p:spPr/>
+        <p:txBody>
+          <a:bodyPr/>
+          <a:lstStyle/>
+          <a:p>
+            <a:pPr algn="l"/>
+            <a:r>
+              <a:rPr lang="de-DE" dirty="0" smtClean="0"/>
+              <a:t>Bootstrap </a:t>
+            </a:r>
+            <a:r>
+              <a:rPr lang="de-DE" dirty="0" err="1" smtClean="0"/>
+              <a:t>meets</a:t>
+            </a:r>
+            <a:r>
+              <a:rPr lang="de-DE" dirty="0" smtClean="0"/>
+              <a:t> HCI</a:t>
+            </a:r>
+            <a:endParaRPr lang="de-DE" dirty="0"/>
+          </a:p>
+        </p:txBody>
+      </p:sp>
+      <p:sp>
+        <p:nvSpPr>
+          <p:cNvPr id="3" name="Inhaltsplatzhalter 2"/>
+          <p:cNvSpPr>
+            <a:spLocks noGrp="1"/>
+          </p:cNvSpPr>
+          <p:nvPr>
+            <p:ph idx="1"/>
+          </p:nvPr>
+        </p:nvSpPr>
+        <p:spPr/>
+        <p:txBody>
+          <a:bodyPr/>
+          <a:lstStyle/>
+          <a:p>
+            <a:r>
+              <a:rPr lang="de-DE" dirty="0" smtClean="0"/>
+              <a:t>Erwartungskonform</a:t>
+            </a:r>
+          </a:p>
+          <a:p>
+            <a:pPr lvl="1"/>
+            <a:r>
+              <a:rPr lang="de-DE" dirty="0" smtClean="0"/>
+              <a:t>Komponenten</a:t>
+            </a:r>
+          </a:p>
+          <a:p>
+            <a:r>
+              <a:rPr lang="de-DE" dirty="0" smtClean="0"/>
+              <a:t>Default Design</a:t>
+            </a:r>
+          </a:p>
+          <a:p>
+            <a:pPr lvl="1"/>
+            <a:r>
+              <a:rPr lang="de-DE" dirty="0" smtClean="0"/>
+              <a:t>Sehr hoher Kontrast</a:t>
+            </a:r>
+            <a:endParaRPr lang="de-DE" dirty="0"/>
+          </a:p>
+        </p:txBody>
+      </p:sp>
+    </p:spTree>
+  </p:cSld>
+  <p:clrMapOvr>
+    <a:masterClrMapping/>
+  </p:clrMapOvr>
+</p:sld>
+</file>
+
+<file path=ppt/slides/slide25.xml><?xml version="1.0" encoding="utf-8"?>
+<p:sld xmlns:a="http://schemas.openxmlformats.org/drawingml/2006/main" xmlns:r="http://schemas.openxmlformats.org/officeDocument/2006/relationships" xmlns:p="http://schemas.openxmlformats.org/presentationml/2006/main">
+  <p:cSld>
+    <p:spTree>
+      <p:nvGrpSpPr>
+        <p:cNvPr id="1" name=""/>
+        <p:cNvGrpSpPr/>
+        <p:nvPr/>
+      </p:nvGrpSpPr>
+      <p:grpSpPr>
+        <a:xfrm>
+          <a:off x="0" y="0"/>
+          <a:ext cx="0" cy="0"/>
+          <a:chOff x="0" y="0"/>
+          <a:chExt cx="0" cy="0"/>
+        </a:xfrm>
+      </p:grpSpPr>
+      <p:sp>
+        <p:nvSpPr>
+          <p:cNvPr id="2" name="Titel 1"/>
+          <p:cNvSpPr>
+            <a:spLocks noGrp="1"/>
+          </p:cNvSpPr>
+          <p:nvPr>
+            <p:ph type="title"/>
+          </p:nvPr>
+        </p:nvSpPr>
+        <p:spPr/>
+        <p:txBody>
+          <a:bodyPr/>
+          <a:lstStyle/>
+          <a:p>
+            <a:pPr algn="l"/>
+            <a:r>
+              <a:rPr lang="de-DE" dirty="0" smtClean="0"/>
+              <a:t>Bootstrap </a:t>
+            </a:r>
+            <a:r>
+              <a:rPr lang="de-DE" dirty="0" err="1" smtClean="0"/>
+              <a:t>meets</a:t>
+            </a:r>
+            <a:r>
+              <a:rPr lang="de-DE" dirty="0" smtClean="0"/>
+              <a:t> </a:t>
+            </a:r>
+            <a:r>
+              <a:rPr lang="de-DE" dirty="0" err="1" smtClean="0"/>
+              <a:t>Screenreader</a:t>
+            </a:r>
+            <a:endParaRPr lang="de-DE" dirty="0"/>
+          </a:p>
+        </p:txBody>
+      </p:sp>
+      <p:sp>
+        <p:nvSpPr>
+          <p:cNvPr id="3" name="Inhaltsplatzhalter 2"/>
+          <p:cNvSpPr>
+            <a:spLocks noGrp="1"/>
+          </p:cNvSpPr>
+          <p:nvPr>
+            <p:ph idx="1"/>
+          </p:nvPr>
+        </p:nvSpPr>
+        <p:spPr/>
+        <p:txBody>
+          <a:bodyPr/>
+          <a:lstStyle/>
+          <a:p>
+            <a:r>
+              <a:rPr lang="de-DE" dirty="0" smtClean="0"/>
+              <a:t>Gut geeignet ;-)</a:t>
+            </a:r>
+          </a:p>
+          <a:p>
+            <a:r>
+              <a:rPr lang="de-DE" dirty="0" smtClean="0"/>
+              <a:t>Struktur des Quellcodes </a:t>
+            </a:r>
+            <a:r>
+              <a:rPr lang="de-DE" dirty="0" smtClean="0">
+                <a:sym typeface="Wingdings" pitchFamily="2" charset="2"/>
+              </a:rPr>
+              <a:t> </a:t>
+            </a:r>
+            <a:r>
+              <a:rPr lang="de-DE" dirty="0" err="1" smtClean="0">
+                <a:sym typeface="Wingdings" pitchFamily="2" charset="2"/>
+              </a:rPr>
+              <a:t>Contentstruktur</a:t>
+            </a:r>
+            <a:endParaRPr lang="de-DE" dirty="0" smtClean="0">
+              <a:sym typeface="Wingdings" pitchFamily="2" charset="2"/>
+            </a:endParaRPr>
+          </a:p>
+          <a:p>
+            <a:r>
+              <a:rPr lang="de-DE" dirty="0" smtClean="0">
+                <a:sym typeface="Wingdings" pitchFamily="2" charset="2"/>
+              </a:rPr>
+              <a:t>Alt Tags -&gt; do </a:t>
+            </a:r>
+            <a:r>
+              <a:rPr lang="de-DE" dirty="0" err="1" smtClean="0">
+                <a:sym typeface="Wingdings" pitchFamily="2" charset="2"/>
+              </a:rPr>
+              <a:t>it</a:t>
+            </a:r>
+            <a:r>
+              <a:rPr lang="de-DE" dirty="0" smtClean="0">
+                <a:sym typeface="Wingdings" pitchFamily="2" charset="2"/>
+              </a:rPr>
+              <a:t> </a:t>
+            </a:r>
+            <a:r>
+              <a:rPr lang="de-DE" dirty="0" err="1" smtClean="0">
+                <a:sym typeface="Wingdings" pitchFamily="2" charset="2"/>
+              </a:rPr>
+              <a:t>yourself</a:t>
+            </a:r>
+            <a:endParaRPr lang="de-DE" dirty="0" smtClean="0">
+              <a:sym typeface="Wingdings" pitchFamily="2" charset="2"/>
+            </a:endParaRPr>
+          </a:p>
+          <a:p>
+            <a:r>
+              <a:rPr lang="de-DE" dirty="0" err="1" smtClean="0">
+                <a:sym typeface="Wingdings" pitchFamily="2" charset="2"/>
+              </a:rPr>
+              <a:t>Tabstop</a:t>
+            </a:r>
+            <a:r>
+              <a:rPr lang="de-DE" dirty="0" smtClean="0">
+                <a:sym typeface="Wingdings" pitchFamily="2" charset="2"/>
+              </a:rPr>
+              <a:t> -&gt; do </a:t>
+            </a:r>
+            <a:r>
+              <a:rPr lang="de-DE" dirty="0" err="1" smtClean="0">
+                <a:sym typeface="Wingdings" pitchFamily="2" charset="2"/>
+              </a:rPr>
+              <a:t>it</a:t>
+            </a:r>
+            <a:r>
+              <a:rPr lang="de-DE" dirty="0" smtClean="0">
+                <a:sym typeface="Wingdings" pitchFamily="2" charset="2"/>
+              </a:rPr>
+              <a:t> </a:t>
+            </a:r>
+            <a:r>
+              <a:rPr lang="de-DE" dirty="0" err="1" smtClean="0">
+                <a:sym typeface="Wingdings" pitchFamily="2" charset="2"/>
+              </a:rPr>
+              <a:t>yourself</a:t>
+            </a:r>
+            <a:endParaRPr lang="de-DE" dirty="0"/>
+          </a:p>
+        </p:txBody>
+      </p:sp>
+    </p:spTree>
+  </p:cSld>
+  <p:clrMapOvr>
+    <a:masterClrMapping/>
+  </p:clrMapOvr>
+</p:sld>
+</file>
+
+<file path=ppt/slides/slide26.xml><?xml version="1.0" encoding="utf-8"?>
+<p:sld xmlns:a="http://schemas.openxmlformats.org/drawingml/2006/main" xmlns:r="http://schemas.openxmlformats.org/officeDocument/2006/relationships" xmlns:p="http://schemas.openxmlformats.org/presentationml/2006/main">
+  <p:cSld>
+    <p:spTree>
+      <p:nvGrpSpPr>
+        <p:cNvPr id="1" name=""/>
+        <p:cNvGrpSpPr/>
+        <p:nvPr/>
+      </p:nvGrpSpPr>
+      <p:grpSpPr>
+        <a:xfrm>
+          <a:off x="0" y="0"/>
+          <a:ext cx="0" cy="0"/>
+          <a:chOff x="0" y="0"/>
+          <a:chExt cx="0" cy="0"/>
+        </a:xfrm>
+      </p:grpSpPr>
+      <p:sp>
+        <p:nvSpPr>
+          <p:cNvPr id="2" name="Titel 1"/>
+          <p:cNvSpPr>
+            <a:spLocks noGrp="1"/>
+          </p:cNvSpPr>
+          <p:nvPr>
+            <p:ph type="title"/>
+          </p:nvPr>
+        </p:nvSpPr>
+        <p:spPr/>
+        <p:txBody>
+          <a:bodyPr/>
+          <a:lstStyle/>
+          <a:p>
+            <a:pPr algn="l"/>
+            <a:r>
+              <a:rPr lang="de-DE" dirty="0" smtClean="0"/>
+              <a:t>Fazit</a:t>
+            </a:r>
+            <a:endParaRPr lang="de-DE" dirty="0"/>
+          </a:p>
+        </p:txBody>
+      </p:sp>
+      <p:sp>
+        <p:nvSpPr>
+          <p:cNvPr id="3" name="Inhaltsplatzhalter 2"/>
+          <p:cNvSpPr>
+            <a:spLocks noGrp="1"/>
+          </p:cNvSpPr>
+          <p:nvPr>
+            <p:ph idx="1"/>
+          </p:nvPr>
+        </p:nvSpPr>
+        <p:spPr/>
+        <p:txBody>
+          <a:bodyPr/>
+          <a:lstStyle/>
+          <a:p>
+            <a:r>
+              <a:rPr lang="de-DE" dirty="0" smtClean="0"/>
+              <a:t>Produktiv &amp; Effizient</a:t>
+            </a:r>
+          </a:p>
+          <a:p>
+            <a:r>
+              <a:rPr lang="de-DE" dirty="0" smtClean="0"/>
+              <a:t>Konzentration auf Inhalt/</a:t>
+            </a:r>
+            <a:r>
+              <a:rPr lang="de-DE" dirty="0" err="1" smtClean="0"/>
+              <a:t>Usability</a:t>
+            </a:r>
+            <a:endParaRPr lang="de-DE" dirty="0" smtClean="0"/>
+          </a:p>
+          <a:p>
+            <a:r>
+              <a:rPr lang="de-DE" dirty="0" smtClean="0"/>
+              <a:t>Schneller einstieg</a:t>
+            </a:r>
+          </a:p>
+          <a:p>
+            <a:r>
+              <a:rPr lang="de-DE" dirty="0" smtClean="0"/>
+              <a:t>Will </a:t>
+            </a:r>
+            <a:r>
+              <a:rPr lang="de-DE" dirty="0" err="1" smtClean="0"/>
+              <a:t>use</a:t>
+            </a:r>
+            <a:r>
+              <a:rPr lang="de-DE" dirty="0" smtClean="0"/>
+              <a:t> </a:t>
+            </a:r>
+            <a:r>
+              <a:rPr lang="de-DE" dirty="0" err="1" smtClean="0"/>
+              <a:t>again</a:t>
+            </a:r>
+            <a:endParaRPr lang="de-DE" dirty="0"/>
+          </a:p>
+        </p:txBody>
+      </p:sp>
+    </p:spTree>
+  </p:cSld>
+  <p:clrMapOvr>
+    <a:masterClrMapping/>
+  </p:clrMapOvr>
 </p:sld>
 </file>
 
@@ -4511,10 +6043,6 @@
               <a:rPr lang="de-DE" dirty="0" smtClean="0"/>
               <a:t>NVDA</a:t>
             </a:r>
-            <a:r>
-              <a:rPr lang="de-DE" dirty="0" smtClean="0"/>
-              <a:t/>
-            </a:r>
             <a:br>
               <a:rPr lang="de-DE" dirty="0" smtClean="0"/>
             </a:br>
@@ -4602,7 +6130,7 @@
     </p:spTree>
     <p:extLst>
       <p:ext uri="{BB962C8B-B14F-4D97-AF65-F5344CB8AC3E}">
-        <p14:creationId xmlns:p14="http://schemas.microsoft.com/office/powerpoint/2010/main" val="3133298701"/>
+        <p14:creationId xmlns:p14="http://schemas.microsoft.com/office/powerpoint/2010/main" xmlns="" val="3133298701"/>
       </p:ext>
     </p:extLst>
   </p:cSld>
@@ -4768,7 +6296,7 @@
     </p:spTree>
     <p:extLst>
       <p:ext uri="{BB962C8B-B14F-4D97-AF65-F5344CB8AC3E}">
-        <p14:creationId xmlns:p14="http://schemas.microsoft.com/office/powerpoint/2010/main" val="2774883840"/>
+        <p14:creationId xmlns:p14="http://schemas.microsoft.com/office/powerpoint/2010/main" xmlns="" val="2774883840"/>
       </p:ext>
     </p:extLst>
   </p:cSld>
@@ -4890,7 +6418,7 @@
           <a:blip r:embed="rId2">
             <a:extLst>
               <a:ext uri="{28A0092B-C50C-407E-A947-70E740481C1C}">
-                <a14:useLocalDpi xmlns:a14="http://schemas.microsoft.com/office/drawing/2010/main" val="0"/>
+                <a14:useLocalDpi xmlns:a14="http://schemas.microsoft.com/office/drawing/2010/main" xmlns="" val="0"/>
               </a:ext>
             </a:extLst>
           </a:blip>
@@ -4910,7 +6438,7 @@
           <a:noFill/>
           <a:extLst>
             <a:ext uri="{909E8E84-426E-40DD-AFC4-6F175D3DCCD1}">
-              <a14:hiddenFill xmlns:a14="http://schemas.microsoft.com/office/drawing/2010/main">
+              <a14:hiddenFill xmlns:a14="http://schemas.microsoft.com/office/drawing/2010/main" xmlns="">
                 <a:solidFill>
                   <a:srgbClr val="FFFFFF"/>
                 </a:solidFill>
@@ -4922,7 +6450,7 @@
     </p:spTree>
     <p:extLst>
       <p:ext uri="{BB962C8B-B14F-4D97-AF65-F5344CB8AC3E}">
-        <p14:creationId xmlns:p14="http://schemas.microsoft.com/office/powerpoint/2010/main" val="2282046816"/>
+        <p14:creationId xmlns:p14="http://schemas.microsoft.com/office/powerpoint/2010/main" xmlns="" val="2282046816"/>
       </p:ext>
     </p:extLst>
   </p:cSld>
@@ -5043,7 +6571,7 @@
           <a:blip r:embed="rId2">
             <a:extLst>
               <a:ext uri="{28A0092B-C50C-407E-A947-70E740481C1C}">
-                <a14:useLocalDpi xmlns:a14="http://schemas.microsoft.com/office/drawing/2010/main" val="0"/>
+                <a14:useLocalDpi xmlns:a14="http://schemas.microsoft.com/office/drawing/2010/main" xmlns="" val="0"/>
               </a:ext>
             </a:extLst>
           </a:blip>
@@ -5063,7 +6591,7 @@
           <a:noFill/>
           <a:extLst>
             <a:ext uri="{909E8E84-426E-40DD-AFC4-6F175D3DCCD1}">
-              <a14:hiddenFill xmlns:a14="http://schemas.microsoft.com/office/drawing/2010/main">
+              <a14:hiddenFill xmlns:a14="http://schemas.microsoft.com/office/drawing/2010/main" xmlns="">
                 <a:solidFill>
                   <a:srgbClr val="FFFFFF"/>
                 </a:solidFill>
@@ -5075,7 +6603,7 @@
     </p:spTree>
     <p:extLst>
       <p:ext uri="{BB962C8B-B14F-4D97-AF65-F5344CB8AC3E}">
-        <p14:creationId xmlns:p14="http://schemas.microsoft.com/office/powerpoint/2010/main" val="1365055169"/>
+        <p14:creationId xmlns:p14="http://schemas.microsoft.com/office/powerpoint/2010/main" xmlns="" val="1365055169"/>
       </p:ext>
     </p:extLst>
   </p:cSld>
@@ -5224,7 +6752,7 @@
           <a:blip r:embed="rId2">
             <a:extLst>
               <a:ext uri="{28A0092B-C50C-407E-A947-70E740481C1C}">
-                <a14:useLocalDpi xmlns:a14="http://schemas.microsoft.com/office/drawing/2010/main" val="0"/>
+                <a14:useLocalDpi xmlns:a14="http://schemas.microsoft.com/office/drawing/2010/main" xmlns="" val="0"/>
               </a:ext>
             </a:extLst>
           </a:blip>
@@ -5244,7 +6772,7 @@
           <a:noFill/>
           <a:extLst>
             <a:ext uri="{909E8E84-426E-40DD-AFC4-6F175D3DCCD1}">
-              <a14:hiddenFill xmlns:a14="http://schemas.microsoft.com/office/drawing/2010/main">
+              <a14:hiddenFill xmlns:a14="http://schemas.microsoft.com/office/drawing/2010/main" xmlns="">
                 <a:solidFill>
                   <a:srgbClr val="FFFFFF"/>
                 </a:solidFill>
@@ -5256,7 +6784,7 @@
     </p:spTree>
     <p:extLst>
       <p:ext uri="{BB962C8B-B14F-4D97-AF65-F5344CB8AC3E}">
-        <p14:creationId xmlns:p14="http://schemas.microsoft.com/office/powerpoint/2010/main" val="1951988275"/>
+        <p14:creationId xmlns:p14="http://schemas.microsoft.com/office/powerpoint/2010/main" xmlns="" val="1951988275"/>
       </p:ext>
     </p:extLst>
   </p:cSld>
@@ -5396,7 +6924,7 @@
           <a:blip r:embed="rId2">
             <a:extLst>
               <a:ext uri="{28A0092B-C50C-407E-A947-70E740481C1C}">
-                <a14:useLocalDpi xmlns:a14="http://schemas.microsoft.com/office/drawing/2010/main" val="0"/>
+                <a14:useLocalDpi xmlns:a14="http://schemas.microsoft.com/office/drawing/2010/main" xmlns="" val="0"/>
               </a:ext>
             </a:extLst>
           </a:blip>
@@ -5416,7 +6944,7 @@
           <a:noFill/>
           <a:extLst>
             <a:ext uri="{909E8E84-426E-40DD-AFC4-6F175D3DCCD1}">
-              <a14:hiddenFill xmlns:a14="http://schemas.microsoft.com/office/drawing/2010/main">
+              <a14:hiddenFill xmlns:a14="http://schemas.microsoft.com/office/drawing/2010/main" xmlns="">
                 <a:solidFill>
                   <a:srgbClr val="FFFFFF"/>
                 </a:solidFill>
@@ -5506,13 +7034,8 @@
           <a:p>
             <a:r>
               <a:rPr lang="de-DE" dirty="0" smtClean="0"/>
-              <a:t>Supports </a:t>
-            </a:r>
-            <a:r>
-              <a:rPr lang="de-DE" dirty="0" smtClean="0"/>
-              <a:t>AJAX</a:t>
-            </a:r>
-            <a:endParaRPr lang="de-DE" dirty="0" smtClean="0"/>
+              <a:t>Supports AJAX</a:t>
+            </a:r>
           </a:p>
           <a:p>
             <a:pPr lvl="1"/>
@@ -5535,11 +7058,7 @@
           <a:p>
             <a:r>
               <a:rPr lang="de-DE" dirty="0" smtClean="0"/>
-              <a:t>Beachtet nur sichtbare </a:t>
-            </a:r>
-            <a:r>
-              <a:rPr lang="de-DE" dirty="0" smtClean="0"/>
-              <a:t>Elemente</a:t>
+              <a:t>Beachtet nur sichtbare Elemente</a:t>
             </a:r>
           </a:p>
           <a:p>
@@ -5554,7 +7073,6 @@
               <a:rPr lang="de-DE" dirty="0" smtClean="0"/>
               <a:t> Hinweis auf anklickbare Elemente</a:t>
             </a:r>
-            <a:endParaRPr lang="de-DE" dirty="0" smtClean="0"/>
           </a:p>
           <a:p>
             <a:endParaRPr lang="de-DE" dirty="0" smtClean="0"/>
@@ -5573,7 +7091,7 @@
           <a:blip r:embed="rId2">
             <a:extLst>
               <a:ext uri="{28A0092B-C50C-407E-A947-70E740481C1C}">
-                <a14:useLocalDpi xmlns:a14="http://schemas.microsoft.com/office/drawing/2010/main" val="0"/>
+                <a14:useLocalDpi xmlns:a14="http://schemas.microsoft.com/office/drawing/2010/main" xmlns="" val="0"/>
               </a:ext>
             </a:extLst>
           </a:blip>
@@ -5593,7 +7111,7 @@
           <a:noFill/>
           <a:extLst>
             <a:ext uri="{909E8E84-426E-40DD-AFC4-6F175D3DCCD1}">
-              <a14:hiddenFill xmlns:a14="http://schemas.microsoft.com/office/drawing/2010/main">
+              <a14:hiddenFill xmlns:a14="http://schemas.microsoft.com/office/drawing/2010/main" xmlns="">
                 <a:solidFill>
                   <a:srgbClr val="FFFFFF"/>
                 </a:solidFill>

--- a/screenreader.pptx
+++ b/screenreader.pptx
@@ -5,35 +5,38 @@
     <p:sldMasterId id="2147483648" r:id="rId1"/>
   </p:sldMasterIdLst>
   <p:notesMasterIdLst>
-    <p:notesMasterId r:id="rId28"/>
+    <p:notesMasterId r:id="rId31"/>
   </p:notesMasterIdLst>
   <p:sldIdLst>
     <p:sldId id="256" r:id="rId2"/>
     <p:sldId id="263" r:id="rId3"/>
-    <p:sldId id="257" r:id="rId4"/>
-    <p:sldId id="258" r:id="rId5"/>
-    <p:sldId id="259" r:id="rId6"/>
-    <p:sldId id="260" r:id="rId7"/>
-    <p:sldId id="261" r:id="rId8"/>
-    <p:sldId id="264" r:id="rId9"/>
-    <p:sldId id="265" r:id="rId10"/>
-    <p:sldId id="266" r:id="rId11"/>
-    <p:sldId id="262" r:id="rId12"/>
-    <p:sldId id="267" r:id="rId13"/>
-    <p:sldId id="268" r:id="rId14"/>
-    <p:sldId id="269" r:id="rId15"/>
-    <p:sldId id="270" r:id="rId16"/>
-    <p:sldId id="271" r:id="rId17"/>
-    <p:sldId id="272" r:id="rId18"/>
-    <p:sldId id="273" r:id="rId19"/>
-    <p:sldId id="274" r:id="rId20"/>
-    <p:sldId id="275" r:id="rId21"/>
-    <p:sldId id="276" r:id="rId22"/>
-    <p:sldId id="277" r:id="rId23"/>
-    <p:sldId id="278" r:id="rId24"/>
-    <p:sldId id="279" r:id="rId25"/>
-    <p:sldId id="280" r:id="rId26"/>
-    <p:sldId id="281" r:id="rId27"/>
+    <p:sldId id="283" r:id="rId4"/>
+    <p:sldId id="257" r:id="rId5"/>
+    <p:sldId id="258" r:id="rId6"/>
+    <p:sldId id="259" r:id="rId7"/>
+    <p:sldId id="260" r:id="rId8"/>
+    <p:sldId id="261" r:id="rId9"/>
+    <p:sldId id="264" r:id="rId10"/>
+    <p:sldId id="265" r:id="rId11"/>
+    <p:sldId id="266" r:id="rId12"/>
+    <p:sldId id="262" r:id="rId13"/>
+    <p:sldId id="267" r:id="rId14"/>
+    <p:sldId id="268" r:id="rId15"/>
+    <p:sldId id="269" r:id="rId16"/>
+    <p:sldId id="284" r:id="rId17"/>
+    <p:sldId id="282" r:id="rId18"/>
+    <p:sldId id="270" r:id="rId19"/>
+    <p:sldId id="271" r:id="rId20"/>
+    <p:sldId id="272" r:id="rId21"/>
+    <p:sldId id="273" r:id="rId22"/>
+    <p:sldId id="274" r:id="rId23"/>
+    <p:sldId id="275" r:id="rId24"/>
+    <p:sldId id="276" r:id="rId25"/>
+    <p:sldId id="277" r:id="rId26"/>
+    <p:sldId id="278" r:id="rId27"/>
+    <p:sldId id="279" r:id="rId28"/>
+    <p:sldId id="280" r:id="rId29"/>
+    <p:sldId id="281" r:id="rId30"/>
   </p:sldIdLst>
   <p:sldSz cx="9144000" cy="6858000" type="screen4x3"/>
   <p:notesSz cx="6858000" cy="9144000"/>
@@ -387,7 +390,7 @@
     </p:spTree>
     <p:extLst>
       <p:ext uri="{BB962C8B-B14F-4D97-AF65-F5344CB8AC3E}">
-        <p14:creationId xmlns:p14="http://schemas.microsoft.com/office/powerpoint/2010/main" xmlns="" val="1696538551"/>
+        <p14:creationId xmlns:p14="http://schemas.microsoft.com/office/powerpoint/2010/main" val="1696538551"/>
       </p:ext>
     </p:extLst>
   </p:cSld>
@@ -608,7 +611,7 @@
             <a:fld id="{B30E63BA-E47B-4AEC-ADBC-7F9718ECE693}" type="slidenum">
               <a:rPr lang="de-DE" smtClean="0"/>
               <a:pPr/>
-              <a:t>3</a:t>
+              <a:t>4</a:t>
             </a:fld>
             <a:endParaRPr lang="de-DE"/>
           </a:p>
@@ -617,7 +620,7 @@
     </p:spTree>
     <p:extLst>
       <p:ext uri="{BB962C8B-B14F-4D97-AF65-F5344CB8AC3E}">
-        <p14:creationId xmlns:p14="http://schemas.microsoft.com/office/powerpoint/2010/main" xmlns="" val="1982433177"/>
+        <p14:creationId xmlns:p14="http://schemas.microsoft.com/office/powerpoint/2010/main" val="1982433177"/>
       </p:ext>
     </p:extLst>
   </p:cSld>
@@ -861,7 +864,7 @@
     </p:spTree>
     <p:extLst>
       <p:ext uri="{BB962C8B-B14F-4D97-AF65-F5344CB8AC3E}">
-        <p14:creationId xmlns:p14="http://schemas.microsoft.com/office/powerpoint/2010/main" xmlns="" val="1170071591"/>
+        <p14:creationId xmlns:p14="http://schemas.microsoft.com/office/powerpoint/2010/main" val="1170071591"/>
       </p:ext>
     </p:extLst>
   </p:cSld>
@@ -1033,7 +1036,7 @@
     </p:spTree>
     <p:extLst>
       <p:ext uri="{BB962C8B-B14F-4D97-AF65-F5344CB8AC3E}">
-        <p14:creationId xmlns:p14="http://schemas.microsoft.com/office/powerpoint/2010/main" xmlns="" val="2733097328"/>
+        <p14:creationId xmlns:p14="http://schemas.microsoft.com/office/powerpoint/2010/main" val="2733097328"/>
       </p:ext>
     </p:extLst>
   </p:cSld>
@@ -1215,7 +1218,7 @@
     </p:spTree>
     <p:extLst>
       <p:ext uri="{BB962C8B-B14F-4D97-AF65-F5344CB8AC3E}">
-        <p14:creationId xmlns:p14="http://schemas.microsoft.com/office/powerpoint/2010/main" xmlns="" val="2993913530"/>
+        <p14:creationId xmlns:p14="http://schemas.microsoft.com/office/powerpoint/2010/main" val="2993913530"/>
       </p:ext>
     </p:extLst>
   </p:cSld>
@@ -1387,7 +1390,7 @@
     </p:spTree>
     <p:extLst>
       <p:ext uri="{BB962C8B-B14F-4D97-AF65-F5344CB8AC3E}">
-        <p14:creationId xmlns:p14="http://schemas.microsoft.com/office/powerpoint/2010/main" xmlns="" val="3062328469"/>
+        <p14:creationId xmlns:p14="http://schemas.microsoft.com/office/powerpoint/2010/main" val="3062328469"/>
       </p:ext>
     </p:extLst>
   </p:cSld>
@@ -1635,7 +1638,7 @@
     </p:spTree>
     <p:extLst>
       <p:ext uri="{BB962C8B-B14F-4D97-AF65-F5344CB8AC3E}">
-        <p14:creationId xmlns:p14="http://schemas.microsoft.com/office/powerpoint/2010/main" xmlns="" val="840398187"/>
+        <p14:creationId xmlns:p14="http://schemas.microsoft.com/office/powerpoint/2010/main" val="840398187"/>
       </p:ext>
     </p:extLst>
   </p:cSld>
@@ -1925,7 +1928,7 @@
     </p:spTree>
     <p:extLst>
       <p:ext uri="{BB962C8B-B14F-4D97-AF65-F5344CB8AC3E}">
-        <p14:creationId xmlns:p14="http://schemas.microsoft.com/office/powerpoint/2010/main" xmlns="" val="779490173"/>
+        <p14:creationId xmlns:p14="http://schemas.microsoft.com/office/powerpoint/2010/main" val="779490173"/>
       </p:ext>
     </p:extLst>
   </p:cSld>
@@ -2349,7 +2352,7 @@
     </p:spTree>
     <p:extLst>
       <p:ext uri="{BB962C8B-B14F-4D97-AF65-F5344CB8AC3E}">
-        <p14:creationId xmlns:p14="http://schemas.microsoft.com/office/powerpoint/2010/main" xmlns="" val="854404716"/>
+        <p14:creationId xmlns:p14="http://schemas.microsoft.com/office/powerpoint/2010/main" val="854404716"/>
       </p:ext>
     </p:extLst>
   </p:cSld>
@@ -2469,7 +2472,7 @@
     </p:spTree>
     <p:extLst>
       <p:ext uri="{BB962C8B-B14F-4D97-AF65-F5344CB8AC3E}">
-        <p14:creationId xmlns:p14="http://schemas.microsoft.com/office/powerpoint/2010/main" xmlns="" val="3985794120"/>
+        <p14:creationId xmlns:p14="http://schemas.microsoft.com/office/powerpoint/2010/main" val="3985794120"/>
       </p:ext>
     </p:extLst>
   </p:cSld>
@@ -2566,7 +2569,7 @@
     </p:spTree>
     <p:extLst>
       <p:ext uri="{BB962C8B-B14F-4D97-AF65-F5344CB8AC3E}">
-        <p14:creationId xmlns:p14="http://schemas.microsoft.com/office/powerpoint/2010/main" xmlns="" val="53598727"/>
+        <p14:creationId xmlns:p14="http://schemas.microsoft.com/office/powerpoint/2010/main" val="53598727"/>
       </p:ext>
     </p:extLst>
   </p:cSld>
@@ -2845,7 +2848,7 @@
     </p:spTree>
     <p:extLst>
       <p:ext uri="{BB962C8B-B14F-4D97-AF65-F5344CB8AC3E}">
-        <p14:creationId xmlns:p14="http://schemas.microsoft.com/office/powerpoint/2010/main" xmlns="" val="892921514"/>
+        <p14:creationId xmlns:p14="http://schemas.microsoft.com/office/powerpoint/2010/main" val="892921514"/>
       </p:ext>
     </p:extLst>
   </p:cSld>
@@ -3100,7 +3103,7 @@
     </p:spTree>
     <p:extLst>
       <p:ext uri="{BB962C8B-B14F-4D97-AF65-F5344CB8AC3E}">
-        <p14:creationId xmlns:p14="http://schemas.microsoft.com/office/powerpoint/2010/main" xmlns="" val="3177345597"/>
+        <p14:creationId xmlns:p14="http://schemas.microsoft.com/office/powerpoint/2010/main" val="3177345597"/>
       </p:ext>
     </p:extLst>
   </p:cSld>
@@ -3351,7 +3354,7 @@
     </p:spTree>
     <p:extLst>
       <p:ext uri="{BB962C8B-B14F-4D97-AF65-F5344CB8AC3E}">
-        <p14:creationId xmlns:p14="http://schemas.microsoft.com/office/powerpoint/2010/main" xmlns="" val="4223863924"/>
+        <p14:creationId xmlns:p14="http://schemas.microsoft.com/office/powerpoint/2010/main" val="4223863924"/>
       </p:ext>
     </p:extLst>
   </p:cSld>
@@ -3649,16 +3652,49 @@
             <p:ph type="ctrTitle"/>
           </p:nvPr>
         </p:nvSpPr>
-        <p:spPr/>
-        <p:txBody>
-          <a:bodyPr/>
-          <a:lstStyle/>
-          <a:p>
-            <a:r>
-              <a:rPr lang="de-DE" dirty="0" smtClean="0"/>
-              <a:t>Screen Reader</a:t>
-            </a:r>
-            <a:endParaRPr lang="de-DE" dirty="0"/>
+        <p:spPr>
+          <a:xfrm>
+            <a:off x="0" y="1340768"/>
+            <a:ext cx="9144000" cy="1755626"/>
+          </a:xfrm>
+        </p:spPr>
+        <p:txBody>
+          <a:bodyPr>
+            <a:normAutofit fontScale="90000"/>
+          </a:bodyPr>
+          <a:lstStyle/>
+          <a:p>
+            <a:r>
+              <a:rPr lang="de-DE" sz="5300" dirty="0" smtClean="0"/>
+              <a:t>Screen </a:t>
+            </a:r>
+            <a:r>
+              <a:rPr lang="de-DE" sz="5300" dirty="0" smtClean="0"/>
+              <a:t>Reader</a:t>
+            </a:r>
+            <a:br>
+              <a:rPr lang="de-DE" sz="5300" dirty="0" smtClean="0"/>
+            </a:br>
+            <a:r>
+              <a:rPr lang="de-DE" sz="3600" dirty="0" smtClean="0"/>
+              <a:t>und</a:t>
+            </a:r>
+            <a:r>
+              <a:rPr lang="de-DE" dirty="0" smtClean="0"/>
+              <a:t/>
+            </a:r>
+            <a:br>
+              <a:rPr lang="de-DE" dirty="0" smtClean="0"/>
+            </a:br>
+            <a:r>
+              <a:rPr lang="de-DE" sz="5300" dirty="0" err="1" smtClean="0"/>
+              <a:t>Twitter</a:t>
+            </a:r>
+            <a:r>
+              <a:rPr lang="de-DE" sz="5300" dirty="0" smtClean="0"/>
+              <a:t> Bootstrap</a:t>
+            </a:r>
+            <a:endParaRPr lang="de-DE" sz="5300" dirty="0"/>
           </a:p>
         </p:txBody>
       </p:sp>
@@ -3672,7 +3708,12 @@
             <p:ph type="subTitle" idx="1"/>
           </p:nvPr>
         </p:nvSpPr>
-        <p:spPr/>
+        <p:spPr>
+          <a:xfrm>
+            <a:off x="-5876" y="4005064"/>
+            <a:ext cx="9149875" cy="1268760"/>
+          </a:xfrm>
+        </p:spPr>
         <p:txBody>
           <a:bodyPr/>
           <a:lstStyle/>
@@ -3699,7 +3740,7 @@
     </p:spTree>
     <p:extLst>
       <p:ext uri="{BB962C8B-B14F-4D97-AF65-F5344CB8AC3E}">
-        <p14:creationId xmlns:p14="http://schemas.microsoft.com/office/powerpoint/2010/main" xmlns="" val="327677431"/>
+        <p14:creationId xmlns:p14="http://schemas.microsoft.com/office/powerpoint/2010/main" val="327677431"/>
       </p:ext>
     </p:extLst>
   </p:cSld>
@@ -3759,7 +3800,7 @@
             </a:r>
             <a:r>
               <a:rPr lang="de-DE" dirty="0" smtClean="0"/>
-              <a:t>: Cons</a:t>
+              <a:t>: Pros</a:t>
             </a:r>
             <a:endParaRPr lang="de-DE" dirty="0"/>
           </a:p>
@@ -3782,32 +3823,48 @@
           <a:p>
             <a:r>
               <a:rPr lang="de-DE" dirty="0" smtClean="0"/>
-              <a:t>Nicht kompatibel mit Desktop Screen </a:t>
+              <a:t>Supports AJAX</a:t>
+            </a:r>
+          </a:p>
+          <a:p>
+            <a:pPr lvl="1"/>
+            <a:r>
+              <a:rPr lang="de-DE" dirty="0" smtClean="0"/>
+              <a:t>Verschluckt sich aber auch manchmal (</a:t>
             </a:r>
             <a:r>
               <a:rPr lang="de-DE" dirty="0" err="1" smtClean="0"/>
-              <a:t>readern</a:t>
-            </a:r>
+              <a:t>Gmail</a:t>
+            </a:r>
+            <a:r>
+              <a:rPr lang="de-DE" dirty="0" smtClean="0"/>
+              <a:t>)</a:t>
+            </a:r>
+          </a:p>
+          <a:p>
             <a:endParaRPr lang="de-DE" dirty="0" smtClean="0"/>
           </a:p>
           <a:p>
+            <a:r>
+              <a:rPr lang="de-DE" dirty="0" smtClean="0"/>
+              <a:t>Beachtet nur sichtbare Elemente</a:t>
+            </a:r>
+          </a:p>
+          <a:p>
             <a:endParaRPr lang="de-DE" dirty="0" smtClean="0"/>
           </a:p>
           <a:p>
             <a:r>
-              <a:rPr lang="de-DE" dirty="0" smtClean="0"/>
-              <a:t>Sprache umstellen?</a:t>
+              <a:rPr lang="de-DE" dirty="0" err="1" smtClean="0"/>
+              <a:t>Akkustischer</a:t>
+            </a:r>
+            <a:r>
+              <a:rPr lang="de-DE" dirty="0" smtClean="0"/>
+              <a:t> Hinweis auf anklickbare Elemente</a:t>
             </a:r>
           </a:p>
           <a:p>
             <a:endParaRPr lang="de-DE" dirty="0" smtClean="0"/>
-          </a:p>
-          <a:p>
-            <a:r>
-              <a:rPr lang="de-DE" dirty="0" smtClean="0"/>
-              <a:t>Mitunter schwer verständlich</a:t>
-            </a:r>
-            <a:endParaRPr lang="de-DE" dirty="0"/>
           </a:p>
         </p:txBody>
       </p:sp>
@@ -3823,7 +3880,7 @@
           <a:blip r:embed="rId2">
             <a:extLst>
               <a:ext uri="{28A0092B-C50C-407E-A947-70E740481C1C}">
-                <a14:useLocalDpi xmlns:a14="http://schemas.microsoft.com/office/drawing/2010/main" xmlns="" val="0"/>
+                <a14:useLocalDpi xmlns:a14="http://schemas.microsoft.com/office/drawing/2010/main" val="0"/>
               </a:ext>
             </a:extLst>
           </a:blip>
@@ -3843,7 +3900,7 @@
           <a:noFill/>
           <a:extLst>
             <a:ext uri="{909E8E84-426E-40DD-AFC4-6F175D3DCCD1}">
-              <a14:hiddenFill xmlns:a14="http://schemas.microsoft.com/office/drawing/2010/main" xmlns="">
+              <a14:hiddenFill xmlns:a14="http://schemas.microsoft.com/office/drawing/2010/main">
                 <a:solidFill>
                   <a:srgbClr val="FFFFFF"/>
                 </a:solidFill>
@@ -3902,7 +3959,15 @@
             <a:pPr algn="l"/>
             <a:r>
               <a:rPr lang="de-DE" dirty="0" smtClean="0"/>
-              <a:t>Selbstversuch</a:t>
+              <a:t>	 </a:t>
+            </a:r>
+            <a:r>
+              <a:rPr lang="de-DE" dirty="0" err="1" smtClean="0"/>
+              <a:t>ChromeVox</a:t>
+            </a:r>
+            <a:r>
+              <a:rPr lang="de-DE" dirty="0" smtClean="0"/>
+              <a:t>: Cons</a:t>
             </a:r>
             <a:endParaRPr lang="de-DE" dirty="0"/>
           </a:p>
@@ -3923,44 +3988,79 @@
           <a:bodyPr/>
           <a:lstStyle/>
           <a:p>
-            <a:pPr marL="0" indent="0">
-              <a:buNone/>
-            </a:pPr>
-            <a:r>
-              <a:rPr lang="de-DE" sz="6000" dirty="0" smtClean="0"/>
-              <a:t>Augen zu!</a:t>
-            </a:r>
-          </a:p>
-          <a:p>
-            <a:endParaRPr lang="de-DE" sz="2400" dirty="0" smtClean="0"/>
-          </a:p>
-          <a:p>
-            <a:r>
-              <a:rPr lang="de-DE" dirty="0" smtClean="0"/>
-              <a:t>Textdokument erstellen</a:t>
-            </a:r>
-          </a:p>
-          <a:p>
-            <a:r>
-              <a:rPr lang="de-DE" dirty="0" smtClean="0"/>
-              <a:t>Text schreiben</a:t>
-            </a:r>
-          </a:p>
-          <a:p>
-            <a:r>
-              <a:rPr lang="de-DE" dirty="0" smtClean="0"/>
-              <a:t>Abspeichern auf Desktop</a:t>
+            <a:r>
+              <a:rPr lang="de-DE" dirty="0" smtClean="0"/>
+              <a:t>Nicht kompatibel mit Desktop Screen </a:t>
+            </a:r>
+            <a:r>
+              <a:rPr lang="de-DE" dirty="0" err="1" smtClean="0"/>
+              <a:t>readern</a:t>
+            </a:r>
+            <a:endParaRPr lang="de-DE" dirty="0" smtClean="0"/>
+          </a:p>
+          <a:p>
+            <a:endParaRPr lang="de-DE" dirty="0" smtClean="0"/>
+          </a:p>
+          <a:p>
+            <a:r>
+              <a:rPr lang="de-DE" dirty="0" smtClean="0"/>
+              <a:t>Sprache umstellen?</a:t>
+            </a:r>
+          </a:p>
+          <a:p>
+            <a:endParaRPr lang="de-DE" dirty="0" smtClean="0"/>
+          </a:p>
+          <a:p>
+            <a:r>
+              <a:rPr lang="de-DE" dirty="0" smtClean="0"/>
+              <a:t>Mitunter schwer verständlich</a:t>
             </a:r>
             <a:endParaRPr lang="de-DE" dirty="0"/>
           </a:p>
         </p:txBody>
       </p:sp>
+      <p:pic>
+        <p:nvPicPr>
+          <p:cNvPr id="4" name="Picture 2" descr="E:\Dokumente\BHT\Master\hci\img\chromelogo.png"/>
+          <p:cNvPicPr>
+            <a:picLocks noChangeAspect="1" noChangeArrowheads="1"/>
+          </p:cNvPicPr>
+          <p:nvPr/>
+        </p:nvPicPr>
+        <p:blipFill>
+          <a:blip r:embed="rId2">
+            <a:extLst>
+              <a:ext uri="{28A0092B-C50C-407E-A947-70E740481C1C}">
+                <a14:useLocalDpi xmlns:a14="http://schemas.microsoft.com/office/drawing/2010/main" val="0"/>
+              </a:ext>
+            </a:extLst>
+          </a:blip>
+          <a:srcRect/>
+          <a:stretch>
+            <a:fillRect/>
+          </a:stretch>
+        </p:blipFill>
+        <p:spPr bwMode="auto">
+          <a:xfrm>
+            <a:off x="539552" y="332656"/>
+            <a:ext cx="1000124" cy="976312"/>
+          </a:xfrm>
+          <a:prstGeom prst="rect">
+            <a:avLst/>
+          </a:prstGeom>
+          <a:noFill/>
+          <a:extLst>
+            <a:ext uri="{909E8E84-426E-40DD-AFC4-6F175D3DCCD1}">
+              <a14:hiddenFill xmlns:a14="http://schemas.microsoft.com/office/drawing/2010/main">
+                <a:solidFill>
+                  <a:srgbClr val="FFFFFF"/>
+                </a:solidFill>
+              </a14:hiddenFill>
+            </a:ext>
+          </a:extLst>
+        </p:spPr>
+      </p:pic>
     </p:spTree>
-    <p:extLst>
-      <p:ext uri="{BB962C8B-B14F-4D97-AF65-F5344CB8AC3E}">
-        <p14:creationId xmlns:p14="http://schemas.microsoft.com/office/powerpoint/2010/main" xmlns="" val="188996646"/>
-      </p:ext>
-    </p:extLst>
   </p:cSld>
   <p:clrMapOvr>
     <a:masterClrMapping/>
@@ -4009,16 +4109,8 @@
           <a:p>
             <a:pPr algn="l"/>
             <a:r>
-              <a:rPr lang="de-DE" dirty="0" err="1" smtClean="0"/>
-              <a:t>Lessons</a:t>
-            </a:r>
-            <a:r>
-              <a:rPr lang="de-DE" dirty="0" smtClean="0"/>
-              <a:t> </a:t>
-            </a:r>
-            <a:r>
-              <a:rPr lang="de-DE" dirty="0" err="1" smtClean="0"/>
-              <a:t>Learned</a:t>
+              <a:rPr lang="de-DE" dirty="0" smtClean="0"/>
+              <a:t>Selbstversuch</a:t>
             </a:r>
             <a:endParaRPr lang="de-DE" dirty="0"/>
           </a:p>
@@ -4039,38 +4131,34 @@
           <a:bodyPr/>
           <a:lstStyle/>
           <a:p>
-            <a:r>
-              <a:rPr lang="de-DE" dirty="0" smtClean="0"/>
-              <a:t>Barriere sehr hoch: Arbeit mit </a:t>
-            </a:r>
-            <a:r>
-              <a:rPr lang="de-DE" dirty="0" err="1" smtClean="0"/>
-              <a:t>Sreen</a:t>
-            </a:r>
-            <a:r>
-              <a:rPr lang="de-DE" dirty="0" smtClean="0"/>
-              <a:t> Reader muss gelernt werden</a:t>
-            </a:r>
-          </a:p>
-          <a:p>
-            <a:endParaRPr lang="de-DE" dirty="0" smtClean="0"/>
-          </a:p>
-          <a:p>
-            <a:r>
-              <a:rPr lang="de-DE" dirty="0" smtClean="0"/>
-              <a:t>Mit guten Alt-Tags kann man das Verstehen der Seite für Blinde sehr erleichtern</a:t>
-            </a:r>
-          </a:p>
-          <a:p>
-            <a:endParaRPr lang="de-DE" dirty="0" smtClean="0"/>
-          </a:p>
-          <a:p>
-            <a:r>
-              <a:rPr lang="de-DE" dirty="0" smtClean="0"/>
-              <a:t>Nur Text um Inhalte zu beschreiben: gut formulieren</a:t>
-            </a:r>
-          </a:p>
-          <a:p>
+            <a:pPr marL="0" indent="0">
+              <a:buNone/>
+            </a:pPr>
+            <a:r>
+              <a:rPr lang="de-DE" sz="6000" dirty="0" smtClean="0"/>
+              <a:t>Augen zu!</a:t>
+            </a:r>
+          </a:p>
+          <a:p>
+            <a:endParaRPr lang="de-DE" sz="2400" dirty="0" smtClean="0"/>
+          </a:p>
+          <a:p>
+            <a:r>
+              <a:rPr lang="de-DE" dirty="0" smtClean="0"/>
+              <a:t>Textdokument erstellen</a:t>
+            </a:r>
+          </a:p>
+          <a:p>
+            <a:r>
+              <a:rPr lang="de-DE" dirty="0" smtClean="0"/>
+              <a:t>Text schreiben</a:t>
+            </a:r>
+          </a:p>
+          <a:p>
+            <a:r>
+              <a:rPr lang="de-DE" dirty="0" smtClean="0"/>
+              <a:t>Abspeichern auf Desktop</a:t>
+            </a:r>
             <a:endParaRPr lang="de-DE" dirty="0"/>
           </a:p>
         </p:txBody>
@@ -4078,7 +4166,7 @@
     </p:spTree>
     <p:extLst>
       <p:ext uri="{BB962C8B-B14F-4D97-AF65-F5344CB8AC3E}">
-        <p14:creationId xmlns:p14="http://schemas.microsoft.com/office/powerpoint/2010/main" xmlns="" val="3234783068"/>
+        <p14:creationId xmlns:p14="http://schemas.microsoft.com/office/powerpoint/2010/main" val="188996646"/>
       </p:ext>
     </p:extLst>
   </p:cSld>
@@ -4129,15 +4217,15 @@
           <a:p>
             <a:pPr algn="l"/>
             <a:r>
-              <a:rPr lang="de-DE" dirty="0" err="1"/>
+              <a:rPr lang="de-DE" dirty="0" err="1" smtClean="0"/>
               <a:t>Lessons</a:t>
             </a:r>
             <a:r>
-              <a:rPr lang="de-DE" dirty="0"/>
+              <a:rPr lang="de-DE" dirty="0" smtClean="0"/>
               <a:t> </a:t>
             </a:r>
             <a:r>
-              <a:rPr lang="de-DE" dirty="0" err="1"/>
+              <a:rPr lang="de-DE" dirty="0" err="1" smtClean="0"/>
               <a:t>Learned</a:t>
             </a:r>
             <a:endParaRPr lang="de-DE" dirty="0"/>
@@ -4156,14 +4244,20 @@
         </p:nvSpPr>
         <p:spPr/>
         <p:txBody>
-          <a:bodyPr>
-            <a:normAutofit fontScale="92500" lnSpcReduction="20000"/>
-          </a:bodyPr>
-          <a:lstStyle/>
-          <a:p>
-            <a:r>
-              <a:rPr lang="de-DE" dirty="0"/>
-              <a:t>Struktur ist auch wichtig: Reihenfolge der Elemente sinnvoll wählen</a:t>
+          <a:bodyPr/>
+          <a:lstStyle/>
+          <a:p>
+            <a:r>
+              <a:rPr lang="de-DE" dirty="0" smtClean="0"/>
+              <a:t>Barriere sehr hoch: Arbeit mit </a:t>
+            </a:r>
+            <a:r>
+              <a:rPr lang="de-DE" dirty="0" err="1" smtClean="0"/>
+              <a:t>Sreen</a:t>
+            </a:r>
+            <a:r>
+              <a:rPr lang="de-DE" dirty="0" smtClean="0"/>
+              <a:t> Reader muss gelernt werden</a:t>
             </a:r>
           </a:p>
           <a:p>
@@ -4172,69 +4266,27 @@
           <a:p>
             <a:r>
               <a:rPr lang="de-DE" dirty="0" smtClean="0"/>
-              <a:t>Elemente vom Screen Reader ausschließen: </a:t>
-            </a:r>
-          </a:p>
-          <a:p>
-            <a:pPr lvl="1"/>
-            <a:r>
-              <a:rPr lang="de-DE" dirty="0" err="1" smtClean="0">
-                <a:latin typeface="Courier New" pitchFamily="49" charset="0"/>
-                <a:cs typeface="Courier New" pitchFamily="49" charset="0"/>
-              </a:rPr>
-              <a:t>tabstop</a:t>
-            </a:r>
-            <a:r>
-              <a:rPr lang="de-DE" dirty="0" smtClean="0">
-                <a:latin typeface="Courier New" pitchFamily="49" charset="0"/>
-                <a:cs typeface="Courier New" pitchFamily="49" charset="0"/>
-              </a:rPr>
-              <a:t>=„-1“</a:t>
-            </a:r>
-          </a:p>
-          <a:p>
-            <a:pPr lvl="1"/>
-            <a:r>
-              <a:rPr lang="de-DE" dirty="0" smtClean="0">
-                <a:latin typeface="Courier New" pitchFamily="49" charset="0"/>
-                <a:cs typeface="Courier New" pitchFamily="49" charset="0"/>
-              </a:rPr>
-              <a:t>alt=„“</a:t>
-            </a:r>
-          </a:p>
-          <a:p>
-            <a:pPr lvl="1"/>
-            <a:endParaRPr lang="de-DE" dirty="0">
-              <a:latin typeface="Courier New" pitchFamily="49" charset="0"/>
-              <a:cs typeface="Courier New" pitchFamily="49" charset="0"/>
-            </a:endParaRPr>
-          </a:p>
-          <a:p>
-            <a:r>
-              <a:rPr lang="de-DE" dirty="0" smtClean="0"/>
-              <a:t>Mischen von Sprachen ist problematisch, wenn Sprache nicht erkannt werden kann</a:t>
-            </a:r>
-          </a:p>
-          <a:p>
-            <a:pPr lvl="1"/>
-            <a:r>
-              <a:rPr lang="de-DE" dirty="0" smtClean="0"/>
-              <a:t>Lang Tag benutzen!</a:t>
-            </a:r>
+              <a:t>Mit guten Alt-Tags kann man das Verstehen der Seite für Blinde sehr erleichtern</a:t>
+            </a:r>
+          </a:p>
+          <a:p>
+            <a:endParaRPr lang="de-DE" dirty="0" smtClean="0"/>
+          </a:p>
+          <a:p>
+            <a:r>
+              <a:rPr lang="de-DE" dirty="0" smtClean="0"/>
+              <a:t>Nur Text um Inhalte zu beschreiben: gut formulieren</a:t>
+            </a:r>
+          </a:p>
+          <a:p>
             <a:endParaRPr lang="de-DE" dirty="0"/>
-          </a:p>
-          <a:p>
-            <a:endParaRPr lang="de-DE" dirty="0">
-              <a:latin typeface="Courier New" pitchFamily="49" charset="0"/>
-              <a:cs typeface="Courier New" pitchFamily="49" charset="0"/>
-            </a:endParaRPr>
           </a:p>
         </p:txBody>
       </p:sp>
     </p:spTree>
     <p:extLst>
       <p:ext uri="{BB962C8B-B14F-4D97-AF65-F5344CB8AC3E}">
-        <p14:creationId xmlns:p14="http://schemas.microsoft.com/office/powerpoint/2010/main" xmlns="" val="1380820839"/>
+        <p14:creationId xmlns:p14="http://schemas.microsoft.com/office/powerpoint/2010/main" val="3234783068"/>
       </p:ext>
     </p:extLst>
   </p:cSld>
@@ -4312,12 +4364,14 @@
         </p:nvSpPr>
         <p:spPr/>
         <p:txBody>
-          <a:bodyPr/>
-          <a:lstStyle/>
-          <a:p>
-            <a:r>
-              <a:rPr lang="de-DE" dirty="0" smtClean="0"/>
-              <a:t>Bedienung mit Screen Reader: besser Tastatur</a:t>
+          <a:bodyPr>
+            <a:normAutofit fontScale="92500" lnSpcReduction="20000"/>
+          </a:bodyPr>
+          <a:lstStyle/>
+          <a:p>
+            <a:r>
+              <a:rPr lang="de-DE" dirty="0"/>
+              <a:t>Struktur ist auch wichtig: Reihenfolge der Elemente sinnvoll wählen</a:t>
             </a:r>
           </a:p>
           <a:p>
@@ -4326,31 +4380,82 @@
           <a:p>
             <a:r>
               <a:rPr lang="de-DE" dirty="0" smtClean="0"/>
-              <a:t>Für Konsole nicht so gut geeignet</a:t>
-            </a:r>
-          </a:p>
-          <a:p>
+              <a:t>Elemente vom Screen Reader ausschließen: </a:t>
+            </a:r>
+          </a:p>
+          <a:p>
+            <a:pPr lvl="1"/>
+            <a:r>
+              <a:rPr lang="de-DE" dirty="0" err="1" smtClean="0">
+                <a:latin typeface="Courier New" pitchFamily="49" charset="0"/>
+                <a:cs typeface="Courier New" pitchFamily="49" charset="0"/>
+              </a:rPr>
+              <a:t>tabstop</a:t>
+            </a:r>
+            <a:r>
+              <a:rPr lang="de-DE" dirty="0" smtClean="0">
+                <a:latin typeface="Courier New" pitchFamily="49" charset="0"/>
+                <a:cs typeface="Courier New" pitchFamily="49" charset="0"/>
+              </a:rPr>
+              <a:t>=„-1“</a:t>
+            </a:r>
+          </a:p>
+          <a:p>
+            <a:pPr lvl="1"/>
+            <a:r>
+              <a:rPr lang="de-DE" dirty="0" smtClean="0">
+                <a:latin typeface="Courier New" pitchFamily="49" charset="0"/>
+                <a:cs typeface="Courier New" pitchFamily="49" charset="0"/>
+              </a:rPr>
+              <a:t>alt=„“</a:t>
+            </a:r>
+          </a:p>
+          <a:p>
+            <a:pPr lvl="1"/>
+            <a:endParaRPr lang="de-DE" dirty="0">
+              <a:latin typeface="Courier New" pitchFamily="49" charset="0"/>
+              <a:cs typeface="Courier New" pitchFamily="49" charset="0"/>
+            </a:endParaRPr>
+          </a:p>
+          <a:p>
+            <a:r>
+              <a:rPr lang="de-DE" dirty="0" smtClean="0"/>
+              <a:t>Mischen von Sprachen ist problematisch, wenn Sprache nicht erkannt werden kann</a:t>
+            </a:r>
+          </a:p>
+          <a:p>
+            <a:pPr lvl="1"/>
+            <a:r>
+              <a:rPr lang="de-DE" dirty="0" smtClean="0"/>
+              <a:t>Lang Tag benutzen!</a:t>
+            </a:r>
             <a:endParaRPr lang="de-DE" dirty="0"/>
           </a:p>
           <a:p>
-            <a:r>
-              <a:rPr lang="de-DE" dirty="0" smtClean="0"/>
-              <a:t>Man sollte sich auf die wesentlichen Informationen beschränken</a:t>
-            </a:r>
-            <a:endParaRPr lang="de-DE" dirty="0"/>
+            <a:endParaRPr lang="de-DE" dirty="0">
+              <a:latin typeface="Courier New" pitchFamily="49" charset="0"/>
+              <a:cs typeface="Courier New" pitchFamily="49" charset="0"/>
+            </a:endParaRPr>
           </a:p>
         </p:txBody>
       </p:sp>
     </p:spTree>
     <p:extLst>
       <p:ext uri="{BB962C8B-B14F-4D97-AF65-F5344CB8AC3E}">
-        <p14:creationId xmlns:p14="http://schemas.microsoft.com/office/powerpoint/2010/main" xmlns="" val="802139351"/>
+        <p14:creationId xmlns:p14="http://schemas.microsoft.com/office/powerpoint/2010/main" val="1380820839"/>
       </p:ext>
     </p:extLst>
   </p:cSld>
   <p:clrMapOvr>
     <a:masterClrMapping/>
   </p:clrMapOvr>
+  <p:timing>
+    <p:tnLst>
+      <p:par>
+        <p:cTn id="1" dur="indefinite" restart="never" nodeType="tmRoot"/>
+      </p:par>
+    </p:tnLst>
+  </p:timing>
 </p:sld>
 </file>
 
@@ -4388,8 +4493,16 @@
           <a:p>
             <a:pPr algn="l"/>
             <a:r>
-              <a:rPr lang="de-DE" dirty="0" smtClean="0"/>
-              <a:t>Bootstrap</a:t>
+              <a:rPr lang="de-DE" dirty="0" err="1"/>
+              <a:t>Lessons</a:t>
+            </a:r>
+            <a:r>
+              <a:rPr lang="de-DE" dirty="0"/>
+              <a:t> </a:t>
+            </a:r>
+            <a:r>
+              <a:rPr lang="de-DE" dirty="0" err="1"/>
+              <a:t>Learned</a:t>
             </a:r>
             <a:endParaRPr lang="de-DE" dirty="0"/>
           </a:p>
@@ -4411,64 +4524,48 @@
           <a:lstStyle/>
           <a:p>
             <a:r>
-              <a:rPr lang="de-DE" dirty="0" err="1" smtClean="0"/>
-              <a:t>Twitter</a:t>
-            </a:r>
+              <a:rPr lang="de-DE" dirty="0" smtClean="0"/>
+              <a:t>Bedienung mit Screen Reader: besser Tastatur</a:t>
+            </a:r>
+          </a:p>
+          <a:p>
             <a:endParaRPr lang="de-DE" dirty="0" smtClean="0"/>
           </a:p>
           <a:p>
             <a:r>
               <a:rPr lang="de-DE" dirty="0" smtClean="0"/>
-              <a:t>HTML/CSS/JS Framework</a:t>
-            </a:r>
-          </a:p>
-          <a:p>
-            <a:r>
-              <a:rPr lang="de-DE" dirty="0" smtClean="0"/>
-              <a:t>Easy </a:t>
-            </a:r>
-            <a:r>
-              <a:rPr lang="de-DE" dirty="0" err="1" smtClean="0"/>
-              <a:t>to</a:t>
-            </a:r>
-            <a:r>
-              <a:rPr lang="de-DE" dirty="0" smtClean="0"/>
-              <a:t> </a:t>
-            </a:r>
-            <a:r>
-              <a:rPr lang="de-DE" dirty="0" err="1" smtClean="0"/>
-              <a:t>use</a:t>
-            </a:r>
-            <a:endParaRPr lang="de-DE" dirty="0" smtClean="0"/>
-          </a:p>
-          <a:p>
-            <a:r>
-              <a:rPr lang="de-DE" dirty="0" smtClean="0"/>
-              <a:t>Beginner </a:t>
-            </a:r>
-            <a:r>
-              <a:rPr lang="de-DE" dirty="0" err="1" smtClean="0"/>
-              <a:t>to</a:t>
-            </a:r>
-            <a:r>
-              <a:rPr lang="de-DE" dirty="0" smtClean="0"/>
-              <a:t> Pro</a:t>
-            </a:r>
-          </a:p>
-          <a:p>
-            <a:r>
-              <a:rPr lang="de-DE" dirty="0" smtClean="0"/>
-              <a:t>Open Source</a:t>
-            </a:r>
+              <a:t>Für Konsole nicht so gut geeignet</a:t>
+            </a:r>
+          </a:p>
+          <a:p>
             <a:endParaRPr lang="de-DE" dirty="0"/>
           </a:p>
+          <a:p>
+            <a:r>
+              <a:rPr lang="de-DE" dirty="0" smtClean="0"/>
+              <a:t>Man sollte sich auf die wesentlichen Informationen beschränken</a:t>
+            </a:r>
+            <a:endParaRPr lang="de-DE" dirty="0"/>
+          </a:p>
         </p:txBody>
       </p:sp>
     </p:spTree>
+    <p:extLst>
+      <p:ext uri="{BB962C8B-B14F-4D97-AF65-F5344CB8AC3E}">
+        <p14:creationId xmlns:p14="http://schemas.microsoft.com/office/powerpoint/2010/main" val="802139351"/>
+      </p:ext>
+    </p:extLst>
   </p:cSld>
   <p:clrMapOvr>
     <a:masterClrMapping/>
   </p:clrMapOvr>
+  <p:timing>
+    <p:tnLst>
+      <p:par>
+        <p:cTn id="1" dur="indefinite" restart="never" nodeType="tmRoot"/>
+      </p:par>
+    </p:tnLst>
+  </p:timing>
 </p:sld>
 </file>
 
@@ -4507,11 +4604,7 @@
             <a:pPr algn="l"/>
             <a:r>
               <a:rPr lang="de-DE" dirty="0" smtClean="0"/>
-              <a:t>Bootstrap 4 </a:t>
-            </a:r>
-            <a:r>
-              <a:rPr lang="de-DE" dirty="0" err="1" smtClean="0"/>
-              <a:t>Coder</a:t>
+              <a:t>Fazit</a:t>
             </a:r>
             <a:endParaRPr lang="de-DE" dirty="0"/>
           </a:p>
@@ -4534,60 +4627,36 @@
           <a:p>
             <a:r>
               <a:rPr lang="de-DE" dirty="0" smtClean="0"/>
-              <a:t>Focus on Content</a:t>
-            </a:r>
-          </a:p>
-          <a:p>
-            <a:r>
-              <a:rPr lang="de-DE" dirty="0" err="1" smtClean="0"/>
-              <a:t>Predefined</a:t>
-            </a:r>
-            <a:r>
-              <a:rPr lang="de-DE" dirty="0" smtClean="0"/>
-              <a:t> Components</a:t>
-            </a:r>
-          </a:p>
-          <a:p>
-            <a:r>
-              <a:rPr lang="de-DE" dirty="0" smtClean="0"/>
-              <a:t>Just </a:t>
-            </a:r>
-            <a:r>
-              <a:rPr lang="de-DE" dirty="0" err="1" smtClean="0"/>
-              <a:t>use</a:t>
-            </a:r>
-            <a:r>
-              <a:rPr lang="de-DE" dirty="0" smtClean="0"/>
-              <a:t> </a:t>
-            </a:r>
-            <a:r>
-              <a:rPr lang="de-DE" dirty="0" err="1" smtClean="0"/>
-              <a:t>the</a:t>
-            </a:r>
-            <a:r>
-              <a:rPr lang="de-DE" dirty="0" smtClean="0"/>
-              <a:t> </a:t>
-            </a:r>
-            <a:r>
-              <a:rPr lang="de-DE" dirty="0" err="1" smtClean="0"/>
-              <a:t>given</a:t>
-            </a:r>
-            <a:r>
-              <a:rPr lang="de-DE" dirty="0" smtClean="0"/>
-              <a:t> </a:t>
-            </a:r>
-            <a:r>
-              <a:rPr lang="de-DE" dirty="0" err="1" smtClean="0"/>
-              <a:t>things</a:t>
-            </a:r>
-            <a:r>
-              <a:rPr lang="de-DE" dirty="0" smtClean="0"/>
-              <a:t> </a:t>
-            </a:r>
+              <a:t>Bedienung des Computers mit SR muss mühsam erlernt werden</a:t>
+            </a:r>
+          </a:p>
+          <a:p>
+            <a:r>
+              <a:rPr lang="de-DE" dirty="0" smtClean="0"/>
+              <a:t>Einige Anwendungen sind nicht für SR geeignet → frustrierend für Sehbehinderte</a:t>
+            </a:r>
+          </a:p>
+          <a:p>
+            <a:r>
+              <a:rPr lang="de-DE" dirty="0" smtClean="0"/>
+              <a:t>Wechselnde Sprachen in einer Anwendung inakzeptabel</a:t>
+            </a:r>
+          </a:p>
+          <a:p>
+            <a:r>
+              <a:rPr lang="de-DE" dirty="0" smtClean="0"/>
+              <a:t>Wenn man eine Webseite macht sollte man mal den SR laufen lassen</a:t>
+            </a:r>
+            <a:endParaRPr lang="de-DE" dirty="0"/>
           </a:p>
         </p:txBody>
       </p:sp>
     </p:spTree>
+    <p:extLst>
+      <p:ext uri="{BB962C8B-B14F-4D97-AF65-F5344CB8AC3E}">
+        <p14:creationId xmlns:p14="http://schemas.microsoft.com/office/powerpoint/2010/main" val="3192747207"/>
+      </p:ext>
+    </p:extLst>
   </p:cSld>
   <p:clrMapOvr>
     <a:masterClrMapping/>
@@ -4612,89 +4681,87 @@
           <a:chExt cx="0" cy="0"/>
         </a:xfrm>
       </p:grpSpPr>
-      <p:sp>
-        <p:nvSpPr>
-          <p:cNvPr id="2" name="Titel 1"/>
-          <p:cNvSpPr>
-            <a:spLocks noGrp="1"/>
-          </p:cNvSpPr>
-          <p:nvPr>
-            <p:ph type="title"/>
-          </p:nvPr>
-        </p:nvSpPr>
-        <p:spPr/>
-        <p:txBody>
-          <a:bodyPr/>
-          <a:lstStyle/>
-          <a:p>
-            <a:pPr algn="l"/>
-            <a:r>
-              <a:rPr lang="de-DE" dirty="0" smtClean="0"/>
-              <a:t>Bootstrap 4 Designer</a:t>
-            </a:r>
-            <a:endParaRPr lang="de-DE" dirty="0"/>
-          </a:p>
-        </p:txBody>
-      </p:sp>
-      <p:sp>
-        <p:nvSpPr>
-          <p:cNvPr id="3" name="Inhaltsplatzhalter 2"/>
-          <p:cNvSpPr>
-            <a:spLocks noGrp="1"/>
-          </p:cNvSpPr>
-          <p:nvPr>
-            <p:ph idx="1"/>
-          </p:nvPr>
-        </p:nvSpPr>
-        <p:spPr/>
-        <p:txBody>
-          <a:bodyPr/>
-          <a:lstStyle/>
-          <a:p>
-            <a:r>
-              <a:rPr lang="de-DE" dirty="0" smtClean="0"/>
-              <a:t>Einfach erweiter- /Anpassbar</a:t>
-            </a:r>
-          </a:p>
-          <a:p>
-            <a:pPr lvl="1"/>
-            <a:r>
-              <a:rPr lang="de-DE" dirty="0" smtClean="0"/>
-              <a:t>Farben, Fonts, </a:t>
-            </a:r>
-            <a:r>
-              <a:rPr lang="de-DE" dirty="0" err="1" smtClean="0"/>
-              <a:t>grids</a:t>
-            </a:r>
-            <a:endParaRPr lang="de-DE" dirty="0" smtClean="0"/>
-          </a:p>
-          <a:p>
-            <a:r>
-              <a:rPr lang="de-DE" dirty="0" smtClean="0"/>
-              <a:t>Sauberer Code</a:t>
-            </a:r>
-          </a:p>
-          <a:p>
-            <a:r>
-              <a:rPr lang="de-DE" dirty="0" smtClean="0"/>
-              <a:t>Saubere </a:t>
-            </a:r>
-            <a:r>
-              <a:rPr lang="de-DE" dirty="0" smtClean="0"/>
-              <a:t>D</a:t>
-            </a:r>
-            <a:r>
-              <a:rPr lang="de-DE" dirty="0" smtClean="0"/>
-              <a:t>efault UI</a:t>
-            </a:r>
-          </a:p>
-        </p:txBody>
-      </p:sp>
+      <p:pic>
+        <p:nvPicPr>
+          <p:cNvPr id="1027" name="Picture 3"/>
+          <p:cNvPicPr>
+            <a:picLocks noChangeAspect="1" noChangeArrowheads="1"/>
+          </p:cNvPicPr>
+          <p:nvPr/>
+        </p:nvPicPr>
+        <p:blipFill>
+          <a:blip r:embed="rId2">
+            <a:extLst>
+              <a:ext uri="{28A0092B-C50C-407E-A947-70E740481C1C}">
+                <a14:useLocalDpi xmlns:a14="http://schemas.microsoft.com/office/drawing/2010/main" val="0"/>
+              </a:ext>
+            </a:extLst>
+          </a:blip>
+          <a:srcRect/>
+          <a:stretch>
+            <a:fillRect/>
+          </a:stretch>
+        </p:blipFill>
+        <p:spPr bwMode="auto">
+          <a:xfrm>
+            <a:off x="-396552" y="-27384"/>
+            <a:ext cx="10127737" cy="7029400"/>
+          </a:xfrm>
+          <a:prstGeom prst="rect">
+            <a:avLst/>
+          </a:prstGeom>
+          <a:noFill/>
+          <a:ln>
+            <a:noFill/>
+          </a:ln>
+          <a:effectLst/>
+          <a:extLst>
+            <a:ext uri="{909E8E84-426E-40DD-AFC4-6F175D3DCCD1}">
+              <a14:hiddenFill xmlns:a14="http://schemas.microsoft.com/office/drawing/2010/main">
+                <a:solidFill>
+                  <a:schemeClr val="accent1"/>
+                </a:solidFill>
+              </a14:hiddenFill>
+            </a:ext>
+            <a:ext uri="{91240B29-F687-4F45-9708-019B960494DF}">
+              <a14:hiddenLine xmlns:a14="http://schemas.microsoft.com/office/drawing/2010/main" w="9525">
+                <a:solidFill>
+                  <a:schemeClr val="tx1"/>
+                </a:solidFill>
+                <a:miter lim="800000"/>
+                <a:headEnd/>
+                <a:tailEnd/>
+              </a14:hiddenLine>
+            </a:ext>
+            <a:ext uri="{AF507438-7753-43E0-B8FC-AC1667EBCBE1}">
+              <a14:hiddenEffects xmlns:a14="http://schemas.microsoft.com/office/drawing/2010/main">
+                <a:effectLst>
+                  <a:outerShdw dist="35921" dir="2700000" algn="ctr" rotWithShape="0">
+                    <a:schemeClr val="bg2"/>
+                  </a:outerShdw>
+                </a:effectLst>
+              </a14:hiddenEffects>
+            </a:ext>
+          </a:extLst>
+        </p:spPr>
+      </p:pic>
     </p:spTree>
+    <p:extLst>
+      <p:ext uri="{BB962C8B-B14F-4D97-AF65-F5344CB8AC3E}">
+        <p14:creationId xmlns:p14="http://schemas.microsoft.com/office/powerpoint/2010/main" val="1822277468"/>
+      </p:ext>
+    </p:extLst>
   </p:cSld>
   <p:clrMapOvr>
     <a:masterClrMapping/>
   </p:clrMapOvr>
+  <p:timing>
+    <p:tnLst>
+      <p:par>
+        <p:cTn id="1" dur="indefinite" restart="never" nodeType="tmRoot"/>
+      </p:par>
+    </p:tnLst>
+  </p:timing>
 </p:sld>
 </file>
 
@@ -4733,7 +4800,7 @@
             <a:pPr algn="l"/>
             <a:r>
               <a:rPr lang="de-DE" dirty="0" smtClean="0"/>
-              <a:t>Features</a:t>
+              <a:t>Bootstrap</a:t>
             </a:r>
             <a:endParaRPr lang="de-DE" dirty="0"/>
           </a:p>
@@ -4749,46 +4816,89 @@
             <p:ph idx="1"/>
           </p:nvPr>
         </p:nvSpPr>
-        <p:spPr/>
-        <p:txBody>
-          <a:bodyPr/>
-          <a:lstStyle/>
-          <a:p>
-            <a:r>
-              <a:rPr lang="de-DE" dirty="0" smtClean="0"/>
-              <a:t>(12er) </a:t>
-            </a:r>
+        <p:spPr>
+          <a:xfrm>
+            <a:off x="457200" y="1600200"/>
+            <a:ext cx="8229600" cy="4925144"/>
+          </a:xfrm>
+        </p:spPr>
+        <p:txBody>
+          <a:bodyPr>
+            <a:normAutofit fontScale="92500" lnSpcReduction="10000"/>
+          </a:bodyPr>
+          <a:lstStyle/>
+          <a:p>
             <a:r>
               <a:rPr lang="de-DE" dirty="0" err="1" smtClean="0"/>
-              <a:t>Grid</a:t>
+              <a:t>Twitter</a:t>
             </a:r>
             <a:endParaRPr lang="de-DE" dirty="0" smtClean="0"/>
           </a:p>
           <a:p>
+            <a:endParaRPr lang="de-DE" dirty="0" smtClean="0"/>
+          </a:p>
+          <a:p>
+            <a:r>
+              <a:rPr lang="de-DE" dirty="0" smtClean="0"/>
+              <a:t>HTML/CSS/JS </a:t>
+            </a:r>
+            <a:r>
+              <a:rPr lang="de-DE" dirty="0" smtClean="0"/>
+              <a:t>Framework</a:t>
+            </a:r>
+          </a:p>
+          <a:p>
+            <a:endParaRPr lang="de-DE" dirty="0" smtClean="0"/>
+          </a:p>
+          <a:p>
+            <a:r>
+              <a:rPr lang="de-DE" dirty="0" smtClean="0"/>
+              <a:t>Easy </a:t>
+            </a:r>
             <a:r>
               <a:rPr lang="de-DE" dirty="0" err="1" smtClean="0"/>
-              <a:t>Responsive</a:t>
+              <a:t>to</a:t>
+            </a:r>
+            <a:r>
+              <a:rPr lang="de-DE" dirty="0" smtClean="0"/>
+              <a:t> </a:t>
+            </a:r>
+            <a:r>
+              <a:rPr lang="de-DE" dirty="0" err="1" smtClean="0"/>
+              <a:t>use</a:t>
             </a:r>
             <a:endParaRPr lang="de-DE" dirty="0" smtClean="0"/>
           </a:p>
           <a:p>
-            <a:r>
-              <a:rPr lang="de-DE" dirty="0" smtClean="0"/>
-              <a:t>Cross Browser/Plattform</a:t>
-            </a:r>
-          </a:p>
-          <a:p>
+            <a:endParaRPr lang="de-DE" dirty="0" smtClean="0"/>
+          </a:p>
+          <a:p>
+            <a:r>
+              <a:rPr lang="de-DE" dirty="0" smtClean="0"/>
+              <a:t>Beginner </a:t>
+            </a:r>
             <a:r>
               <a:rPr lang="de-DE" dirty="0" err="1" smtClean="0"/>
-              <a:t>Less</a:t>
-            </a:r>
+              <a:t>to</a:t>
+            </a:r>
+            <a:r>
+              <a:rPr lang="de-DE" dirty="0" smtClean="0"/>
+              <a:t> </a:t>
+            </a:r>
+            <a:r>
+              <a:rPr lang="de-DE" dirty="0" smtClean="0"/>
+              <a:t>Pro</a:t>
+            </a:r>
+          </a:p>
+          <a:p>
             <a:endParaRPr lang="de-DE" dirty="0" smtClean="0"/>
           </a:p>
           <a:p>
             <a:r>
               <a:rPr lang="de-DE" dirty="0" smtClean="0"/>
-              <a:t>Leicht erweiterbar</a:t>
-            </a:r>
+              <a:t>Open Source</a:t>
+            </a:r>
+            <a:endParaRPr lang="de-DE" dirty="0"/>
           </a:p>
         </p:txBody>
       </p:sp>
@@ -4797,6 +4907,13 @@
   <p:clrMapOvr>
     <a:masterClrMapping/>
   </p:clrMapOvr>
+  <p:timing>
+    <p:tnLst>
+      <p:par>
+        <p:cTn id="1" dur="indefinite" restart="never" nodeType="tmRoot"/>
+      </p:par>
+    </p:tnLst>
+  </p:timing>
 </p:sld>
 </file>
 
@@ -4834,130 +4951,73 @@
           <a:p>
             <a:pPr algn="l"/>
             <a:r>
+              <a:rPr lang="de-DE" dirty="0" smtClean="0"/>
+              <a:t>Bootstrap 4 </a:t>
+            </a:r>
+            <a:r>
               <a:rPr lang="de-DE" dirty="0" err="1" smtClean="0"/>
-              <a:t>Why</a:t>
+              <a:t>Coder</a:t>
+            </a:r>
+            <a:endParaRPr lang="de-DE" dirty="0"/>
+          </a:p>
+        </p:txBody>
+      </p:sp>
+      <p:sp>
+        <p:nvSpPr>
+          <p:cNvPr id="3" name="Inhaltsplatzhalter 2"/>
+          <p:cNvSpPr>
+            <a:spLocks noGrp="1"/>
+          </p:cNvSpPr>
+          <p:nvPr>
+            <p:ph idx="1"/>
+          </p:nvPr>
+        </p:nvSpPr>
+        <p:spPr/>
+        <p:txBody>
+          <a:bodyPr/>
+          <a:lstStyle/>
+          <a:p>
+            <a:r>
+              <a:rPr lang="de-DE" dirty="0" smtClean="0"/>
+              <a:t>Focus on </a:t>
+            </a:r>
+            <a:r>
+              <a:rPr lang="de-DE" dirty="0" smtClean="0"/>
+              <a:t>Content</a:t>
+            </a:r>
+          </a:p>
+          <a:p>
+            <a:endParaRPr lang="de-DE" dirty="0" smtClean="0"/>
+          </a:p>
+          <a:p>
+            <a:r>
+              <a:rPr lang="de-DE" dirty="0" err="1" smtClean="0"/>
+              <a:t>Predefined</a:t>
             </a:r>
             <a:r>
               <a:rPr lang="de-DE" dirty="0" smtClean="0"/>
               <a:t> </a:t>
             </a:r>
             <a:r>
+              <a:rPr lang="de-DE" dirty="0" smtClean="0"/>
+              <a:t>Components</a:t>
+            </a:r>
+          </a:p>
+          <a:p>
+            <a:endParaRPr lang="de-DE" dirty="0" smtClean="0"/>
+          </a:p>
+          <a:p>
+            <a:r>
+              <a:rPr lang="de-DE" dirty="0" smtClean="0"/>
+              <a:t>Just </a:t>
+            </a:r>
+            <a:r>
               <a:rPr lang="de-DE" dirty="0" err="1" smtClean="0"/>
-              <a:t>Less</a:t>
-            </a:r>
-            <a:r>
-              <a:rPr lang="de-DE" dirty="0" smtClean="0"/>
-              <a:t>?</a:t>
-            </a:r>
-            <a:endParaRPr lang="de-DE" dirty="0"/>
-          </a:p>
-        </p:txBody>
-      </p:sp>
-      <p:sp>
-        <p:nvSpPr>
-          <p:cNvPr id="3" name="Inhaltsplatzhalter 2"/>
-          <p:cNvSpPr>
-            <a:spLocks noGrp="1"/>
-          </p:cNvSpPr>
-          <p:nvPr>
-            <p:ph idx="1"/>
-          </p:nvPr>
-        </p:nvSpPr>
-        <p:spPr>
-          <a:xfrm>
-            <a:off x="457200" y="1600200"/>
-            <a:ext cx="4114800" cy="4525963"/>
-          </a:xfrm>
-        </p:spPr>
-        <p:txBody>
-          <a:bodyPr/>
-          <a:lstStyle/>
-          <a:p>
-            <a:r>
-              <a:rPr lang="de-DE" dirty="0" smtClean="0"/>
-              <a:t>CSS </a:t>
-            </a:r>
-            <a:r>
-              <a:rPr lang="de-DE" dirty="0" err="1" smtClean="0"/>
-              <a:t>is</a:t>
-            </a:r>
-            <a:r>
-              <a:rPr lang="de-DE" dirty="0" smtClean="0"/>
-              <a:t> a mess!</a:t>
-            </a:r>
-          </a:p>
-          <a:p>
-            <a:pPr lvl="1"/>
-            <a:r>
-              <a:rPr lang="de-DE" dirty="0" err="1" smtClean="0"/>
-              <a:t>Hard</a:t>
+              <a:t>use</a:t>
             </a:r>
             <a:r>
               <a:rPr lang="de-DE" dirty="0" smtClean="0"/>
               <a:t> </a:t>
-            </a:r>
-            <a:r>
-              <a:rPr lang="de-DE" dirty="0" err="1" smtClean="0"/>
-              <a:t>to</a:t>
-            </a:r>
-            <a:r>
-              <a:rPr lang="de-DE" dirty="0" smtClean="0"/>
-              <a:t> </a:t>
-            </a:r>
-            <a:r>
-              <a:rPr lang="de-DE" dirty="0" err="1" smtClean="0"/>
-              <a:t>stay</a:t>
-            </a:r>
-            <a:r>
-              <a:rPr lang="de-DE" dirty="0" smtClean="0"/>
-              <a:t> clean</a:t>
-            </a:r>
-          </a:p>
-          <a:p>
-            <a:r>
-              <a:rPr lang="de-DE" dirty="0" smtClean="0"/>
-              <a:t>Syntax </a:t>
-            </a:r>
-            <a:r>
-              <a:rPr lang="de-DE" dirty="0" err="1" smtClean="0"/>
-              <a:t>is</a:t>
-            </a:r>
-            <a:r>
-              <a:rPr lang="de-DE" dirty="0" smtClean="0"/>
-              <a:t> CSS </a:t>
-            </a:r>
-            <a:r>
-              <a:rPr lang="de-DE" dirty="0" err="1" smtClean="0"/>
-              <a:t>like</a:t>
-            </a:r>
-            <a:r>
-              <a:rPr lang="de-DE" dirty="0" smtClean="0"/>
-              <a:t> </a:t>
-            </a:r>
-          </a:p>
-          <a:p>
-            <a:r>
-              <a:rPr lang="de-DE" dirty="0" err="1" smtClean="0"/>
-              <a:t>Compiles</a:t>
-            </a:r>
-            <a:r>
-              <a:rPr lang="de-DE" dirty="0" smtClean="0"/>
-              <a:t> </a:t>
-            </a:r>
-            <a:r>
-              <a:rPr lang="de-DE" dirty="0" err="1" smtClean="0"/>
-              <a:t>to</a:t>
-            </a:r>
-            <a:r>
-              <a:rPr lang="de-DE" dirty="0" smtClean="0"/>
-              <a:t> CSS</a:t>
-            </a:r>
-          </a:p>
-          <a:p>
-            <a:pPr lvl="1"/>
-            <a:r>
-              <a:rPr lang="de-DE" dirty="0" smtClean="0"/>
-              <a:t>JS on </a:t>
             </a:r>
             <a:r>
               <a:rPr lang="de-DE" dirty="0" err="1" smtClean="0"/>
@@ -4969,7 +5029,7 @@
             </a:r>
             <a:r>
               <a:rPr lang="de-DE" dirty="0" err="1" smtClean="0"/>
-              <a:t>fly</a:t>
+              <a:t>given</a:t>
             </a:r>
             <a:r>
               <a:rPr lang="de-DE" dirty="0" smtClean="0"/>
@@ -4977,69 +5037,27 @@
             </a:r>
             <a:r>
               <a:rPr lang="de-DE" dirty="0" err="1" smtClean="0"/>
-              <a:t>compiler</a:t>
+              <a:t>things</a:t>
             </a:r>
             <a:r>
               <a:rPr lang="de-DE" dirty="0" smtClean="0"/>
               <a:t> </a:t>
             </a:r>
-            <a:r>
-              <a:rPr lang="de-DE" dirty="0" err="1" smtClean="0"/>
-              <a:t>for</a:t>
-            </a:r>
-            <a:r>
-              <a:rPr lang="de-DE" dirty="0" smtClean="0"/>
-              <a:t> </a:t>
-            </a:r>
-            <a:r>
-              <a:rPr lang="de-DE" dirty="0" err="1" smtClean="0"/>
-              <a:t>development</a:t>
-            </a:r>
-            <a:endParaRPr lang="de-DE" dirty="0" smtClean="0"/>
-          </a:p>
-          <a:p>
-            <a:endParaRPr lang="de-DE" dirty="0" smtClean="0"/>
-          </a:p>
-        </p:txBody>
-      </p:sp>
-      <p:pic>
-        <p:nvPicPr>
-          <p:cNvPr id="1028" name="Picture 4"/>
-          <p:cNvPicPr>
-            <a:picLocks noChangeAspect="1" noChangeArrowheads="1"/>
-          </p:cNvPicPr>
-          <p:nvPr/>
-        </p:nvPicPr>
-        <p:blipFill>
-          <a:blip r:embed="rId2"/>
-          <a:srcRect/>
-          <a:stretch>
-            <a:fillRect/>
-          </a:stretch>
-        </p:blipFill>
-        <p:spPr bwMode="auto">
-          <a:xfrm>
-            <a:off x="4857752" y="1643050"/>
-            <a:ext cx="4029075" cy="2305050"/>
-          </a:xfrm>
-          <a:prstGeom prst="rect">
-            <a:avLst/>
-          </a:prstGeom>
-          <a:noFill/>
-          <a:ln w="9525">
-            <a:noFill/>
-            <a:miter lim="800000"/>
-            <a:headEnd/>
-            <a:tailEnd/>
-          </a:ln>
-          <a:effectLst/>
-        </p:spPr>
-      </p:pic>
+          </a:p>
+        </p:txBody>
+      </p:sp>
     </p:spTree>
   </p:cSld>
   <p:clrMapOvr>
     <a:masterClrMapping/>
   </p:clrMapOvr>
+  <p:timing>
+    <p:tnLst>
+      <p:par>
+        <p:cTn id="1" dur="indefinite" restart="never" nodeType="tmRoot"/>
+      </p:par>
+    </p:tnLst>
+  </p:timing>
 </p:sld>
 </file>
 
@@ -5096,9 +5114,88 @@
         </p:nvSpPr>
         <p:spPr/>
         <p:txBody>
-          <a:bodyPr/>
-          <a:lstStyle/>
-          <a:p>
+          <a:bodyPr>
+            <a:normAutofit fontScale="92500" lnSpcReduction="10000"/>
+          </a:bodyPr>
+          <a:lstStyle/>
+          <a:p>
+            <a:r>
+              <a:rPr lang="de-DE" dirty="0" smtClean="0"/>
+              <a:t>Screen Reader</a:t>
+            </a:r>
+          </a:p>
+          <a:p>
+            <a:pPr lvl="1"/>
+            <a:r>
+              <a:rPr lang="de-DE" dirty="0" smtClean="0"/>
+              <a:t>Übersicht: freie Screen Reader</a:t>
+            </a:r>
+          </a:p>
+          <a:p>
+            <a:pPr lvl="1"/>
+            <a:r>
+              <a:rPr lang="de-DE" dirty="0" smtClean="0"/>
+              <a:t>NVDA</a:t>
+            </a:r>
+          </a:p>
+          <a:p>
+            <a:pPr lvl="1"/>
+            <a:r>
+              <a:rPr lang="de-DE" dirty="0" err="1" smtClean="0"/>
+              <a:t>ChromeVox</a:t>
+            </a:r>
+            <a:endParaRPr lang="de-DE" dirty="0" smtClean="0"/>
+          </a:p>
+          <a:p>
+            <a:pPr lvl="1"/>
+            <a:r>
+              <a:rPr lang="de-DE" dirty="0" err="1" smtClean="0"/>
+              <a:t>Lessons</a:t>
+            </a:r>
+            <a:r>
+              <a:rPr lang="de-DE" dirty="0" smtClean="0"/>
+              <a:t> </a:t>
+            </a:r>
+            <a:r>
+              <a:rPr lang="de-DE" dirty="0" err="1" smtClean="0"/>
+              <a:t>Learned</a:t>
+            </a:r>
+            <a:endParaRPr lang="de-DE" dirty="0" smtClean="0"/>
+          </a:p>
+          <a:p>
+            <a:r>
+              <a:rPr lang="de-DE" dirty="0" smtClean="0"/>
+              <a:t>Bootstrap</a:t>
+            </a:r>
+          </a:p>
+          <a:p>
+            <a:pPr lvl="1"/>
+            <a:r>
+              <a:rPr lang="de-DE" dirty="0" smtClean="0"/>
+              <a:t>Überblick</a:t>
+            </a:r>
+          </a:p>
+          <a:p>
+            <a:pPr lvl="1"/>
+            <a:r>
+              <a:rPr lang="de-DE" dirty="0" err="1" smtClean="0"/>
+              <a:t>Less</a:t>
+            </a:r>
+            <a:endParaRPr lang="de-DE" dirty="0" smtClean="0"/>
+          </a:p>
+          <a:p>
+            <a:pPr lvl="1"/>
+            <a:r>
+              <a:rPr lang="de-DE" dirty="0" smtClean="0"/>
+              <a:t>HCI</a:t>
+            </a:r>
+          </a:p>
+          <a:p>
+            <a:pPr lvl="1"/>
+            <a:r>
+              <a:rPr lang="de-DE" dirty="0" smtClean="0"/>
+              <a:t>Screen Reader</a:t>
+            </a:r>
             <a:endParaRPr lang="de-DE" dirty="0"/>
           </a:p>
         </p:txBody>
@@ -5106,7 +5203,7 @@
     </p:spTree>
     <p:extLst>
       <p:ext uri="{BB962C8B-B14F-4D97-AF65-F5344CB8AC3E}">
-        <p14:creationId xmlns:p14="http://schemas.microsoft.com/office/powerpoint/2010/main" xmlns="" val="2442890494"/>
+        <p14:creationId xmlns:p14="http://schemas.microsoft.com/office/powerpoint/2010/main" val="2442890494"/>
       </p:ext>
     </p:extLst>
   </p:cSld>
@@ -5158,122 +5255,69 @@
             <a:pPr algn="l"/>
             <a:r>
               <a:rPr lang="de-DE" dirty="0" smtClean="0"/>
-              <a:t>More </a:t>
+              <a:t>Bootstrap 4 Designer</a:t>
+            </a:r>
+            <a:endParaRPr lang="de-DE" dirty="0"/>
+          </a:p>
+        </p:txBody>
+      </p:sp>
+      <p:sp>
+        <p:nvSpPr>
+          <p:cNvPr id="3" name="Inhaltsplatzhalter 2"/>
+          <p:cNvSpPr>
+            <a:spLocks noGrp="1"/>
+          </p:cNvSpPr>
+          <p:nvPr>
+            <p:ph idx="1"/>
+          </p:nvPr>
+        </p:nvSpPr>
+        <p:spPr/>
+        <p:txBody>
+          <a:bodyPr/>
+          <a:lstStyle/>
+          <a:p>
+            <a:r>
+              <a:rPr lang="de-DE" dirty="0" smtClean="0"/>
+              <a:t>Einfach erweiter- /Anpassbar</a:t>
+            </a:r>
+          </a:p>
+          <a:p>
+            <a:pPr lvl="1"/>
+            <a:r>
+              <a:rPr lang="de-DE" dirty="0" smtClean="0"/>
+              <a:t>Farben, Fonts, </a:t>
             </a:r>
             <a:r>
               <a:rPr lang="de-DE" dirty="0" err="1" smtClean="0"/>
-              <a:t>Less</a:t>
-            </a:r>
-            <a:r>
-              <a:rPr lang="de-DE" dirty="0" smtClean="0"/>
-              <a:t>?</a:t>
-            </a:r>
-            <a:endParaRPr lang="de-DE" dirty="0"/>
-          </a:p>
-        </p:txBody>
-      </p:sp>
-      <p:sp>
-        <p:nvSpPr>
-          <p:cNvPr id="3" name="Inhaltsplatzhalter 2"/>
-          <p:cNvSpPr>
-            <a:spLocks noGrp="1"/>
-          </p:cNvSpPr>
-          <p:nvPr>
-            <p:ph idx="1"/>
-          </p:nvPr>
-        </p:nvSpPr>
-        <p:spPr/>
-        <p:txBody>
-          <a:bodyPr/>
-          <a:lstStyle/>
-          <a:p>
-            <a:r>
-              <a:rPr lang="de-DE" dirty="0" smtClean="0"/>
-              <a:t>Variables, </a:t>
-            </a:r>
-            <a:r>
-              <a:rPr lang="de-DE" dirty="0" err="1" smtClean="0"/>
-              <a:t>Nesting</a:t>
-            </a:r>
-            <a:r>
-              <a:rPr lang="de-DE" dirty="0" smtClean="0"/>
-              <a:t>, </a:t>
-            </a:r>
-            <a:r>
-              <a:rPr lang="de-DE" dirty="0" err="1" smtClean="0"/>
-              <a:t>Mixins</a:t>
-            </a:r>
-            <a:r>
-              <a:rPr lang="de-DE" dirty="0" smtClean="0"/>
-              <a:t>, </a:t>
-            </a:r>
-            <a:r>
-              <a:rPr lang="de-DE" dirty="0" err="1" smtClean="0"/>
-              <a:t>Operations</a:t>
+              <a:t>grids</a:t>
             </a:r>
             <a:endParaRPr lang="de-DE" dirty="0" smtClean="0"/>
-          </a:p>
-          <a:p>
-            <a:r>
-              <a:rPr lang="de-DE" dirty="0" smtClean="0"/>
-              <a:t>Bootstrap </a:t>
-            </a:r>
-            <a:r>
-              <a:rPr lang="de-DE" dirty="0" err="1" smtClean="0"/>
-              <a:t>example</a:t>
-            </a:r>
-            <a:endParaRPr lang="de-DE" dirty="0" smtClean="0"/>
-          </a:p>
-          <a:p>
-            <a:pPr lvl="1"/>
-            <a:r>
-              <a:rPr lang="de-DE" dirty="0" smtClean="0"/>
-              <a:t>Screen Sizes</a:t>
-            </a:r>
           </a:p>
           <a:p>
             <a:pPr lvl="1"/>
             <a:endParaRPr lang="de-DE" dirty="0" smtClean="0"/>
           </a:p>
           <a:p>
-            <a:pPr lvl="1"/>
+            <a:r>
+              <a:rPr lang="de-DE" dirty="0" smtClean="0"/>
+              <a:t>Sauberer </a:t>
+            </a:r>
+            <a:r>
+              <a:rPr lang="de-DE" dirty="0" smtClean="0"/>
+              <a:t>Code</a:t>
+            </a:r>
+          </a:p>
+          <a:p>
             <a:endParaRPr lang="de-DE" dirty="0" smtClean="0"/>
           </a:p>
-        </p:txBody>
-      </p:sp>
-      <p:pic>
-        <p:nvPicPr>
-          <p:cNvPr id="2050" name="Picture 2"/>
-          <p:cNvPicPr>
-            <a:picLocks noChangeAspect="1" noChangeArrowheads="1"/>
-          </p:cNvPicPr>
-          <p:nvPr/>
-        </p:nvPicPr>
-        <p:blipFill>
-          <a:blip r:embed="rId2"/>
-          <a:srcRect/>
-          <a:stretch>
-            <a:fillRect/>
-          </a:stretch>
-        </p:blipFill>
-        <p:spPr bwMode="auto">
-          <a:xfrm>
-            <a:off x="2428860" y="3571876"/>
-            <a:ext cx="3914775" cy="1952625"/>
-          </a:xfrm>
-          <a:prstGeom prst="rect">
-            <a:avLst/>
-          </a:prstGeom>
-          <a:noFill/>
-          <a:ln w="9525">
-            <a:noFill/>
-            <a:miter lim="800000"/>
-            <a:headEnd/>
-            <a:tailEnd/>
-          </a:ln>
-          <a:effectLst/>
-        </p:spPr>
-      </p:pic>
+          <a:p>
+            <a:r>
+              <a:rPr lang="de-DE" dirty="0" smtClean="0"/>
+              <a:t>Saubere Default UI</a:t>
+            </a:r>
+          </a:p>
+        </p:txBody>
+      </p:sp>
     </p:spTree>
   </p:cSld>
   <p:clrMapOvr>
@@ -5317,56 +5361,100 @@
             <a:pPr algn="l"/>
             <a:r>
               <a:rPr lang="de-DE" dirty="0" smtClean="0"/>
-              <a:t>Bootstrap </a:t>
+              <a:t>Features</a:t>
+            </a:r>
+            <a:endParaRPr lang="de-DE" dirty="0"/>
+          </a:p>
+        </p:txBody>
+      </p:sp>
+      <p:sp>
+        <p:nvSpPr>
+          <p:cNvPr id="3" name="Inhaltsplatzhalter 2"/>
+          <p:cNvSpPr>
+            <a:spLocks noGrp="1"/>
+          </p:cNvSpPr>
+          <p:nvPr>
+            <p:ph idx="1"/>
+          </p:nvPr>
+        </p:nvSpPr>
+        <p:spPr>
+          <a:xfrm>
+            <a:off x="457200" y="1600200"/>
+            <a:ext cx="8229600" cy="4781128"/>
+          </a:xfrm>
+        </p:spPr>
+        <p:txBody>
+          <a:bodyPr>
+            <a:normAutofit fontScale="92500" lnSpcReduction="10000"/>
+          </a:bodyPr>
+          <a:lstStyle/>
+          <a:p>
+            <a:r>
+              <a:rPr lang="de-DE" dirty="0" smtClean="0"/>
+              <a:t>(12er) </a:t>
             </a:r>
             <a:r>
               <a:rPr lang="de-DE" dirty="0" err="1" smtClean="0"/>
-              <a:t>Examples</a:t>
-            </a:r>
-            <a:endParaRPr lang="de-DE" dirty="0"/>
-          </a:p>
-        </p:txBody>
-      </p:sp>
-      <p:pic>
-        <p:nvPicPr>
-          <p:cNvPr id="3074" name="Picture 2"/>
-          <p:cNvPicPr>
-            <a:picLocks noGrp="1" noChangeAspect="1" noChangeArrowheads="1"/>
-          </p:cNvPicPr>
-          <p:nvPr>
-            <p:ph idx="1"/>
-          </p:nvPr>
-        </p:nvPicPr>
-        <p:blipFill>
-          <a:blip r:embed="rId2"/>
-          <a:srcRect/>
-          <a:stretch>
-            <a:fillRect/>
-          </a:stretch>
-        </p:blipFill>
-        <p:spPr bwMode="auto">
-          <a:xfrm>
-            <a:off x="1990109" y="1600200"/>
-            <a:ext cx="5163782" cy="4525963"/>
-          </a:xfrm>
-          <a:prstGeom prst="rect">
-            <a:avLst/>
-          </a:prstGeom>
-          <a:noFill/>
-          <a:ln w="9525">
-            <a:noFill/>
-            <a:miter lim="800000"/>
-            <a:headEnd/>
-            <a:tailEnd/>
-          </a:ln>
-          <a:effectLst/>
-        </p:spPr>
-      </p:pic>
+              <a:t>Grid</a:t>
+            </a:r>
+            <a:endParaRPr lang="de-DE" dirty="0" smtClean="0"/>
+          </a:p>
+          <a:p>
+            <a:endParaRPr lang="de-DE" dirty="0" smtClean="0"/>
+          </a:p>
+          <a:p>
+            <a:r>
+              <a:rPr lang="de-DE" dirty="0" err="1" smtClean="0"/>
+              <a:t>Responsive</a:t>
+            </a:r>
+            <a:endParaRPr lang="de-DE" dirty="0" smtClean="0"/>
+          </a:p>
+          <a:p>
+            <a:endParaRPr lang="de-DE" dirty="0" smtClean="0"/>
+          </a:p>
+          <a:p>
+            <a:r>
+              <a:rPr lang="de-DE" dirty="0" smtClean="0"/>
+              <a:t>Cross </a:t>
+            </a:r>
+            <a:r>
+              <a:rPr lang="de-DE" dirty="0" smtClean="0"/>
+              <a:t>Browser/Plattform</a:t>
+            </a:r>
+          </a:p>
+          <a:p>
+            <a:endParaRPr lang="de-DE" dirty="0" smtClean="0"/>
+          </a:p>
+          <a:p>
+            <a:r>
+              <a:rPr lang="de-DE" dirty="0" err="1" smtClean="0"/>
+              <a:t>Less</a:t>
+            </a:r>
+            <a:endParaRPr lang="de-DE" dirty="0" smtClean="0"/>
+          </a:p>
+          <a:p>
+            <a:endParaRPr lang="de-DE" dirty="0" smtClean="0"/>
+          </a:p>
+          <a:p>
+            <a:r>
+              <a:rPr lang="de-DE" dirty="0" smtClean="0"/>
+              <a:t>Leicht erweiterbar</a:t>
+            </a:r>
+          </a:p>
+        </p:txBody>
+      </p:sp>
     </p:spTree>
   </p:cSld>
   <p:clrMapOvr>
     <a:masterClrMapping/>
   </p:clrMapOvr>
+  <p:timing>
+    <p:tnLst>
+      <p:par>
+        <p:cTn id="1" dur="indefinite" restart="never" nodeType="tmRoot"/>
+      </p:par>
+    </p:tnLst>
+  </p:timing>
 </p:sld>
 </file>
 
@@ -5404,26 +5492,181 @@
           <a:p>
             <a:pPr algn="l"/>
             <a:r>
-              <a:rPr lang="de-DE" dirty="0" smtClean="0"/>
-              <a:t>Bootstrap </a:t>
-            </a:r>
-            <a:r>
               <a:rPr lang="de-DE" dirty="0" err="1" smtClean="0"/>
-              <a:t>Examples</a:t>
+              <a:t>Why</a:t>
+            </a:r>
+            <a:r>
+              <a:rPr lang="de-DE" dirty="0" smtClean="0"/>
+              <a:t> </a:t>
+            </a:r>
+            <a:r>
+              <a:rPr lang="de-DE" dirty="0" err="1" smtClean="0"/>
+              <a:t>Less</a:t>
+            </a:r>
+            <a:r>
+              <a:rPr lang="de-DE" dirty="0" smtClean="0"/>
+              <a:t>?</a:t>
             </a:r>
             <a:endParaRPr lang="de-DE" dirty="0"/>
+          </a:p>
+        </p:txBody>
+      </p:sp>
+      <p:sp>
+        <p:nvSpPr>
+          <p:cNvPr id="3" name="Inhaltsplatzhalter 2"/>
+          <p:cNvSpPr>
+            <a:spLocks noGrp="1"/>
+          </p:cNvSpPr>
+          <p:nvPr>
+            <p:ph idx="1"/>
+          </p:nvPr>
+        </p:nvSpPr>
+        <p:spPr>
+          <a:xfrm>
+            <a:off x="457200" y="1600200"/>
+            <a:ext cx="4114800" cy="4525963"/>
+          </a:xfrm>
+        </p:spPr>
+        <p:txBody>
+          <a:bodyPr/>
+          <a:lstStyle/>
+          <a:p>
+            <a:r>
+              <a:rPr lang="de-DE" dirty="0" smtClean="0"/>
+              <a:t>CSS </a:t>
+            </a:r>
+            <a:r>
+              <a:rPr lang="de-DE" dirty="0" err="1" smtClean="0"/>
+              <a:t>is</a:t>
+            </a:r>
+            <a:r>
+              <a:rPr lang="de-DE" dirty="0" smtClean="0"/>
+              <a:t> a mess!</a:t>
+            </a:r>
+          </a:p>
+          <a:p>
+            <a:pPr lvl="1"/>
+            <a:r>
+              <a:rPr lang="de-DE" dirty="0" err="1" smtClean="0"/>
+              <a:t>Hard</a:t>
+            </a:r>
+            <a:r>
+              <a:rPr lang="de-DE" dirty="0" smtClean="0"/>
+              <a:t> </a:t>
+            </a:r>
+            <a:r>
+              <a:rPr lang="de-DE" dirty="0" err="1" smtClean="0"/>
+              <a:t>to</a:t>
+            </a:r>
+            <a:r>
+              <a:rPr lang="de-DE" dirty="0" smtClean="0"/>
+              <a:t> </a:t>
+            </a:r>
+            <a:r>
+              <a:rPr lang="de-DE" dirty="0" err="1" smtClean="0"/>
+              <a:t>stay</a:t>
+            </a:r>
+            <a:r>
+              <a:rPr lang="de-DE" dirty="0" smtClean="0"/>
+              <a:t> clean</a:t>
+            </a:r>
+          </a:p>
+          <a:p>
+            <a:r>
+              <a:rPr lang="de-DE" dirty="0" smtClean="0"/>
+              <a:t>Syntax </a:t>
+            </a:r>
+            <a:r>
+              <a:rPr lang="de-DE" dirty="0" err="1" smtClean="0"/>
+              <a:t>is</a:t>
+            </a:r>
+            <a:r>
+              <a:rPr lang="de-DE" dirty="0" smtClean="0"/>
+              <a:t> CSS </a:t>
+            </a:r>
+            <a:r>
+              <a:rPr lang="de-DE" dirty="0" err="1" smtClean="0"/>
+              <a:t>like</a:t>
+            </a:r>
+            <a:r>
+              <a:rPr lang="de-DE" dirty="0" smtClean="0"/>
+              <a:t> </a:t>
+            </a:r>
+          </a:p>
+          <a:p>
+            <a:r>
+              <a:rPr lang="de-DE" dirty="0" err="1" smtClean="0"/>
+              <a:t>Compiles</a:t>
+            </a:r>
+            <a:r>
+              <a:rPr lang="de-DE" dirty="0" smtClean="0"/>
+              <a:t> </a:t>
+            </a:r>
+            <a:r>
+              <a:rPr lang="de-DE" dirty="0" err="1" smtClean="0"/>
+              <a:t>to</a:t>
+            </a:r>
+            <a:r>
+              <a:rPr lang="de-DE" dirty="0" smtClean="0"/>
+              <a:t> CSS</a:t>
+            </a:r>
+          </a:p>
+          <a:p>
+            <a:pPr lvl="1"/>
+            <a:r>
+              <a:rPr lang="de-DE" dirty="0" smtClean="0"/>
+              <a:t>JS on </a:t>
+            </a:r>
+            <a:r>
+              <a:rPr lang="de-DE" dirty="0" err="1" smtClean="0"/>
+              <a:t>the</a:t>
+            </a:r>
+            <a:r>
+              <a:rPr lang="de-DE" dirty="0" smtClean="0"/>
+              <a:t> </a:t>
+            </a:r>
+            <a:r>
+              <a:rPr lang="de-DE" dirty="0" err="1" smtClean="0"/>
+              <a:t>fly</a:t>
+            </a:r>
+            <a:r>
+              <a:rPr lang="de-DE" dirty="0" smtClean="0"/>
+              <a:t> </a:t>
+            </a:r>
+            <a:r>
+              <a:rPr lang="de-DE" dirty="0" err="1" smtClean="0"/>
+              <a:t>compiler</a:t>
+            </a:r>
+            <a:r>
+              <a:rPr lang="de-DE" dirty="0" smtClean="0"/>
+              <a:t> </a:t>
+            </a:r>
+            <a:r>
+              <a:rPr lang="de-DE" dirty="0" err="1" smtClean="0"/>
+              <a:t>for</a:t>
+            </a:r>
+            <a:r>
+              <a:rPr lang="de-DE" dirty="0" smtClean="0"/>
+              <a:t> </a:t>
+            </a:r>
+            <a:r>
+              <a:rPr lang="de-DE" dirty="0" err="1" smtClean="0"/>
+              <a:t>development</a:t>
+            </a:r>
+            <a:endParaRPr lang="de-DE" dirty="0" smtClean="0"/>
+          </a:p>
+          <a:p>
+            <a:endParaRPr lang="de-DE" dirty="0" smtClean="0"/>
           </a:p>
         </p:txBody>
       </p:sp>
       <p:pic>
         <p:nvPicPr>
-          <p:cNvPr id="4098" name="Picture 2"/>
+          <p:cNvPr id="1028" name="Picture 4"/>
           <p:cNvPicPr>
-            <a:picLocks noGrp="1" noChangeAspect="1" noChangeArrowheads="1"/>
+            <a:picLocks noChangeAspect="1" noChangeArrowheads="1"/>
           </p:cNvPicPr>
-          <p:nvPr>
-            <p:ph idx="1"/>
-          </p:nvPr>
+          <p:nvPr/>
         </p:nvPicPr>
         <p:blipFill>
           <a:blip r:embed="rId2"/>
@@ -5434,8 +5677,8 @@
         </p:blipFill>
         <p:spPr bwMode="auto">
           <a:xfrm>
-            <a:off x="1992848" y="1600200"/>
-            <a:ext cx="5158303" cy="4525963"/>
+            <a:off x="4857752" y="1643050"/>
+            <a:ext cx="4254510" cy="2434022"/>
           </a:xfrm>
           <a:prstGeom prst="rect">
             <a:avLst/>
@@ -5455,6 +5698,13 @@
   <p:clrMapOvr>
     <a:masterClrMapping/>
   </p:clrMapOvr>
+  <p:timing>
+    <p:tnLst>
+      <p:par>
+        <p:cTn id="1" dur="indefinite" restart="never" nodeType="tmRoot"/>
+      </p:par>
+    </p:tnLst>
+  </p:timing>
 </p:sld>
 </file>
 
@@ -5493,95 +5743,139 @@
             <a:pPr algn="l"/>
             <a:r>
               <a:rPr lang="de-DE" dirty="0" smtClean="0"/>
+              <a:t>More </a:t>
+            </a:r>
+            <a:r>
+              <a:rPr lang="de-DE" dirty="0" err="1" smtClean="0"/>
+              <a:t>Less</a:t>
+            </a:r>
+            <a:r>
+              <a:rPr lang="de-DE" dirty="0" smtClean="0"/>
+              <a:t>?</a:t>
+            </a:r>
+            <a:endParaRPr lang="de-DE" dirty="0"/>
+          </a:p>
+        </p:txBody>
+      </p:sp>
+      <p:sp>
+        <p:nvSpPr>
+          <p:cNvPr id="3" name="Inhaltsplatzhalter 2"/>
+          <p:cNvSpPr>
+            <a:spLocks noGrp="1"/>
+          </p:cNvSpPr>
+          <p:nvPr>
+            <p:ph idx="1"/>
+          </p:nvPr>
+        </p:nvSpPr>
+        <p:spPr>
+          <a:xfrm>
+            <a:off x="457200" y="1600201"/>
+            <a:ext cx="8229600" cy="1900808"/>
+          </a:xfrm>
+        </p:spPr>
+        <p:txBody>
+          <a:bodyPr/>
+          <a:lstStyle/>
+          <a:p>
+            <a:r>
+              <a:rPr lang="de-DE" dirty="0" smtClean="0"/>
+              <a:t>Variables, </a:t>
+            </a:r>
+            <a:r>
+              <a:rPr lang="de-DE" dirty="0" err="1" smtClean="0"/>
+              <a:t>Nesting</a:t>
+            </a:r>
+            <a:r>
+              <a:rPr lang="de-DE" dirty="0" smtClean="0"/>
+              <a:t>, </a:t>
+            </a:r>
+            <a:r>
+              <a:rPr lang="de-DE" dirty="0" err="1" smtClean="0"/>
+              <a:t>Mixins</a:t>
+            </a:r>
+            <a:r>
+              <a:rPr lang="de-DE" dirty="0" smtClean="0"/>
+              <a:t>, </a:t>
+            </a:r>
+            <a:r>
+              <a:rPr lang="de-DE" dirty="0" err="1" smtClean="0"/>
+              <a:t>Operations</a:t>
+            </a:r>
+            <a:endParaRPr lang="de-DE" dirty="0" smtClean="0"/>
+          </a:p>
+          <a:p>
+            <a:r>
+              <a:rPr lang="de-DE" dirty="0" smtClean="0"/>
               <a:t>Bootstrap </a:t>
             </a:r>
             <a:r>
               <a:rPr lang="de-DE" dirty="0" err="1" smtClean="0"/>
-              <a:t>meets</a:t>
-            </a:r>
-            <a:r>
-              <a:rPr lang="de-DE" dirty="0" smtClean="0"/>
-              <a:t> HCI</a:t>
-            </a:r>
-            <a:endParaRPr lang="de-DE" dirty="0"/>
-          </a:p>
-        </p:txBody>
-      </p:sp>
-      <p:sp>
-        <p:nvSpPr>
-          <p:cNvPr id="3" name="Inhaltsplatzhalter 2"/>
-          <p:cNvSpPr>
-            <a:spLocks noGrp="1"/>
-          </p:cNvSpPr>
-          <p:nvPr>
-            <p:ph idx="1"/>
-          </p:nvPr>
-        </p:nvSpPr>
-        <p:spPr/>
-        <p:txBody>
-          <a:bodyPr/>
-          <a:lstStyle/>
-          <a:p>
-            <a:r>
-              <a:rPr lang="de-DE" dirty="0" smtClean="0"/>
-              <a:t>Technische Barrieren</a:t>
-            </a:r>
+              <a:t>example</a:t>
+            </a:r>
+            <a:endParaRPr lang="de-DE" dirty="0" smtClean="0"/>
           </a:p>
           <a:p>
             <a:pPr lvl="1"/>
             <a:r>
               <a:rPr lang="de-DE" dirty="0" smtClean="0"/>
-              <a:t>Browser (</a:t>
-            </a:r>
-            <a:r>
-              <a:rPr lang="de-DE" dirty="0" err="1" smtClean="0"/>
-              <a:t>Webkit</a:t>
-            </a:r>
-            <a:r>
-              <a:rPr lang="de-DE" dirty="0" smtClean="0"/>
-              <a:t>, IE, Gecko)</a:t>
+              <a:t>Screen Sizes</a:t>
             </a:r>
           </a:p>
           <a:p>
             <a:pPr lvl="1"/>
-            <a:r>
-              <a:rPr lang="de-DE" dirty="0" smtClean="0"/>
-              <a:t>Geräte</a:t>
-            </a:r>
-          </a:p>
-          <a:p>
-            <a:pPr lvl="2"/>
-            <a:r>
-              <a:rPr lang="de-DE" dirty="0" smtClean="0"/>
-              <a:t>Desktop</a:t>
-            </a:r>
-          </a:p>
-          <a:p>
-            <a:pPr lvl="2"/>
-            <a:r>
-              <a:rPr lang="de-DE" dirty="0" smtClean="0"/>
-              <a:t>Phone</a:t>
-            </a:r>
-          </a:p>
-          <a:p>
-            <a:pPr lvl="2"/>
-            <a:r>
-              <a:rPr lang="de-DE" dirty="0" err="1" smtClean="0"/>
-              <a:t>Tablet</a:t>
-            </a:r>
             <a:endParaRPr lang="de-DE" dirty="0" smtClean="0"/>
           </a:p>
           <a:p>
-            <a:pPr lvl="2"/>
-            <a:endParaRPr lang="de-DE" dirty="0"/>
-          </a:p>
-        </p:txBody>
-      </p:sp>
+            <a:pPr lvl="1"/>
+            <a:endParaRPr lang="de-DE" dirty="0" smtClean="0"/>
+          </a:p>
+        </p:txBody>
+      </p:sp>
+      <p:pic>
+        <p:nvPicPr>
+          <p:cNvPr id="2050" name="Picture 2"/>
+          <p:cNvPicPr>
+            <a:picLocks noChangeAspect="1" noChangeArrowheads="1"/>
+          </p:cNvPicPr>
+          <p:nvPr/>
+        </p:nvPicPr>
+        <p:blipFill>
+          <a:blip r:embed="rId2"/>
+          <a:srcRect/>
+          <a:stretch>
+            <a:fillRect/>
+          </a:stretch>
+        </p:blipFill>
+        <p:spPr bwMode="auto">
+          <a:xfrm>
+            <a:off x="1259632" y="3365227"/>
+            <a:ext cx="6768752" cy="3376141"/>
+          </a:xfrm>
+          <a:prstGeom prst="rect">
+            <a:avLst/>
+          </a:prstGeom>
+          <a:noFill/>
+          <a:ln w="9525">
+            <a:noFill/>
+            <a:miter lim="800000"/>
+            <a:headEnd/>
+            <a:tailEnd/>
+          </a:ln>
+          <a:effectLst/>
+        </p:spPr>
+      </p:pic>
     </p:spTree>
   </p:cSld>
   <p:clrMapOvr>
     <a:masterClrMapping/>
   </p:clrMapOvr>
+  <p:timing>
+    <p:tnLst>
+      <p:par>
+        <p:cTn id="1" dur="indefinite" restart="never" nodeType="tmRoot"/>
+      </p:par>
+    </p:tnLst>
+  </p:timing>
 </p:sld>
 </file>
 
@@ -5602,86 +5896,53 @@
           <a:chExt cx="0" cy="0"/>
         </a:xfrm>
       </p:grpSpPr>
-      <p:sp>
-        <p:nvSpPr>
-          <p:cNvPr id="2" name="Titel 1"/>
-          <p:cNvSpPr>
-            <a:spLocks noGrp="1"/>
-          </p:cNvSpPr>
-          <p:nvPr>
-            <p:ph type="title"/>
-          </p:nvPr>
-        </p:nvSpPr>
-        <p:spPr/>
-        <p:txBody>
-          <a:bodyPr/>
-          <a:lstStyle/>
-          <a:p>
-            <a:pPr algn="l"/>
-            <a:r>
-              <a:rPr lang="de-DE" dirty="0" smtClean="0"/>
-              <a:t>Bootstrap </a:t>
-            </a:r>
-            <a:r>
-              <a:rPr lang="de-DE" dirty="0" err="1" smtClean="0"/>
-              <a:t>meets</a:t>
-            </a:r>
-            <a:r>
-              <a:rPr lang="de-DE" dirty="0" smtClean="0"/>
-              <a:t> HCI</a:t>
-            </a:r>
-            <a:endParaRPr lang="de-DE" dirty="0"/>
-          </a:p>
-        </p:txBody>
-      </p:sp>
-      <p:sp>
-        <p:nvSpPr>
-          <p:cNvPr id="3" name="Inhaltsplatzhalter 2"/>
-          <p:cNvSpPr>
-            <a:spLocks noGrp="1"/>
-          </p:cNvSpPr>
+      <p:pic>
+        <p:nvPicPr>
+          <p:cNvPr id="3074" name="Picture 2"/>
+          <p:cNvPicPr>
+            <a:picLocks noGrp="1" noChangeAspect="1" noChangeArrowheads="1"/>
+          </p:cNvPicPr>
           <p:nvPr>
             <p:ph idx="1"/>
           </p:nvPr>
-        </p:nvSpPr>
-        <p:spPr/>
-        <p:txBody>
-          <a:bodyPr/>
-          <a:lstStyle/>
-          <a:p>
-            <a:r>
-              <a:rPr lang="de-DE" dirty="0" smtClean="0"/>
-              <a:t>Erwartungskonform</a:t>
-            </a:r>
-          </a:p>
-          <a:p>
-            <a:pPr lvl="1"/>
-            <a:r>
-              <a:rPr lang="de-DE" dirty="0" smtClean="0"/>
-              <a:t>Komponenten</a:t>
-            </a:r>
-          </a:p>
-          <a:p>
-            <a:r>
-              <a:rPr lang="de-DE" dirty="0" smtClean="0"/>
-              <a:t>Default Design</a:t>
-            </a:r>
-          </a:p>
-          <a:p>
-            <a:pPr lvl="1"/>
-            <a:r>
-              <a:rPr lang="de-DE" dirty="0" smtClean="0"/>
-              <a:t>Sehr hoher Kontrast</a:t>
-            </a:r>
-            <a:endParaRPr lang="de-DE" dirty="0"/>
-          </a:p>
-        </p:txBody>
-      </p:sp>
+        </p:nvPicPr>
+        <p:blipFill>
+          <a:blip r:embed="rId2"/>
+          <a:srcRect/>
+          <a:stretch>
+            <a:fillRect/>
+          </a:stretch>
+        </p:blipFill>
+        <p:spPr bwMode="auto">
+          <a:xfrm>
+            <a:off x="467544" y="0"/>
+            <a:ext cx="8100392" cy="7099849"/>
+          </a:xfrm>
+          <a:prstGeom prst="rect">
+            <a:avLst/>
+          </a:prstGeom>
+          <a:noFill/>
+          <a:ln w="9525">
+            <a:noFill/>
+            <a:miter lim="800000"/>
+            <a:headEnd/>
+            <a:tailEnd/>
+          </a:ln>
+          <a:effectLst/>
+        </p:spPr>
+      </p:pic>
     </p:spTree>
   </p:cSld>
   <p:clrMapOvr>
     <a:masterClrMapping/>
   </p:clrMapOvr>
+  <p:timing>
+    <p:tnLst>
+      <p:par>
+        <p:cTn id="1" dur="indefinite" restart="never" nodeType="tmRoot"/>
+      </p:par>
+    </p:tnLst>
+  </p:timing>
 </p:sld>
 </file>
 
@@ -5702,147 +5963,41 @@
           <a:chExt cx="0" cy="0"/>
         </a:xfrm>
       </p:grpSpPr>
-      <p:sp>
-        <p:nvSpPr>
-          <p:cNvPr id="2" name="Titel 1"/>
-          <p:cNvSpPr>
-            <a:spLocks noGrp="1"/>
-          </p:cNvSpPr>
-          <p:nvPr>
-            <p:ph type="title"/>
-          </p:nvPr>
-        </p:nvSpPr>
-        <p:spPr/>
-        <p:txBody>
-          <a:bodyPr/>
-          <a:lstStyle/>
-          <a:p>
-            <a:pPr algn="l"/>
-            <a:r>
-              <a:rPr lang="de-DE" dirty="0" smtClean="0"/>
-              <a:t>Bootstrap </a:t>
-            </a:r>
-            <a:r>
-              <a:rPr lang="de-DE" dirty="0" err="1" smtClean="0"/>
-              <a:t>meets</a:t>
-            </a:r>
-            <a:r>
-              <a:rPr lang="de-DE" dirty="0" smtClean="0"/>
-              <a:t> </a:t>
-            </a:r>
-            <a:r>
-              <a:rPr lang="de-DE" dirty="0" err="1" smtClean="0"/>
-              <a:t>Screenreader</a:t>
-            </a:r>
-            <a:endParaRPr lang="de-DE" dirty="0"/>
-          </a:p>
-        </p:txBody>
-      </p:sp>
-      <p:sp>
-        <p:nvSpPr>
-          <p:cNvPr id="3" name="Inhaltsplatzhalter 2"/>
-          <p:cNvSpPr>
-            <a:spLocks noGrp="1"/>
-          </p:cNvSpPr>
+      <p:pic>
+        <p:nvPicPr>
+          <p:cNvPr id="4098" name="Picture 2"/>
+          <p:cNvPicPr>
+            <a:picLocks noGrp="1" noChangeAspect="1" noChangeArrowheads="1"/>
+          </p:cNvPicPr>
           <p:nvPr>
             <p:ph idx="1"/>
           </p:nvPr>
-        </p:nvSpPr>
-        <p:spPr/>
-        <p:txBody>
-          <a:bodyPr/>
-          <a:lstStyle/>
-          <a:p>
-            <a:r>
-              <a:rPr lang="de-DE" dirty="0" smtClean="0"/>
-              <a:t>Gut geeignet ;-)</a:t>
-            </a:r>
-          </a:p>
-          <a:p>
-            <a:r>
-              <a:rPr lang="de-DE" dirty="0" smtClean="0"/>
-              <a:t>Struktur des Quellcodes </a:t>
-            </a:r>
-            <a:r>
-              <a:rPr lang="de-DE" dirty="0" smtClean="0">
-                <a:sym typeface="Wingdings" pitchFamily="2" charset="2"/>
-              </a:rPr>
-              <a:t> </a:t>
-            </a:r>
-            <a:r>
-              <a:rPr lang="de-DE" dirty="0" err="1" smtClean="0">
-                <a:sym typeface="Wingdings" pitchFamily="2" charset="2"/>
-              </a:rPr>
-              <a:t>Contentstruktur</a:t>
-            </a:r>
-            <a:endParaRPr lang="de-DE" dirty="0" smtClean="0">
-              <a:sym typeface="Wingdings" pitchFamily="2" charset="2"/>
-            </a:endParaRPr>
-          </a:p>
-          <a:p>
-            <a:r>
-              <a:rPr lang="de-DE" dirty="0" smtClean="0">
-                <a:sym typeface="Wingdings" pitchFamily="2" charset="2"/>
-              </a:rPr>
-              <a:t>Alt Tags -&gt; do </a:t>
-            </a:r>
-            <a:r>
-              <a:rPr lang="de-DE" dirty="0" err="1" smtClean="0">
-                <a:sym typeface="Wingdings" pitchFamily="2" charset="2"/>
-              </a:rPr>
-              <a:t>it</a:t>
-            </a:r>
-            <a:r>
-              <a:rPr lang="de-DE" dirty="0" smtClean="0">
-                <a:sym typeface="Wingdings" pitchFamily="2" charset="2"/>
-              </a:rPr>
-              <a:t> </a:t>
-            </a:r>
-            <a:r>
-              <a:rPr lang="de-DE" dirty="0" err="1" smtClean="0">
-                <a:sym typeface="Wingdings" pitchFamily="2" charset="2"/>
-              </a:rPr>
-              <a:t>yourself</a:t>
-            </a:r>
-            <a:endParaRPr lang="de-DE" dirty="0" smtClean="0">
-              <a:sym typeface="Wingdings" pitchFamily="2" charset="2"/>
-            </a:endParaRPr>
-          </a:p>
-          <a:p>
-            <a:r>
-              <a:rPr lang="de-DE" dirty="0" err="1" smtClean="0">
-                <a:sym typeface="Wingdings" pitchFamily="2" charset="2"/>
-              </a:rPr>
-              <a:t>Tabstop</a:t>
-            </a:r>
-            <a:r>
-              <a:rPr lang="de-DE" dirty="0" smtClean="0">
-                <a:sym typeface="Wingdings" pitchFamily="2" charset="2"/>
-              </a:rPr>
-              <a:t> -&gt; do </a:t>
-            </a:r>
-            <a:r>
-              <a:rPr lang="de-DE" dirty="0" err="1" smtClean="0">
-                <a:sym typeface="Wingdings" pitchFamily="2" charset="2"/>
-              </a:rPr>
-              <a:t>it</a:t>
-            </a:r>
-            <a:r>
-              <a:rPr lang="de-DE" dirty="0" smtClean="0">
-                <a:sym typeface="Wingdings" pitchFamily="2" charset="2"/>
-              </a:rPr>
-              <a:t> </a:t>
-            </a:r>
-            <a:r>
-              <a:rPr lang="de-DE" dirty="0" err="1" smtClean="0">
-                <a:sym typeface="Wingdings" pitchFamily="2" charset="2"/>
-              </a:rPr>
-              <a:t>yourself</a:t>
-            </a:r>
-            <a:endParaRPr lang="de-DE" dirty="0"/>
-          </a:p>
-        </p:txBody>
-      </p:sp>
+        </p:nvPicPr>
+        <p:blipFill>
+          <a:blip r:embed="rId2"/>
+          <a:srcRect/>
+          <a:stretch>
+            <a:fillRect/>
+          </a:stretch>
+        </p:blipFill>
+        <p:spPr bwMode="auto">
+          <a:xfrm>
+            <a:off x="683568" y="0"/>
+            <a:ext cx="7765299" cy="6813376"/>
+          </a:xfrm>
+          <a:prstGeom prst="rect">
+            <a:avLst/>
+          </a:prstGeom>
+          <a:noFill/>
+          <a:ln w="9525">
+            <a:noFill/>
+            <a:miter lim="800000"/>
+            <a:headEnd/>
+            <a:tailEnd/>
+          </a:ln>
+          <a:effectLst/>
+        </p:spPr>
+      </p:pic>
     </p:spTree>
   </p:cSld>
   <p:clrMapOvr>
@@ -5886,6 +6041,420 @@
             <a:pPr algn="l"/>
             <a:r>
               <a:rPr lang="de-DE" dirty="0" smtClean="0"/>
+              <a:t>Bootstrap </a:t>
+            </a:r>
+            <a:r>
+              <a:rPr lang="de-DE" dirty="0" err="1" smtClean="0"/>
+              <a:t>meets</a:t>
+            </a:r>
+            <a:r>
+              <a:rPr lang="de-DE" dirty="0" smtClean="0"/>
+              <a:t> HCI</a:t>
+            </a:r>
+            <a:endParaRPr lang="de-DE" dirty="0"/>
+          </a:p>
+        </p:txBody>
+      </p:sp>
+      <p:sp>
+        <p:nvSpPr>
+          <p:cNvPr id="3" name="Inhaltsplatzhalter 2"/>
+          <p:cNvSpPr>
+            <a:spLocks noGrp="1"/>
+          </p:cNvSpPr>
+          <p:nvPr>
+            <p:ph idx="1"/>
+          </p:nvPr>
+        </p:nvSpPr>
+        <p:spPr/>
+        <p:txBody>
+          <a:bodyPr/>
+          <a:lstStyle/>
+          <a:p>
+            <a:r>
+              <a:rPr lang="de-DE" dirty="0" smtClean="0"/>
+              <a:t>Technische Barrieren</a:t>
+            </a:r>
+          </a:p>
+          <a:p>
+            <a:pPr lvl="1"/>
+            <a:r>
+              <a:rPr lang="de-DE" dirty="0" smtClean="0"/>
+              <a:t>Browser (</a:t>
+            </a:r>
+            <a:r>
+              <a:rPr lang="de-DE" dirty="0" err="1" smtClean="0"/>
+              <a:t>Webkit</a:t>
+            </a:r>
+            <a:r>
+              <a:rPr lang="de-DE" dirty="0" smtClean="0"/>
+              <a:t>, IE, Gecko)</a:t>
+            </a:r>
+          </a:p>
+          <a:p>
+            <a:pPr lvl="1"/>
+            <a:r>
+              <a:rPr lang="de-DE" dirty="0" smtClean="0"/>
+              <a:t>Geräte</a:t>
+            </a:r>
+          </a:p>
+          <a:p>
+            <a:pPr lvl="2"/>
+            <a:r>
+              <a:rPr lang="de-DE" dirty="0" smtClean="0"/>
+              <a:t>Desktop</a:t>
+            </a:r>
+          </a:p>
+          <a:p>
+            <a:pPr lvl="2"/>
+            <a:r>
+              <a:rPr lang="de-DE" dirty="0" smtClean="0"/>
+              <a:t>Phone</a:t>
+            </a:r>
+          </a:p>
+          <a:p>
+            <a:pPr lvl="2"/>
+            <a:r>
+              <a:rPr lang="de-DE" dirty="0" err="1" smtClean="0"/>
+              <a:t>Tablet</a:t>
+            </a:r>
+            <a:endParaRPr lang="de-DE" dirty="0" smtClean="0"/>
+          </a:p>
+          <a:p>
+            <a:pPr lvl="2"/>
+            <a:endParaRPr lang="de-DE" dirty="0"/>
+          </a:p>
+        </p:txBody>
+      </p:sp>
+    </p:spTree>
+  </p:cSld>
+  <p:clrMapOvr>
+    <a:masterClrMapping/>
+  </p:clrMapOvr>
+</p:sld>
+</file>
+
+<file path=ppt/slides/slide27.xml><?xml version="1.0" encoding="utf-8"?>
+<p:sld xmlns:a="http://schemas.openxmlformats.org/drawingml/2006/main" xmlns:r="http://schemas.openxmlformats.org/officeDocument/2006/relationships" xmlns:p="http://schemas.openxmlformats.org/presentationml/2006/main">
+  <p:cSld>
+    <p:spTree>
+      <p:nvGrpSpPr>
+        <p:cNvPr id="1" name=""/>
+        <p:cNvGrpSpPr/>
+        <p:nvPr/>
+      </p:nvGrpSpPr>
+      <p:grpSpPr>
+        <a:xfrm>
+          <a:off x="0" y="0"/>
+          <a:ext cx="0" cy="0"/>
+          <a:chOff x="0" y="0"/>
+          <a:chExt cx="0" cy="0"/>
+        </a:xfrm>
+      </p:grpSpPr>
+      <p:sp>
+        <p:nvSpPr>
+          <p:cNvPr id="2" name="Titel 1"/>
+          <p:cNvSpPr>
+            <a:spLocks noGrp="1"/>
+          </p:cNvSpPr>
+          <p:nvPr>
+            <p:ph type="title"/>
+          </p:nvPr>
+        </p:nvSpPr>
+        <p:spPr/>
+        <p:txBody>
+          <a:bodyPr/>
+          <a:lstStyle/>
+          <a:p>
+            <a:pPr algn="l"/>
+            <a:r>
+              <a:rPr lang="de-DE" dirty="0" smtClean="0"/>
+              <a:t>Bootstrap </a:t>
+            </a:r>
+            <a:r>
+              <a:rPr lang="de-DE" dirty="0" err="1" smtClean="0"/>
+              <a:t>meets</a:t>
+            </a:r>
+            <a:r>
+              <a:rPr lang="de-DE" dirty="0" smtClean="0"/>
+              <a:t> HCI</a:t>
+            </a:r>
+            <a:endParaRPr lang="de-DE" dirty="0"/>
+          </a:p>
+        </p:txBody>
+      </p:sp>
+      <p:sp>
+        <p:nvSpPr>
+          <p:cNvPr id="3" name="Inhaltsplatzhalter 2"/>
+          <p:cNvSpPr>
+            <a:spLocks noGrp="1"/>
+          </p:cNvSpPr>
+          <p:nvPr>
+            <p:ph idx="1"/>
+          </p:nvPr>
+        </p:nvSpPr>
+        <p:spPr/>
+        <p:txBody>
+          <a:bodyPr/>
+          <a:lstStyle/>
+          <a:p>
+            <a:r>
+              <a:rPr lang="de-DE" dirty="0" smtClean="0"/>
+              <a:t>Erwartungskonform</a:t>
+            </a:r>
+          </a:p>
+          <a:p>
+            <a:pPr lvl="1"/>
+            <a:r>
+              <a:rPr lang="de-DE" dirty="0" smtClean="0"/>
+              <a:t>Komponenten</a:t>
+            </a:r>
+          </a:p>
+          <a:p>
+            <a:pPr lvl="1"/>
+            <a:endParaRPr lang="de-DE" dirty="0" smtClean="0"/>
+          </a:p>
+          <a:p>
+            <a:r>
+              <a:rPr lang="de-DE" dirty="0" smtClean="0"/>
+              <a:t>Default Design</a:t>
+            </a:r>
+          </a:p>
+          <a:p>
+            <a:pPr lvl="1"/>
+            <a:r>
+              <a:rPr lang="de-DE" dirty="0" smtClean="0"/>
+              <a:t>Sehr hoher Kontrast</a:t>
+            </a:r>
+            <a:endParaRPr lang="de-DE" dirty="0"/>
+          </a:p>
+        </p:txBody>
+      </p:sp>
+    </p:spTree>
+  </p:cSld>
+  <p:clrMapOvr>
+    <a:masterClrMapping/>
+  </p:clrMapOvr>
+</p:sld>
+</file>
+
+<file path=ppt/slides/slide28.xml><?xml version="1.0" encoding="utf-8"?>
+<p:sld xmlns:a="http://schemas.openxmlformats.org/drawingml/2006/main" xmlns:r="http://schemas.openxmlformats.org/officeDocument/2006/relationships" xmlns:p="http://schemas.openxmlformats.org/presentationml/2006/main">
+  <p:cSld>
+    <p:spTree>
+      <p:nvGrpSpPr>
+        <p:cNvPr id="1" name=""/>
+        <p:cNvGrpSpPr/>
+        <p:nvPr/>
+      </p:nvGrpSpPr>
+      <p:grpSpPr>
+        <a:xfrm>
+          <a:off x="0" y="0"/>
+          <a:ext cx="0" cy="0"/>
+          <a:chOff x="0" y="0"/>
+          <a:chExt cx="0" cy="0"/>
+        </a:xfrm>
+      </p:grpSpPr>
+      <p:sp>
+        <p:nvSpPr>
+          <p:cNvPr id="2" name="Titel 1"/>
+          <p:cNvSpPr>
+            <a:spLocks noGrp="1"/>
+          </p:cNvSpPr>
+          <p:nvPr>
+            <p:ph type="title"/>
+          </p:nvPr>
+        </p:nvSpPr>
+        <p:spPr/>
+        <p:txBody>
+          <a:bodyPr/>
+          <a:lstStyle/>
+          <a:p>
+            <a:pPr algn="l"/>
+            <a:r>
+              <a:rPr lang="de-DE" dirty="0" smtClean="0"/>
+              <a:t>Bootstrap </a:t>
+            </a:r>
+            <a:r>
+              <a:rPr lang="de-DE" dirty="0" err="1" smtClean="0"/>
+              <a:t>meets</a:t>
+            </a:r>
+            <a:r>
+              <a:rPr lang="de-DE" dirty="0" smtClean="0"/>
+              <a:t> </a:t>
+            </a:r>
+            <a:r>
+              <a:rPr lang="de-DE" dirty="0" err="1" smtClean="0"/>
+              <a:t>Screenreader</a:t>
+            </a:r>
+            <a:endParaRPr lang="de-DE" dirty="0"/>
+          </a:p>
+        </p:txBody>
+      </p:sp>
+      <p:sp>
+        <p:nvSpPr>
+          <p:cNvPr id="3" name="Inhaltsplatzhalter 2"/>
+          <p:cNvSpPr>
+            <a:spLocks noGrp="1"/>
+          </p:cNvSpPr>
+          <p:nvPr>
+            <p:ph idx="1"/>
+          </p:nvPr>
+        </p:nvSpPr>
+        <p:spPr/>
+        <p:txBody>
+          <a:bodyPr/>
+          <a:lstStyle/>
+          <a:p>
+            <a:r>
+              <a:rPr lang="de-DE" dirty="0" smtClean="0"/>
+              <a:t>Gut geeignet </a:t>
+            </a:r>
+            <a:r>
+              <a:rPr lang="de-DE" dirty="0" smtClean="0"/>
+              <a:t>;-)</a:t>
+            </a:r>
+          </a:p>
+          <a:p>
+            <a:endParaRPr lang="de-DE" dirty="0" smtClean="0"/>
+          </a:p>
+          <a:p>
+            <a:r>
+              <a:rPr lang="de-DE" dirty="0" smtClean="0"/>
+              <a:t>Struktur des Quellcodes </a:t>
+            </a:r>
+            <a:r>
+              <a:rPr lang="de-DE" dirty="0" smtClean="0">
+                <a:sym typeface="Wingdings" pitchFamily="2" charset="2"/>
+              </a:rPr>
+              <a:t> </a:t>
+            </a:r>
+            <a:r>
+              <a:rPr lang="de-DE" dirty="0" err="1" smtClean="0">
+                <a:sym typeface="Wingdings" pitchFamily="2" charset="2"/>
+              </a:rPr>
+              <a:t>Contentstruktur</a:t>
+            </a:r>
+            <a:endParaRPr lang="de-DE" dirty="0" smtClean="0">
+              <a:sym typeface="Wingdings" pitchFamily="2" charset="2"/>
+            </a:endParaRPr>
+          </a:p>
+          <a:p>
+            <a:endParaRPr lang="de-DE" dirty="0" smtClean="0">
+              <a:sym typeface="Wingdings" pitchFamily="2" charset="2"/>
+            </a:endParaRPr>
+          </a:p>
+          <a:p>
+            <a:r>
+              <a:rPr lang="de-DE" dirty="0" smtClean="0">
+                <a:sym typeface="Wingdings" pitchFamily="2" charset="2"/>
+              </a:rPr>
+              <a:t>Alt Tags -&gt; do </a:t>
+            </a:r>
+            <a:r>
+              <a:rPr lang="de-DE" dirty="0" err="1" smtClean="0">
+                <a:sym typeface="Wingdings" pitchFamily="2" charset="2"/>
+              </a:rPr>
+              <a:t>it</a:t>
+            </a:r>
+            <a:r>
+              <a:rPr lang="de-DE" dirty="0" smtClean="0">
+                <a:sym typeface="Wingdings" pitchFamily="2" charset="2"/>
+              </a:rPr>
+              <a:t> </a:t>
+            </a:r>
+            <a:r>
+              <a:rPr lang="de-DE" dirty="0" err="1" smtClean="0">
+                <a:sym typeface="Wingdings" pitchFamily="2" charset="2"/>
+              </a:rPr>
+              <a:t>yourself</a:t>
+            </a:r>
+            <a:endParaRPr lang="de-DE" dirty="0" smtClean="0">
+              <a:sym typeface="Wingdings" pitchFamily="2" charset="2"/>
+            </a:endParaRPr>
+          </a:p>
+          <a:p>
+            <a:endParaRPr lang="de-DE" dirty="0" smtClean="0">
+              <a:sym typeface="Wingdings" pitchFamily="2" charset="2"/>
+            </a:endParaRPr>
+          </a:p>
+          <a:p>
+            <a:r>
+              <a:rPr lang="de-DE" dirty="0" err="1" smtClean="0">
+                <a:sym typeface="Wingdings" pitchFamily="2" charset="2"/>
+              </a:rPr>
+              <a:t>Tabstop</a:t>
+            </a:r>
+            <a:r>
+              <a:rPr lang="de-DE" dirty="0" smtClean="0">
+                <a:sym typeface="Wingdings" pitchFamily="2" charset="2"/>
+              </a:rPr>
+              <a:t> -&gt; do </a:t>
+            </a:r>
+            <a:r>
+              <a:rPr lang="de-DE" dirty="0" err="1" smtClean="0">
+                <a:sym typeface="Wingdings" pitchFamily="2" charset="2"/>
+              </a:rPr>
+              <a:t>it</a:t>
+            </a:r>
+            <a:r>
+              <a:rPr lang="de-DE" dirty="0" smtClean="0">
+                <a:sym typeface="Wingdings" pitchFamily="2" charset="2"/>
+              </a:rPr>
+              <a:t> </a:t>
+            </a:r>
+            <a:r>
+              <a:rPr lang="de-DE" dirty="0" err="1" smtClean="0">
+                <a:sym typeface="Wingdings" pitchFamily="2" charset="2"/>
+              </a:rPr>
+              <a:t>yourself</a:t>
+            </a:r>
+            <a:endParaRPr lang="de-DE" dirty="0"/>
+          </a:p>
+        </p:txBody>
+      </p:sp>
+    </p:spTree>
+  </p:cSld>
+  <p:clrMapOvr>
+    <a:masterClrMapping/>
+  </p:clrMapOvr>
+</p:sld>
+</file>
+
+<file path=ppt/slides/slide29.xml><?xml version="1.0" encoding="utf-8"?>
+<p:sld xmlns:a="http://schemas.openxmlformats.org/drawingml/2006/main" xmlns:r="http://schemas.openxmlformats.org/officeDocument/2006/relationships" xmlns:p="http://schemas.openxmlformats.org/presentationml/2006/main">
+  <p:cSld>
+    <p:spTree>
+      <p:nvGrpSpPr>
+        <p:cNvPr id="1" name=""/>
+        <p:cNvGrpSpPr/>
+        <p:nvPr/>
+      </p:nvGrpSpPr>
+      <p:grpSpPr>
+        <a:xfrm>
+          <a:off x="0" y="0"/>
+          <a:ext cx="0" cy="0"/>
+          <a:chOff x="0" y="0"/>
+          <a:chExt cx="0" cy="0"/>
+        </a:xfrm>
+      </p:grpSpPr>
+      <p:sp>
+        <p:nvSpPr>
+          <p:cNvPr id="2" name="Titel 1"/>
+          <p:cNvSpPr>
+            <a:spLocks noGrp="1"/>
+          </p:cNvSpPr>
+          <p:nvPr>
+            <p:ph type="title"/>
+          </p:nvPr>
+        </p:nvSpPr>
+        <p:spPr/>
+        <p:txBody>
+          <a:bodyPr/>
+          <a:lstStyle/>
+          <a:p>
+            <a:pPr algn="l"/>
+            <a:r>
+              <a:rPr lang="de-DE" dirty="0" smtClean="0"/>
               <a:t>Fazit</a:t>
             </a:r>
             <a:endParaRPr lang="de-DE" dirty="0"/>
@@ -5909,13 +6478,24 @@
           <a:p>
             <a:r>
               <a:rPr lang="de-DE" dirty="0" smtClean="0"/>
-              <a:t>Produktiv &amp; Effizient</a:t>
-            </a:r>
-          </a:p>
-          <a:p>
-            <a:r>
-              <a:rPr lang="de-DE" dirty="0" smtClean="0"/>
-              <a:t>Konzentration auf Inhalt/</a:t>
+              <a:t>Produktiv &amp; </a:t>
+            </a:r>
+            <a:r>
+              <a:rPr lang="de-DE" dirty="0" smtClean="0"/>
+              <a:t>effizient</a:t>
+            </a:r>
+          </a:p>
+          <a:p>
+            <a:endParaRPr lang="de-DE" dirty="0" smtClean="0"/>
+          </a:p>
+          <a:p>
+            <a:r>
+              <a:rPr lang="de-DE" dirty="0" smtClean="0"/>
+              <a:t>Konzentration auf </a:t>
+            </a:r>
+            <a:r>
+              <a:rPr lang="de-DE" dirty="0" smtClean="0"/>
+              <a:t>Inhalt/</a:t>
             </a:r>
             <a:r>
               <a:rPr lang="de-DE" dirty="0" err="1" smtClean="0"/>
@@ -5924,10 +6504,20 @@
             <a:endParaRPr lang="de-DE" dirty="0" smtClean="0"/>
           </a:p>
           <a:p>
-            <a:r>
-              <a:rPr lang="de-DE" dirty="0" smtClean="0"/>
-              <a:t>Schneller einstieg</a:t>
-            </a:r>
+            <a:endParaRPr lang="de-DE" dirty="0" smtClean="0"/>
+          </a:p>
+          <a:p>
+            <a:r>
+              <a:rPr lang="de-DE" dirty="0" smtClean="0"/>
+              <a:t>Schneller </a:t>
+            </a:r>
+            <a:r>
+              <a:rPr lang="de-DE" dirty="0" smtClean="0"/>
+              <a:t>Einstieg</a:t>
+            </a:r>
+          </a:p>
+          <a:p>
+            <a:endParaRPr lang="de-DE" dirty="0" smtClean="0"/>
           </a:p>
           <a:p>
             <a:r>
@@ -5936,7 +6526,7 @@
             </a:r>
             <a:r>
               <a:rPr lang="de-DE" dirty="0" err="1" smtClean="0"/>
-              <a:t>use</a:t>
+              <a:t>Use</a:t>
             </a:r>
             <a:r>
               <a:rPr lang="de-DE" dirty="0" smtClean="0"/>
@@ -5944,7 +6534,7 @@
             </a:r>
             <a:r>
               <a:rPr lang="de-DE" dirty="0" err="1" smtClean="0"/>
-              <a:t>again</a:t>
+              <a:t>Again</a:t>
             </a:r>
             <a:endParaRPr lang="de-DE" dirty="0"/>
           </a:p>
@@ -5977,173 +6567,56 @@
       </p:grpSpPr>
       <p:sp>
         <p:nvSpPr>
-          <p:cNvPr id="2" name="Titel 1"/>
-          <p:cNvSpPr>
-            <a:spLocks noGrp="1"/>
-          </p:cNvSpPr>
-          <p:nvPr>
-            <p:ph type="title"/>
-          </p:nvPr>
-        </p:nvSpPr>
-        <p:spPr/>
-        <p:txBody>
-          <a:bodyPr>
-            <a:normAutofit fontScale="90000"/>
-          </a:bodyPr>
-          <a:lstStyle/>
-          <a:p>
-            <a:pPr algn="l"/>
-            <a:r>
-              <a:rPr lang="de-DE" dirty="0" smtClean="0"/>
-              <a:t>Open Source Screen Reader </a:t>
-            </a:r>
-            <a:r>
-              <a:rPr lang="de-DE" sz="3100" dirty="0" err="1" smtClean="0">
-                <a:solidFill>
-                  <a:schemeClr val="bg1">
-                    <a:lumMod val="50000"/>
-                  </a:schemeClr>
-                </a:solidFill>
-              </a:rPr>
-              <a:t>Standalone</a:t>
-            </a:r>
-            <a:endParaRPr lang="de-DE" dirty="0">
-              <a:solidFill>
-                <a:schemeClr val="bg1">
-                  <a:lumMod val="50000"/>
-                </a:schemeClr>
-              </a:solidFill>
-            </a:endParaRPr>
-          </a:p>
-        </p:txBody>
-      </p:sp>
-      <p:sp>
-        <p:nvSpPr>
-          <p:cNvPr id="3" name="Inhaltsplatzhalter 2"/>
-          <p:cNvSpPr>
-            <a:spLocks noGrp="1"/>
-          </p:cNvSpPr>
-          <p:nvPr>
-            <p:ph idx="1"/>
-          </p:nvPr>
-        </p:nvSpPr>
-        <p:spPr/>
-        <p:txBody>
-          <a:bodyPr>
-            <a:normAutofit/>
-          </a:bodyPr>
-          <a:lstStyle/>
-          <a:p>
-            <a:pPr>
-              <a:buBlip>
-                <a:blip r:embed="rId3"/>
-              </a:buBlip>
-            </a:pPr>
-            <a:r>
-              <a:rPr lang="de-DE" dirty="0" smtClean="0"/>
-              <a:t>NVDA</a:t>
-            </a:r>
-            <a:br>
-              <a:rPr lang="de-DE" dirty="0" smtClean="0"/>
-            </a:br>
-            <a:r>
-              <a:rPr lang="de-DE" dirty="0" smtClean="0">
-                <a:hlinkClick r:id="rId4"/>
-              </a:rPr>
-              <a:t>http://www.nvda-project.org/</a:t>
-            </a:r>
-            <a:r>
-              <a:rPr lang="de-DE" dirty="0" smtClean="0"/>
-              <a:t> </a:t>
-            </a:r>
-          </a:p>
-          <a:p>
-            <a:endParaRPr lang="de-DE" dirty="0" smtClean="0"/>
-          </a:p>
-          <a:p>
-            <a:pPr>
-              <a:buBlip>
-                <a:blip r:embed="rId5"/>
-              </a:buBlip>
-            </a:pPr>
-            <a:r>
-              <a:rPr lang="de-DE" dirty="0" err="1" smtClean="0"/>
-              <a:t>Orca</a:t>
-            </a:r>
-            <a:r>
-              <a:rPr lang="de-DE" dirty="0" smtClean="0"/>
-              <a:t/>
-            </a:r>
-            <a:br>
-              <a:rPr lang="de-DE" dirty="0" smtClean="0"/>
-            </a:br>
-            <a:r>
-              <a:rPr lang="de-DE" dirty="0" smtClean="0">
-                <a:hlinkClick r:id="rId6"/>
-              </a:rPr>
-              <a:t>http://live.gnome.org/Orca</a:t>
-            </a:r>
-            <a:r>
-              <a:rPr lang="de-DE" dirty="0" smtClean="0"/>
-              <a:t> </a:t>
-            </a:r>
-          </a:p>
-          <a:p>
-            <a:pPr>
-              <a:buBlip>
-                <a:blip r:embed="rId5"/>
-              </a:buBlip>
-            </a:pPr>
+          <p:cNvPr id="4" name="Titel 3"/>
+          <p:cNvSpPr>
+            <a:spLocks noGrp="1"/>
+          </p:cNvSpPr>
+          <p:nvPr>
+            <p:ph type="ctrTitle"/>
+          </p:nvPr>
+        </p:nvSpPr>
+        <p:spPr/>
+        <p:txBody>
+          <a:bodyPr/>
+          <a:lstStyle/>
+          <a:p>
+            <a:r>
+              <a:rPr lang="de-DE" dirty="0" smtClean="0"/>
+              <a:t>Screen Reader</a:t>
+            </a:r>
             <a:endParaRPr lang="de-DE" dirty="0"/>
           </a:p>
-          <a:p>
-            <a:pPr>
-              <a:buBlip>
-                <a:blip r:embed="rId7"/>
-              </a:buBlip>
-            </a:pPr>
-            <a:r>
-              <a:rPr lang="de-DE" dirty="0" err="1" smtClean="0"/>
-              <a:t>Voiceover</a:t>
-            </a:r>
-            <a:r>
-              <a:rPr lang="de-DE" dirty="0" smtClean="0"/>
-              <a:t/>
-            </a:r>
-            <a:br>
-              <a:rPr lang="de-DE" dirty="0" smtClean="0"/>
-            </a:br>
-            <a:r>
-              <a:rPr lang="de-DE" sz="3100" dirty="0" smtClean="0">
-                <a:hlinkClick r:id="rId8"/>
-              </a:rPr>
-              <a:t>http://www.apple.com/accessibility/voiceover/</a:t>
-            </a:r>
-            <a:r>
-              <a:rPr lang="de-DE" sz="3100" dirty="0" smtClean="0"/>
-              <a:t> </a:t>
-            </a:r>
-            <a:endParaRPr lang="de-DE" sz="3100" dirty="0"/>
+        </p:txBody>
+      </p:sp>
+      <p:sp>
+        <p:nvSpPr>
+          <p:cNvPr id="5" name="Untertitel 4"/>
+          <p:cNvSpPr>
+            <a:spLocks noGrp="1"/>
+          </p:cNvSpPr>
+          <p:nvPr>
+            <p:ph type="subTitle" idx="1"/>
+          </p:nvPr>
+        </p:nvSpPr>
+        <p:spPr/>
+        <p:txBody>
+          <a:bodyPr/>
+          <a:lstStyle/>
+          <a:p>
+            <a:endParaRPr lang="de-DE"/>
           </a:p>
         </p:txBody>
       </p:sp>
     </p:spTree>
     <p:extLst>
       <p:ext uri="{BB962C8B-B14F-4D97-AF65-F5344CB8AC3E}">
-        <p14:creationId xmlns:p14="http://schemas.microsoft.com/office/powerpoint/2010/main" xmlns="" val="3133298701"/>
+        <p14:creationId xmlns:p14="http://schemas.microsoft.com/office/powerpoint/2010/main" val="544389016"/>
       </p:ext>
     </p:extLst>
   </p:cSld>
   <p:clrMapOvr>
     <a:masterClrMapping/>
   </p:clrMapOvr>
-  <p:timing>
-    <p:tnLst>
-      <p:par>
-        <p:cTn id="1" dur="indefinite" restart="never" nodeType="tmRoot"/>
-      </p:par>
-    </p:tnLst>
-  </p:timing>
 </p:sld>
 </file>
 
@@ -6177,23 +6650,18 @@
         <p:spPr/>
         <p:txBody>
           <a:bodyPr>
-            <a:normAutofit fontScale="90000"/>
+            <a:normAutofit/>
           </a:bodyPr>
           <a:lstStyle/>
           <a:p>
-            <a:r>
-              <a:rPr lang="de-DE" dirty="0" smtClean="0"/>
-              <a:t>Open Source Screen Reader </a:t>
-            </a:r>
-            <a:r>
-              <a:rPr lang="de-DE" sz="3100" dirty="0" smtClean="0">
-                <a:solidFill>
-                  <a:schemeClr val="bg1">
-                    <a:lumMod val="50000"/>
-                  </a:schemeClr>
-                </a:solidFill>
-              </a:rPr>
-              <a:t>Browser </a:t>
+            <a:pPr algn="l"/>
+            <a:r>
+              <a:rPr lang="de-DE" dirty="0" smtClean="0"/>
+              <a:t>Freie Screen </a:t>
+            </a:r>
+            <a:r>
+              <a:rPr lang="de-DE" dirty="0" smtClean="0"/>
+              <a:t>Reader </a:t>
             </a:r>
             <a:r>
               <a:rPr lang="de-DE" sz="3100" dirty="0" err="1" smtClean="0">
@@ -6203,7 +6671,7 @@
                   </a:schemeClr>
                 </a:solidFill>
               </a:rPr>
-              <a:t>Plugin</a:t>
+              <a:t>Standalone</a:t>
             </a:r>
             <a:endParaRPr lang="de-DE" dirty="0">
               <a:solidFill>
@@ -6227,30 +6695,28 @@
         </p:nvSpPr>
         <p:spPr/>
         <p:txBody>
-          <a:bodyPr/>
+          <a:bodyPr>
+            <a:normAutofit/>
+          </a:bodyPr>
           <a:lstStyle/>
           <a:p>
             <a:pPr>
               <a:buBlip>
-                <a:blip r:embed="rId2"/>
+                <a:blip r:embed="rId3"/>
               </a:buBlip>
             </a:pPr>
             <a:r>
-              <a:rPr lang="de-DE" dirty="0" err="1" smtClean="0"/>
-              <a:t>ChromeVox</a:t>
-            </a:r>
-            <a:r>
-              <a:rPr lang="de-DE" dirty="0" smtClean="0"/>
-              <a:t/>
+              <a:rPr lang="de-DE" dirty="0" smtClean="0"/>
+              <a:t>NVDA</a:t>
             </a:r>
             <a:br>
               <a:rPr lang="de-DE" dirty="0" smtClean="0"/>
             </a:br>
             <a:r>
               <a:rPr lang="de-DE" dirty="0" smtClean="0">
-                <a:hlinkClick r:id="rId3"/>
+                <a:hlinkClick r:id="rId4"/>
               </a:rPr>
-              <a:t>http://code.google.com/p/google-axs-chrome/</a:t>
+              <a:t>http://www.nvda-project.org/</a:t>
             </a:r>
             <a:r>
               <a:rPr lang="de-DE" dirty="0" smtClean="0"/>
@@ -6263,25 +6729,25 @@
           <a:p>
             <a:pPr>
               <a:buBlip>
-                <a:blip r:embed="rId4"/>
+                <a:blip r:embed="rId5"/>
               </a:buBlip>
             </a:pPr>
             <a:r>
               <a:rPr lang="de-DE" dirty="0" err="1" smtClean="0"/>
-              <a:t>Fire</a:t>
-            </a:r>
-            <a:r>
-              <a:rPr lang="de-DE" dirty="0" smtClean="0"/>
-              <a:t> Vox</a:t>
+              <a:t>Orca</a:t>
+            </a:r>
+            <a:r>
+              <a:rPr lang="de-DE" dirty="0" smtClean="0"/>
+              <a:t/>
             </a:r>
             <a:br>
               <a:rPr lang="de-DE" dirty="0" smtClean="0"/>
             </a:br>
             <a:r>
               <a:rPr lang="de-DE" dirty="0" smtClean="0">
-                <a:hlinkClick r:id="rId5"/>
+                <a:hlinkClick r:id="rId6"/>
               </a:rPr>
-              <a:t>http://firevox.clcworld.net/</a:t>
+              <a:t>http://live.gnome.org/Orca</a:t>
             </a:r>
             <a:r>
               <a:rPr lang="de-DE" dirty="0" smtClean="0"/>
@@ -6289,14 +6755,48 @@
             </a:r>
           </a:p>
           <a:p>
+            <a:pPr>
+              <a:buBlip>
+                <a:blip r:embed="rId5"/>
+              </a:buBlip>
+            </a:pPr>
             <a:endParaRPr lang="de-DE" dirty="0"/>
+          </a:p>
+          <a:p>
+            <a:pPr>
+              <a:buBlip>
+                <a:blip r:embed="rId7"/>
+              </a:buBlip>
+            </a:pPr>
+            <a:r>
+              <a:rPr lang="de-DE" dirty="0" err="1" smtClean="0"/>
+              <a:t>Voiceover</a:t>
+            </a:r>
+            <a:r>
+              <a:rPr lang="de-DE" dirty="0" smtClean="0"/>
+              <a:t/>
+            </a:r>
+            <a:br>
+              <a:rPr lang="de-DE" dirty="0" smtClean="0"/>
+            </a:br>
+            <a:r>
+              <a:rPr lang="de-DE" sz="3100" dirty="0" smtClean="0">
+                <a:hlinkClick r:id="rId8"/>
+              </a:rPr>
+              <a:t>http://www.apple.com/accessibility/voiceover/</a:t>
+            </a:r>
+            <a:r>
+              <a:rPr lang="de-DE" sz="3100" dirty="0" smtClean="0"/>
+              <a:t> </a:t>
+            </a:r>
+            <a:endParaRPr lang="de-DE" sz="3100" dirty="0"/>
           </a:p>
         </p:txBody>
       </p:sp>
     </p:spTree>
     <p:extLst>
       <p:ext uri="{BB962C8B-B14F-4D97-AF65-F5344CB8AC3E}">
-        <p14:creationId xmlns:p14="http://schemas.microsoft.com/office/powerpoint/2010/main" xmlns="" val="2774883840"/>
+        <p14:creationId xmlns:p14="http://schemas.microsoft.com/office/powerpoint/2010/main" val="3133298701"/>
       </p:ext>
     </p:extLst>
   </p:cSld>
@@ -6342,115 +6842,127 @@
         </p:nvSpPr>
         <p:spPr/>
         <p:txBody>
-          <a:bodyPr/>
-          <a:lstStyle/>
-          <a:p>
-            <a:pPr algn="l"/>
-            <a:r>
-              <a:rPr lang="de-DE" dirty="0" smtClean="0"/>
-              <a:t>	NVDA</a:t>
-            </a:r>
+          <a:bodyPr>
+            <a:normAutofit fontScale="90000"/>
+          </a:bodyPr>
+          <a:lstStyle/>
+          <a:p>
+            <a:r>
+              <a:rPr lang="de-DE" dirty="0" smtClean="0"/>
+              <a:t>Open Source Screen Reader </a:t>
+            </a:r>
+            <a:r>
+              <a:rPr lang="de-DE" sz="3100" dirty="0" smtClean="0">
+                <a:solidFill>
+                  <a:schemeClr val="bg1">
+                    <a:lumMod val="50000"/>
+                  </a:schemeClr>
+                </a:solidFill>
+              </a:rPr>
+              <a:t>Browser </a:t>
+            </a:r>
+            <a:r>
+              <a:rPr lang="de-DE" sz="3100" dirty="0" err="1" smtClean="0">
+                <a:solidFill>
+                  <a:schemeClr val="bg1">
+                    <a:lumMod val="50000"/>
+                  </a:schemeClr>
+                </a:solidFill>
+              </a:rPr>
+              <a:t>Plugin</a:t>
+            </a:r>
+            <a:endParaRPr lang="de-DE" dirty="0">
+              <a:solidFill>
+                <a:schemeClr val="bg1">
+                  <a:lumMod val="50000"/>
+                </a:schemeClr>
+              </a:solidFill>
+            </a:endParaRPr>
+          </a:p>
+        </p:txBody>
+      </p:sp>
+      <p:sp>
+        <p:nvSpPr>
+          <p:cNvPr id="3" name="Inhaltsplatzhalter 2"/>
+          <p:cNvSpPr>
+            <a:spLocks noGrp="1"/>
+          </p:cNvSpPr>
+          <p:nvPr>
+            <p:ph idx="1"/>
+          </p:nvPr>
+        </p:nvSpPr>
+        <p:spPr/>
+        <p:txBody>
+          <a:bodyPr/>
+          <a:lstStyle/>
+          <a:p>
+            <a:pPr>
+              <a:buBlip>
+                <a:blip r:embed="rId2"/>
+              </a:buBlip>
+            </a:pPr>
+            <a:r>
+              <a:rPr lang="de-DE" dirty="0" err="1" smtClean="0"/>
+              <a:t>ChromeVox</a:t>
+            </a:r>
+            <a:r>
+              <a:rPr lang="de-DE" dirty="0" smtClean="0"/>
+              <a:t/>
+            </a:r>
+            <a:br>
+              <a:rPr lang="de-DE" dirty="0" smtClean="0"/>
+            </a:br>
+            <a:r>
+              <a:rPr lang="de-DE" dirty="0" smtClean="0">
+                <a:hlinkClick r:id="rId3"/>
+              </a:rPr>
+              <a:t>http://code.google.com/p/google-axs-chrome/</a:t>
+            </a:r>
+            <a:r>
+              <a:rPr lang="de-DE" dirty="0" smtClean="0"/>
+              <a:t> </a:t>
+            </a:r>
+          </a:p>
+          <a:p>
+            <a:endParaRPr lang="de-DE" dirty="0" smtClean="0"/>
+          </a:p>
+          <a:p>
+            <a:pPr>
+              <a:buBlip>
+                <a:blip r:embed="rId4"/>
+              </a:buBlip>
+            </a:pPr>
+            <a:r>
+              <a:rPr lang="de-DE" dirty="0" err="1" smtClean="0"/>
+              <a:t>Fire</a:t>
+            </a:r>
+            <a:r>
+              <a:rPr lang="de-DE" dirty="0" smtClean="0"/>
+              <a:t> Vox</a:t>
+            </a:r>
+            <a:br>
+              <a:rPr lang="de-DE" dirty="0" smtClean="0"/>
+            </a:br>
+            <a:r>
+              <a:rPr lang="de-DE" dirty="0" smtClean="0">
+                <a:hlinkClick r:id="rId5"/>
+              </a:rPr>
+              <a:t>http://firevox.clcworld.net/</a:t>
+            </a:r>
+            <a:r>
+              <a:rPr lang="de-DE" dirty="0" smtClean="0"/>
+              <a:t> </a:t>
+            </a:r>
+          </a:p>
+          <a:p>
             <a:endParaRPr lang="de-DE" dirty="0"/>
           </a:p>
         </p:txBody>
       </p:sp>
-      <p:sp>
-        <p:nvSpPr>
-          <p:cNvPr id="3" name="Inhaltsplatzhalter 2"/>
-          <p:cNvSpPr>
-            <a:spLocks noGrp="1"/>
-          </p:cNvSpPr>
-          <p:nvPr>
-            <p:ph idx="1"/>
-          </p:nvPr>
-        </p:nvSpPr>
-        <p:spPr/>
-        <p:txBody>
-          <a:bodyPr>
-            <a:normAutofit lnSpcReduction="10000"/>
-          </a:bodyPr>
-          <a:lstStyle/>
-          <a:p>
-            <a:r>
-              <a:rPr lang="de-DE" dirty="0" smtClean="0"/>
-              <a:t>Desktop Screen Reader</a:t>
-            </a:r>
-          </a:p>
-          <a:p>
-            <a:endParaRPr lang="de-DE" dirty="0" smtClean="0"/>
-          </a:p>
-          <a:p>
-            <a:r>
-              <a:rPr lang="de-DE" dirty="0" smtClean="0"/>
-              <a:t>Liest Text unterm Cursor / markiertes Element</a:t>
-            </a:r>
-          </a:p>
-          <a:p>
-            <a:endParaRPr lang="de-DE" dirty="0"/>
-          </a:p>
-          <a:p>
-            <a:r>
-              <a:rPr lang="de-DE" dirty="0" smtClean="0"/>
-              <a:t>Ermöglicht Mausbenutzung</a:t>
-            </a:r>
-          </a:p>
-          <a:p>
-            <a:endParaRPr lang="de-DE" dirty="0" smtClean="0"/>
-          </a:p>
-          <a:p>
-            <a:r>
-              <a:rPr lang="de-DE" dirty="0" smtClean="0"/>
-              <a:t>Benutzung ohne Installation oder Administratorrechte möglich</a:t>
-            </a:r>
-            <a:endParaRPr lang="de-DE" dirty="0"/>
-          </a:p>
-        </p:txBody>
-      </p:sp>
-      <p:pic>
-        <p:nvPicPr>
-          <p:cNvPr id="1026" name="Picture 2" descr="NVDA Logo"/>
-          <p:cNvPicPr>
-            <a:picLocks noChangeAspect="1" noChangeArrowheads="1"/>
-          </p:cNvPicPr>
-          <p:nvPr/>
-        </p:nvPicPr>
-        <p:blipFill>
-          <a:blip r:embed="rId2">
-            <a:extLst>
-              <a:ext uri="{28A0092B-C50C-407E-A947-70E740481C1C}">
-                <a14:useLocalDpi xmlns:a14="http://schemas.microsoft.com/office/drawing/2010/main" xmlns="" val="0"/>
-              </a:ext>
-            </a:extLst>
-          </a:blip>
-          <a:srcRect/>
-          <a:stretch>
-            <a:fillRect/>
-          </a:stretch>
-        </p:blipFill>
-        <p:spPr bwMode="auto">
-          <a:xfrm>
-            <a:off x="467544" y="332656"/>
-            <a:ext cx="952500" cy="952500"/>
-          </a:xfrm>
-          <a:prstGeom prst="rect">
-            <a:avLst/>
-          </a:prstGeom>
-          <a:noFill/>
-          <a:extLst>
-            <a:ext uri="{909E8E84-426E-40DD-AFC4-6F175D3DCCD1}">
-              <a14:hiddenFill xmlns:a14="http://schemas.microsoft.com/office/drawing/2010/main" xmlns="">
-                <a:solidFill>
-                  <a:srgbClr val="FFFFFF"/>
-                </a:solidFill>
-              </a14:hiddenFill>
-            </a:ext>
-          </a:extLst>
-        </p:spPr>
-      </p:pic>
     </p:spTree>
     <p:extLst>
       <p:ext uri="{BB962C8B-B14F-4D97-AF65-F5344CB8AC3E}">
-        <p14:creationId xmlns:p14="http://schemas.microsoft.com/office/powerpoint/2010/main" xmlns="" val="2282046816"/>
+        <p14:creationId xmlns:p14="http://schemas.microsoft.com/office/powerpoint/2010/main" val="2774883840"/>
       </p:ext>
     </p:extLst>
   </p:cSld>
@@ -6502,7 +7014,7 @@
             <a:pPr algn="l"/>
             <a:r>
               <a:rPr lang="de-DE" dirty="0" smtClean="0"/>
-              <a:t>	NVDA: erster Eindruck</a:t>
+              <a:t>	NVDA</a:t>
             </a:r>
             <a:endParaRPr lang="de-DE" dirty="0"/>
           </a:p>
@@ -6521,47 +7033,48 @@
         <p:spPr/>
         <p:txBody>
           <a:bodyPr>
-            <a:normAutofit/>
+            <a:normAutofit lnSpcReduction="10000"/>
           </a:bodyPr>
           <a:lstStyle/>
           <a:p>
             <a:r>
               <a:rPr lang="de-DE" dirty="0" smtClean="0"/>
-              <a:t>Schwierigkeiten beim Erkennen der Sprache</a:t>
-            </a:r>
-          </a:p>
-          <a:p>
-            <a:endParaRPr lang="de-DE" sz="2400" dirty="0" smtClean="0"/>
-          </a:p>
-          <a:p>
-            <a:r>
-              <a:rPr lang="de-DE" dirty="0" smtClean="0"/>
-              <a:t>Aussprache teilweise schwer verständlich</a:t>
-            </a:r>
-          </a:p>
-          <a:p>
-            <a:endParaRPr lang="de-DE" sz="2800" dirty="0" smtClean="0"/>
-          </a:p>
-          <a:p>
-            <a:r>
-              <a:rPr lang="de-DE" dirty="0" smtClean="0"/>
-              <a:t>Gute Integration in Windows</a:t>
-            </a:r>
-          </a:p>
-          <a:p>
-            <a:endParaRPr lang="de-DE" sz="2600" dirty="0" smtClean="0"/>
-          </a:p>
-          <a:p>
-            <a:r>
-              <a:rPr lang="de-DE" dirty="0" smtClean="0"/>
-              <a:t>Microsoft Speech API besser, leider nur englisch</a:t>
-            </a:r>
+              <a:t>Desktop Screen Reader</a:t>
+            </a:r>
+          </a:p>
+          <a:p>
+            <a:endParaRPr lang="de-DE" dirty="0" smtClean="0"/>
+          </a:p>
+          <a:p>
+            <a:r>
+              <a:rPr lang="de-DE" dirty="0" smtClean="0"/>
+              <a:t>Liest Text unterm Cursor / markiertes Element</a:t>
+            </a:r>
+          </a:p>
+          <a:p>
+            <a:endParaRPr lang="de-DE" dirty="0"/>
+          </a:p>
+          <a:p>
+            <a:r>
+              <a:rPr lang="de-DE" dirty="0" smtClean="0"/>
+              <a:t>Ermöglicht Mausbenutzung</a:t>
+            </a:r>
+          </a:p>
+          <a:p>
+            <a:endParaRPr lang="de-DE" dirty="0" smtClean="0"/>
+          </a:p>
+          <a:p>
+            <a:r>
+              <a:rPr lang="de-DE" dirty="0" smtClean="0"/>
+              <a:t>Benutzung ohne Installation oder Administratorrechte möglich</a:t>
+            </a:r>
+            <a:endParaRPr lang="de-DE" dirty="0"/>
           </a:p>
         </p:txBody>
       </p:sp>
       <p:pic>
         <p:nvPicPr>
-          <p:cNvPr id="4" name="Picture 2" descr="NVDA Logo"/>
+          <p:cNvPr id="1026" name="Picture 2" descr="NVDA Logo"/>
           <p:cNvPicPr>
             <a:picLocks noChangeAspect="1" noChangeArrowheads="1"/>
           </p:cNvPicPr>
@@ -6571,7 +7084,7 @@
           <a:blip r:embed="rId2">
             <a:extLst>
               <a:ext uri="{28A0092B-C50C-407E-A947-70E740481C1C}">
-                <a14:useLocalDpi xmlns:a14="http://schemas.microsoft.com/office/drawing/2010/main" xmlns="" val="0"/>
+                <a14:useLocalDpi xmlns:a14="http://schemas.microsoft.com/office/drawing/2010/main" val="0"/>
               </a:ext>
             </a:extLst>
           </a:blip>
@@ -6591,7 +7104,7 @@
           <a:noFill/>
           <a:extLst>
             <a:ext uri="{909E8E84-426E-40DD-AFC4-6F175D3DCCD1}">
-              <a14:hiddenFill xmlns:a14="http://schemas.microsoft.com/office/drawing/2010/main" xmlns="">
+              <a14:hiddenFill xmlns:a14="http://schemas.microsoft.com/office/drawing/2010/main">
                 <a:solidFill>
                   <a:srgbClr val="FFFFFF"/>
                 </a:solidFill>
@@ -6603,7 +7116,7 @@
     </p:spTree>
     <p:extLst>
       <p:ext uri="{BB962C8B-B14F-4D97-AF65-F5344CB8AC3E}">
-        <p14:creationId xmlns:p14="http://schemas.microsoft.com/office/powerpoint/2010/main" xmlns="" val="1365055169"/>
+        <p14:creationId xmlns:p14="http://schemas.microsoft.com/office/powerpoint/2010/main" val="2282046816"/>
       </p:ext>
     </p:extLst>
   </p:cSld>
@@ -6655,7 +7168,7 @@
             <a:pPr algn="l"/>
             <a:r>
               <a:rPr lang="de-DE" dirty="0" smtClean="0"/>
-              <a:t>	NVDA: Auswertung</a:t>
+              <a:t>	NVDA: erster Eindruck</a:t>
             </a:r>
             <a:endParaRPr lang="de-DE" dirty="0"/>
           </a:p>
@@ -6673,69 +7186,41 @@
         </p:nvSpPr>
         <p:spPr/>
         <p:txBody>
-          <a:bodyPr/>
-          <a:lstStyle/>
-          <a:p>
-            <a:pPr marL="342900" lvl="1" indent="-342900">
-              <a:lnSpc>
-                <a:spcPct val="150000"/>
-              </a:lnSpc>
-              <a:buFont typeface="Arial" pitchFamily="34" charset="0"/>
-              <a:buChar char="•"/>
-            </a:pPr>
-            <a:r>
-              <a:rPr lang="de-DE" sz="3200" dirty="0" smtClean="0"/>
-              <a:t>Hohe Flexibilität durch Mausbenutzung</a:t>
-            </a:r>
-          </a:p>
-          <a:p>
-            <a:pPr marL="342900" lvl="1" indent="-342900">
-              <a:lnSpc>
-                <a:spcPct val="150000"/>
-              </a:lnSpc>
-              <a:buFont typeface="Arial" pitchFamily="34" charset="0"/>
-              <a:buChar char="•"/>
-            </a:pPr>
-            <a:r>
-              <a:rPr lang="de-DE" sz="3200" dirty="0" smtClean="0"/>
-              <a:t>Am </a:t>
-            </a:r>
-            <a:r>
-              <a:rPr lang="de-DE" sz="3200" dirty="0"/>
-              <a:t>Besten mit englischem System verwenden</a:t>
-            </a:r>
-          </a:p>
-          <a:p>
-            <a:pPr>
-              <a:lnSpc>
-                <a:spcPct val="150000"/>
-              </a:lnSpc>
-            </a:pPr>
-            <a:r>
-              <a:rPr lang="de-DE" dirty="0" smtClean="0"/>
-              <a:t>Sprachgeschwindigkeit leicht herunterschalten</a:t>
-            </a:r>
-          </a:p>
-          <a:p>
-            <a:pPr>
-              <a:lnSpc>
-                <a:spcPct val="150000"/>
-              </a:lnSpc>
-            </a:pPr>
-            <a:r>
-              <a:rPr lang="de-DE" dirty="0" smtClean="0"/>
-              <a:t>Einfach von USB Stick starten</a:t>
-            </a:r>
-          </a:p>
-          <a:p>
-            <a:pPr>
-              <a:lnSpc>
-                <a:spcPct val="150000"/>
-              </a:lnSpc>
-            </a:pPr>
-            <a:r>
-              <a:rPr lang="de-DE" dirty="0" smtClean="0"/>
-              <a:t>Manche Anwendungen inkompatibel z.B. GTK</a:t>
+          <a:bodyPr>
+            <a:normAutofit/>
+          </a:bodyPr>
+          <a:lstStyle/>
+          <a:p>
+            <a:r>
+              <a:rPr lang="de-DE" dirty="0" smtClean="0"/>
+              <a:t>Schwierigkeiten beim Erkennen der Sprache</a:t>
+            </a:r>
+          </a:p>
+          <a:p>
+            <a:endParaRPr lang="de-DE" sz="2400" dirty="0" smtClean="0"/>
+          </a:p>
+          <a:p>
+            <a:r>
+              <a:rPr lang="de-DE" dirty="0" smtClean="0"/>
+              <a:t>Aussprache teilweise schwer verständlich</a:t>
+            </a:r>
+          </a:p>
+          <a:p>
+            <a:endParaRPr lang="de-DE" sz="2800" dirty="0" smtClean="0"/>
+          </a:p>
+          <a:p>
+            <a:r>
+              <a:rPr lang="de-DE" dirty="0" smtClean="0"/>
+              <a:t>Gute Integration in Windows</a:t>
+            </a:r>
+          </a:p>
+          <a:p>
+            <a:endParaRPr lang="de-DE" sz="2600" dirty="0" smtClean="0"/>
+          </a:p>
+          <a:p>
+            <a:r>
+              <a:rPr lang="de-DE" dirty="0" smtClean="0"/>
+              <a:t>Microsoft Speech API besser, leider nur englisch</a:t>
             </a:r>
           </a:p>
         </p:txBody>
@@ -6752,7 +7237,7 @@
           <a:blip r:embed="rId2">
             <a:extLst>
               <a:ext uri="{28A0092B-C50C-407E-A947-70E740481C1C}">
-                <a14:useLocalDpi xmlns:a14="http://schemas.microsoft.com/office/drawing/2010/main" xmlns="" val="0"/>
+                <a14:useLocalDpi xmlns:a14="http://schemas.microsoft.com/office/drawing/2010/main" val="0"/>
               </a:ext>
             </a:extLst>
           </a:blip>
@@ -6772,7 +7257,7 @@
           <a:noFill/>
           <a:extLst>
             <a:ext uri="{909E8E84-426E-40DD-AFC4-6F175D3DCCD1}">
-              <a14:hiddenFill xmlns:a14="http://schemas.microsoft.com/office/drawing/2010/main" xmlns="">
+              <a14:hiddenFill xmlns:a14="http://schemas.microsoft.com/office/drawing/2010/main">
                 <a:solidFill>
                   <a:srgbClr val="FFFFFF"/>
                 </a:solidFill>
@@ -6784,7 +7269,7 @@
     </p:spTree>
     <p:extLst>
       <p:ext uri="{BB962C8B-B14F-4D97-AF65-F5344CB8AC3E}">
-        <p14:creationId xmlns:p14="http://schemas.microsoft.com/office/powerpoint/2010/main" xmlns="" val="1951988275"/>
+        <p14:creationId xmlns:p14="http://schemas.microsoft.com/office/powerpoint/2010/main" val="1365055169"/>
       </p:ext>
     </p:extLst>
   </p:cSld>
@@ -6836,11 +7321,7 @@
             <a:pPr algn="l"/>
             <a:r>
               <a:rPr lang="de-DE" dirty="0" smtClean="0"/>
-              <a:t>	 </a:t>
-            </a:r>
-            <a:r>
-              <a:rPr lang="de-DE" dirty="0" err="1" smtClean="0"/>
-              <a:t>ChromeVox</a:t>
+              <a:t>	NVDA: Auswertung</a:t>
             </a:r>
             <a:endParaRPr lang="de-DE" dirty="0"/>
           </a:p>
@@ -6861,60 +7342,73 @@
           <a:bodyPr/>
           <a:lstStyle/>
           <a:p>
-            <a:r>
-              <a:rPr lang="de-DE" dirty="0" smtClean="0"/>
-              <a:t>Chrome Extension</a:t>
-            </a:r>
-          </a:p>
-          <a:p>
-            <a:pPr lvl="1"/>
-            <a:r>
-              <a:rPr lang="de-DE" dirty="0" smtClean="0"/>
-              <a:t>1Click </a:t>
-            </a:r>
-            <a:r>
-              <a:rPr lang="de-DE" dirty="0" err="1" smtClean="0"/>
-              <a:t>install</a:t>
-            </a:r>
-            <a:endParaRPr lang="de-DE" dirty="0" smtClean="0"/>
-          </a:p>
-          <a:p>
-            <a:r>
-              <a:rPr lang="de-DE" dirty="0" smtClean="0"/>
-              <a:t>Open Source</a:t>
-            </a:r>
-          </a:p>
-          <a:p>
-            <a:r>
-              <a:rPr lang="de-DE" dirty="0" smtClean="0"/>
-              <a:t>Entwickelt mit HTML, CSS, </a:t>
-            </a:r>
-            <a:r>
-              <a:rPr lang="de-DE" dirty="0" err="1" smtClean="0"/>
-              <a:t>Javascript</a:t>
-            </a:r>
-            <a:endParaRPr lang="de-DE" dirty="0" smtClean="0"/>
-          </a:p>
-          <a:p>
-            <a:r>
-              <a:rPr lang="de-DE" dirty="0" err="1" smtClean="0"/>
-              <a:t>Keyboardsteuerung</a:t>
-            </a:r>
-            <a:endParaRPr lang="de-DE" dirty="0" smtClean="0"/>
-          </a:p>
-          <a:p>
-            <a:pPr lvl="1"/>
-            <a:r>
-              <a:rPr lang="de-DE" dirty="0" smtClean="0"/>
-              <a:t>Optional auch Maus</a:t>
-            </a:r>
-            <a:endParaRPr lang="de-DE" dirty="0"/>
+            <a:pPr marL="342900" lvl="1" indent="-342900">
+              <a:lnSpc>
+                <a:spcPct val="150000"/>
+              </a:lnSpc>
+              <a:buFont typeface="Arial" pitchFamily="34" charset="0"/>
+              <a:buChar char="•"/>
+            </a:pPr>
+            <a:r>
+              <a:rPr lang="de-DE" sz="3200" dirty="0" smtClean="0"/>
+              <a:t>Hohe Flexibilität durch Mausbenutzung</a:t>
+            </a:r>
+          </a:p>
+          <a:p>
+            <a:pPr marL="342900" lvl="1" indent="-342900">
+              <a:lnSpc>
+                <a:spcPct val="150000"/>
+              </a:lnSpc>
+              <a:buFont typeface="Arial" pitchFamily="34" charset="0"/>
+              <a:buChar char="•"/>
+            </a:pPr>
+            <a:r>
+              <a:rPr lang="de-DE" sz="3200" dirty="0" smtClean="0"/>
+              <a:t>Am </a:t>
+            </a:r>
+            <a:r>
+              <a:rPr lang="de-DE" sz="3200" dirty="0"/>
+              <a:t>Besten mit englischem System verwenden</a:t>
+            </a:r>
+          </a:p>
+          <a:p>
+            <a:pPr>
+              <a:lnSpc>
+                <a:spcPct val="150000"/>
+              </a:lnSpc>
+            </a:pPr>
+            <a:r>
+              <a:rPr lang="de-DE" dirty="0" smtClean="0"/>
+              <a:t>Sprachgeschwindigkeit leicht herunterschalten</a:t>
+            </a:r>
+          </a:p>
+          <a:p>
+            <a:pPr>
+              <a:lnSpc>
+                <a:spcPct val="150000"/>
+              </a:lnSpc>
+            </a:pPr>
+            <a:r>
+              <a:rPr lang="de-DE" dirty="0" smtClean="0"/>
+              <a:t>Einfach von USB Stick starten</a:t>
+            </a:r>
+          </a:p>
+          <a:p>
+            <a:pPr>
+              <a:lnSpc>
+                <a:spcPct val="150000"/>
+              </a:lnSpc>
+            </a:pPr>
+            <a:r>
+              <a:rPr lang="de-DE" dirty="0" smtClean="0"/>
+              <a:t>Manche Anwendungen inkompatibel z.B. GTK</a:t>
+            </a:r>
           </a:p>
         </p:txBody>
       </p:sp>
       <p:pic>
         <p:nvPicPr>
-          <p:cNvPr id="1026" name="Picture 2" descr="E:\Dokumente\BHT\Master\hci\img\chromelogo.png"/>
+          <p:cNvPr id="4" name="Picture 2" descr="NVDA Logo"/>
           <p:cNvPicPr>
             <a:picLocks noChangeAspect="1" noChangeArrowheads="1"/>
           </p:cNvPicPr>
@@ -6924,7 +7418,7 @@
           <a:blip r:embed="rId2">
             <a:extLst>
               <a:ext uri="{28A0092B-C50C-407E-A947-70E740481C1C}">
-                <a14:useLocalDpi xmlns:a14="http://schemas.microsoft.com/office/drawing/2010/main" xmlns="" val="0"/>
+                <a14:useLocalDpi xmlns:a14="http://schemas.microsoft.com/office/drawing/2010/main" val="0"/>
               </a:ext>
             </a:extLst>
           </a:blip>
@@ -6935,8 +7429,8 @@
         </p:blipFill>
         <p:spPr bwMode="auto">
           <a:xfrm>
-            <a:off x="539552" y="332656"/>
-            <a:ext cx="1000124" cy="976312"/>
+            <a:off x="467544" y="332656"/>
+            <a:ext cx="952500" cy="952500"/>
           </a:xfrm>
           <a:prstGeom prst="rect">
             <a:avLst/>
@@ -6944,7 +7438,7 @@
           <a:noFill/>
           <a:extLst>
             <a:ext uri="{909E8E84-426E-40DD-AFC4-6F175D3DCCD1}">
-              <a14:hiddenFill xmlns:a14="http://schemas.microsoft.com/office/drawing/2010/main" xmlns="">
+              <a14:hiddenFill xmlns:a14="http://schemas.microsoft.com/office/drawing/2010/main">
                 <a:solidFill>
                   <a:srgbClr val="FFFFFF"/>
                 </a:solidFill>
@@ -6954,6 +7448,11 @@
         </p:spPr>
       </p:pic>
     </p:spTree>
+    <p:extLst>
+      <p:ext uri="{BB962C8B-B14F-4D97-AF65-F5344CB8AC3E}">
+        <p14:creationId xmlns:p14="http://schemas.microsoft.com/office/powerpoint/2010/main" val="1951988275"/>
+      </p:ext>
+    </p:extLst>
   </p:cSld>
   <p:clrMapOvr>
     <a:masterClrMapping/>
@@ -7009,10 +7508,6 @@
               <a:rPr lang="de-DE" dirty="0" err="1" smtClean="0"/>
               <a:t>ChromeVox</a:t>
             </a:r>
-            <a:r>
-              <a:rPr lang="de-DE" dirty="0" smtClean="0"/>
-              <a:t>: Pros</a:t>
-            </a:r>
             <a:endParaRPr lang="de-DE" dirty="0"/>
           </a:p>
         </p:txBody>
@@ -7034,54 +7529,58 @@
           <a:p>
             <a:r>
               <a:rPr lang="de-DE" dirty="0" smtClean="0"/>
-              <a:t>Supports AJAX</a:t>
+              <a:t>Chrome Extension</a:t>
             </a:r>
           </a:p>
           <a:p>
             <a:pPr lvl="1"/>
             <a:r>
               <a:rPr lang="de-DE" dirty="0" smtClean="0"/>
-              <a:t>Verschluckt sich aber auch manchmal (</a:t>
+              <a:t>1Click </a:t>
             </a:r>
             <a:r>
               <a:rPr lang="de-DE" dirty="0" err="1" smtClean="0"/>
-              <a:t>Gmail</a:t>
-            </a:r>
-            <a:r>
-              <a:rPr lang="de-DE" dirty="0" smtClean="0"/>
-              <a:t>)</a:t>
-            </a:r>
-          </a:p>
-          <a:p>
+              <a:t>install</a:t>
+            </a:r>
             <a:endParaRPr lang="de-DE" dirty="0" smtClean="0"/>
           </a:p>
           <a:p>
             <a:r>
               <a:rPr lang="de-DE" dirty="0" smtClean="0"/>
-              <a:t>Beachtet nur sichtbare Elemente</a:t>
-            </a:r>
-          </a:p>
-          <a:p>
+              <a:t>Open Source</a:t>
+            </a:r>
+          </a:p>
+          <a:p>
+            <a:r>
+              <a:rPr lang="de-DE" dirty="0" smtClean="0"/>
+              <a:t>Entwickelt mit HTML, CSS, </a:t>
+            </a:r>
+            <a:r>
+              <a:rPr lang="de-DE" dirty="0" err="1" smtClean="0"/>
+              <a:t>Javascript</a:t>
+            </a:r>
             <a:endParaRPr lang="de-DE" dirty="0" smtClean="0"/>
           </a:p>
           <a:p>
             <a:r>
               <a:rPr lang="de-DE" dirty="0" err="1" smtClean="0"/>
-              <a:t>Akkustischer</a:t>
-            </a:r>
-            <a:r>
-              <a:rPr lang="de-DE" dirty="0" smtClean="0"/>
-              <a:t> Hinweis auf anklickbare Elemente</a:t>
-            </a:r>
-          </a:p>
-          <a:p>
+              <a:t>Keyboardsteuerung</a:t>
+            </a:r>
             <a:endParaRPr lang="de-DE" dirty="0" smtClean="0"/>
+          </a:p>
+          <a:p>
+            <a:pPr lvl="1"/>
+            <a:r>
+              <a:rPr lang="de-DE" dirty="0" smtClean="0"/>
+              <a:t>Optional auch Maus</a:t>
+            </a:r>
+            <a:endParaRPr lang="de-DE" dirty="0"/>
           </a:p>
         </p:txBody>
       </p:sp>
       <p:pic>
         <p:nvPicPr>
-          <p:cNvPr id="4" name="Picture 2" descr="E:\Dokumente\BHT\Master\hci\img\chromelogo.png"/>
+          <p:cNvPr id="1026" name="Picture 2" descr="E:\Dokumente\BHT\Master\hci\img\chromelogo.png"/>
           <p:cNvPicPr>
             <a:picLocks noChangeAspect="1" noChangeArrowheads="1"/>
           </p:cNvPicPr>
@@ -7091,7 +7590,7 @@
           <a:blip r:embed="rId2">
             <a:extLst>
               <a:ext uri="{28A0092B-C50C-407E-A947-70E740481C1C}">
-                <a14:useLocalDpi xmlns:a14="http://schemas.microsoft.com/office/drawing/2010/main" xmlns="" val="0"/>
+                <a14:useLocalDpi xmlns:a14="http://schemas.microsoft.com/office/drawing/2010/main" val="0"/>
               </a:ext>
             </a:extLst>
           </a:blip>
@@ -7111,7 +7610,7 @@
           <a:noFill/>
           <a:extLst>
             <a:ext uri="{909E8E84-426E-40DD-AFC4-6F175D3DCCD1}">
-              <a14:hiddenFill xmlns:a14="http://schemas.microsoft.com/office/drawing/2010/main" xmlns="">
+              <a14:hiddenFill xmlns:a14="http://schemas.microsoft.com/office/drawing/2010/main">
                 <a:solidFill>
                   <a:srgbClr val="FFFFFF"/>
                 </a:solidFill>

--- a/screenreader.pptx
+++ b/screenreader.pptx
@@ -3666,11 +3666,7 @@
           <a:p>
             <a:r>
               <a:rPr lang="de-DE" sz="5300" dirty="0" smtClean="0"/>
-              <a:t>Screen </a:t>
-            </a:r>
-            <a:r>
-              <a:rPr lang="de-DE" sz="5300" dirty="0" smtClean="0"/>
-              <a:t>Reader</a:t>
+              <a:t>Screen Reader</a:t>
             </a:r>
             <a:br>
               <a:rPr lang="de-DE" sz="5300" dirty="0" smtClean="0"/>
@@ -4840,11 +4836,7 @@
           <a:p>
             <a:r>
               <a:rPr lang="de-DE" dirty="0" smtClean="0"/>
-              <a:t>HTML/CSS/JS </a:t>
-            </a:r>
-            <a:r>
-              <a:rPr lang="de-DE" dirty="0" smtClean="0"/>
-              <a:t>Framework</a:t>
+              <a:t>HTML/CSS/JS Framework</a:t>
             </a:r>
           </a:p>
           <a:p>
@@ -4883,11 +4875,7 @@
             </a:r>
             <a:r>
               <a:rPr lang="de-DE" dirty="0" smtClean="0"/>
-              <a:t> </a:t>
-            </a:r>
-            <a:r>
-              <a:rPr lang="de-DE" dirty="0" smtClean="0"/>
-              <a:t>Pro</a:t>
+              <a:t> Pro</a:t>
             </a:r>
           </a:p>
           <a:p>
@@ -4979,11 +4967,7 @@
           <a:p>
             <a:r>
               <a:rPr lang="de-DE" dirty="0" smtClean="0"/>
-              <a:t>Focus on </a:t>
-            </a:r>
-            <a:r>
-              <a:rPr lang="de-DE" dirty="0" smtClean="0"/>
-              <a:t>Content</a:t>
+              <a:t>Focus on Content</a:t>
             </a:r>
           </a:p>
           <a:p>
@@ -4996,11 +4980,7 @@
             </a:r>
             <a:r>
               <a:rPr lang="de-DE" dirty="0" smtClean="0"/>
-              <a:t> </a:t>
-            </a:r>
-            <a:r>
-              <a:rPr lang="de-DE" dirty="0" smtClean="0"/>
-              <a:t>Components</a:t>
+              <a:t> Components</a:t>
             </a:r>
           </a:p>
           <a:p>
@@ -5300,11 +5280,7 @@
           <a:p>
             <a:r>
               <a:rPr lang="de-DE" dirty="0" smtClean="0"/>
-              <a:t>Sauberer </a:t>
-            </a:r>
-            <a:r>
-              <a:rPr lang="de-DE" dirty="0" smtClean="0"/>
-              <a:t>Code</a:t>
+              <a:t>Sauberer Code</a:t>
             </a:r>
           </a:p>
           <a:p>
@@ -5415,11 +5391,7 @@
           <a:p>
             <a:r>
               <a:rPr lang="de-DE" dirty="0" smtClean="0"/>
-              <a:t>Cross </a:t>
-            </a:r>
-            <a:r>
-              <a:rPr lang="de-DE" dirty="0" smtClean="0"/>
-              <a:t>Browser/Plattform</a:t>
+              <a:t>Cross Browser/Plattform</a:t>
             </a:r>
           </a:p>
           <a:p>
@@ -6307,11 +6279,7 @@
           <a:p>
             <a:r>
               <a:rPr lang="de-DE" dirty="0" smtClean="0"/>
-              <a:t>Gut geeignet </a:t>
-            </a:r>
-            <a:r>
-              <a:rPr lang="de-DE" dirty="0" smtClean="0"/>
-              <a:t>;-)</a:t>
+              <a:t>Gut geeignet ;-)</a:t>
             </a:r>
           </a:p>
           <a:p>
@@ -6478,11 +6446,7 @@
           <a:p>
             <a:r>
               <a:rPr lang="de-DE" dirty="0" smtClean="0"/>
-              <a:t>Produktiv &amp; </a:t>
-            </a:r>
-            <a:r>
-              <a:rPr lang="de-DE" dirty="0" smtClean="0"/>
-              <a:t>effizient</a:t>
+              <a:t>Produktiv &amp; effizient</a:t>
             </a:r>
           </a:p>
           <a:p>
@@ -6491,11 +6455,7 @@
           <a:p>
             <a:r>
               <a:rPr lang="de-DE" dirty="0" smtClean="0"/>
-              <a:t>Konzentration auf </a:t>
-            </a:r>
-            <a:r>
-              <a:rPr lang="de-DE" dirty="0" smtClean="0"/>
-              <a:t>Inhalt/</a:t>
+              <a:t>Konzentration auf Inhalt/</a:t>
             </a:r>
             <a:r>
               <a:rPr lang="de-DE" dirty="0" err="1" smtClean="0"/>
@@ -6509,11 +6469,7 @@
           <a:p>
             <a:r>
               <a:rPr lang="de-DE" dirty="0" smtClean="0"/>
-              <a:t>Schneller </a:t>
-            </a:r>
-            <a:r>
-              <a:rPr lang="de-DE" dirty="0" smtClean="0"/>
-              <a:t>Einstieg</a:t>
+              <a:t>Schneller Einstieg</a:t>
             </a:r>
           </a:p>
           <a:p>
@@ -6657,11 +6613,7 @@
             <a:pPr algn="l"/>
             <a:r>
               <a:rPr lang="de-DE" dirty="0" smtClean="0"/>
-              <a:t>Freie Screen </a:t>
-            </a:r>
-            <a:r>
-              <a:rPr lang="de-DE" dirty="0" smtClean="0"/>
-              <a:t>Reader </a:t>
+              <a:t>Freie Screen Reader </a:t>
             </a:r>
             <a:r>
               <a:rPr lang="de-DE" sz="3100" dirty="0" err="1" smtClean="0">
@@ -7524,7 +7476,9 @@
         </p:nvSpPr>
         <p:spPr/>
         <p:txBody>
-          <a:bodyPr/>
+          <a:bodyPr>
+            <a:normAutofit fontScale="92500" lnSpcReduction="10000"/>
+          </a:bodyPr>
           <a:lstStyle/>
           <a:p>
             <a:r>
@@ -7545,10 +7499,21 @@
             <a:endParaRPr lang="de-DE" dirty="0" smtClean="0"/>
           </a:p>
           <a:p>
-            <a:r>
-              <a:rPr lang="de-DE" dirty="0" smtClean="0"/>
-              <a:t>Open Source</a:t>
-            </a:r>
+            <a:pPr lvl="1"/>
+            <a:endParaRPr lang="de-DE" dirty="0" smtClean="0"/>
+          </a:p>
+          <a:p>
+            <a:r>
+              <a:rPr lang="de-DE" dirty="0" smtClean="0"/>
+              <a:t>Open </a:t>
+            </a:r>
+            <a:r>
+              <a:rPr lang="de-DE" dirty="0" smtClean="0"/>
+              <a:t>Source</a:t>
+            </a:r>
+          </a:p>
+          <a:p>
+            <a:endParaRPr lang="de-DE" dirty="0" smtClean="0"/>
           </a:p>
           <a:p>
             <a:r>
@@ -7559,6 +7524,9 @@
               <a:rPr lang="de-DE" dirty="0" err="1" smtClean="0"/>
               <a:t>Javascript</a:t>
             </a:r>
+            <a:endParaRPr lang="de-DE" dirty="0" smtClean="0"/>
+          </a:p>
+          <a:p>
             <a:endParaRPr lang="de-DE" dirty="0" smtClean="0"/>
           </a:p>
           <a:p>
